--- a/SURVIVAL RATIO PLOTS_For survey.pptx
+++ b/SURVIVAL RATIO PLOTS_For survey.pptx
@@ -108,6 +108,11 @@
       </a:defRPr>
     </a:lvl9pPr>
   </p:defaultTextStyle>
+  <p:extLst>
+    <p:ext uri="{EFAFB233-063F-42B5-8137-9DF3F51BA10A}">
+      <p15:sldGuideLst xmlns:p15="http://schemas.microsoft.com/office/powerpoint/2012/main"/>
+    </p:ext>
+  </p:extLst>
 </p:presentation>
 </file>
 
@@ -258,7 +263,7 @@
           <a:p>
             <a:fld id="{E11CEBBC-63BD-404B-AFC0-81AF74A99657}" type="datetimeFigureOut">
               <a:rPr lang="en-US" smtClean="0"/>
-              <a:t>2/13/2025</a:t>
+              <a:t>2/19/2025</a:t>
             </a:fld>
             <a:endParaRPr lang="en-US"/>
           </a:p>
@@ -456,7 +461,7 @@
           <a:p>
             <a:fld id="{E11CEBBC-63BD-404B-AFC0-81AF74A99657}" type="datetimeFigureOut">
               <a:rPr lang="en-US" smtClean="0"/>
-              <a:t>2/13/2025</a:t>
+              <a:t>2/19/2025</a:t>
             </a:fld>
             <a:endParaRPr lang="en-US"/>
           </a:p>
@@ -664,7 +669,7 @@
           <a:p>
             <a:fld id="{E11CEBBC-63BD-404B-AFC0-81AF74A99657}" type="datetimeFigureOut">
               <a:rPr lang="en-US" smtClean="0"/>
-              <a:t>2/13/2025</a:t>
+              <a:t>2/19/2025</a:t>
             </a:fld>
             <a:endParaRPr lang="en-US"/>
           </a:p>
@@ -862,7 +867,7 @@
           <a:p>
             <a:fld id="{E11CEBBC-63BD-404B-AFC0-81AF74A99657}" type="datetimeFigureOut">
               <a:rPr lang="en-US" smtClean="0"/>
-              <a:t>2/13/2025</a:t>
+              <a:t>2/19/2025</a:t>
             </a:fld>
             <a:endParaRPr lang="en-US"/>
           </a:p>
@@ -1137,7 +1142,7 @@
           <a:p>
             <a:fld id="{E11CEBBC-63BD-404B-AFC0-81AF74A99657}" type="datetimeFigureOut">
               <a:rPr lang="en-US" smtClean="0"/>
-              <a:t>2/13/2025</a:t>
+              <a:t>2/19/2025</a:t>
             </a:fld>
             <a:endParaRPr lang="en-US"/>
           </a:p>
@@ -1402,7 +1407,7 @@
           <a:p>
             <a:fld id="{E11CEBBC-63BD-404B-AFC0-81AF74A99657}" type="datetimeFigureOut">
               <a:rPr lang="en-US" smtClean="0"/>
-              <a:t>2/13/2025</a:t>
+              <a:t>2/19/2025</a:t>
             </a:fld>
             <a:endParaRPr lang="en-US"/>
           </a:p>
@@ -1814,7 +1819,7 @@
           <a:p>
             <a:fld id="{E11CEBBC-63BD-404B-AFC0-81AF74A99657}" type="datetimeFigureOut">
               <a:rPr lang="en-US" smtClean="0"/>
-              <a:t>2/13/2025</a:t>
+              <a:t>2/19/2025</a:t>
             </a:fld>
             <a:endParaRPr lang="en-US"/>
           </a:p>
@@ -1955,7 +1960,7 @@
           <a:p>
             <a:fld id="{E11CEBBC-63BD-404B-AFC0-81AF74A99657}" type="datetimeFigureOut">
               <a:rPr lang="en-US" smtClean="0"/>
-              <a:t>2/13/2025</a:t>
+              <a:t>2/19/2025</a:t>
             </a:fld>
             <a:endParaRPr lang="en-US"/>
           </a:p>
@@ -2068,7 +2073,7 @@
           <a:p>
             <a:fld id="{E11CEBBC-63BD-404B-AFC0-81AF74A99657}" type="datetimeFigureOut">
               <a:rPr lang="en-US" smtClean="0"/>
-              <a:t>2/13/2025</a:t>
+              <a:t>2/19/2025</a:t>
             </a:fld>
             <a:endParaRPr lang="en-US"/>
           </a:p>
@@ -2379,7 +2384,7 @@
           <a:p>
             <a:fld id="{E11CEBBC-63BD-404B-AFC0-81AF74A99657}" type="datetimeFigureOut">
               <a:rPr lang="en-US" smtClean="0"/>
-              <a:t>2/13/2025</a:t>
+              <a:t>2/19/2025</a:t>
             </a:fld>
             <a:endParaRPr lang="en-US"/>
           </a:p>
@@ -2667,7 +2672,7 @@
           <a:p>
             <a:fld id="{E11CEBBC-63BD-404B-AFC0-81AF74A99657}" type="datetimeFigureOut">
               <a:rPr lang="en-US" smtClean="0"/>
-              <a:t>2/13/2025</a:t>
+              <a:t>2/19/2025</a:t>
             </a:fld>
             <a:endParaRPr lang="en-US"/>
           </a:p>
@@ -2908,7 +2913,7 @@
           <a:p>
             <a:fld id="{E11CEBBC-63BD-404B-AFC0-81AF74A99657}" type="datetimeFigureOut">
               <a:rPr lang="en-US" smtClean="0"/>
-              <a:t>2/13/2025</a:t>
+              <a:t>2/19/2025</a:t>
             </a:fld>
             <a:endParaRPr lang="en-US"/>
           </a:p>
@@ -3441,10 +3446,10 @@
       </p:sp>
       <p:pic>
         <p:nvPicPr>
-          <p:cNvPr id="5" name="Content Placeholder 4">
-            <a:extLst>
-              <a:ext uri="{FF2B5EF4-FFF2-40B4-BE49-F238E27FC236}">
-                <a16:creationId xmlns:a16="http://schemas.microsoft.com/office/drawing/2014/main" id="{C74934FD-9F1B-0D4C-884D-F81EDF1C5D8D}"/>
+          <p:cNvPr id="7" name="Content Placeholder 6">
+            <a:extLst>
+              <a:ext uri="{FF2B5EF4-FFF2-40B4-BE49-F238E27FC236}">
+                <a16:creationId xmlns:a16="http://schemas.microsoft.com/office/drawing/2014/main" id="{293DE86D-471E-BA4F-8E28-5962DA7387C8}"/>
               </a:ext>
             </a:extLst>
           </p:cNvPr>
@@ -3463,17 +3468,17 @@
         </p:blipFill>
         <p:spPr>
           <a:xfrm>
-            <a:off x="1047627" y="2601047"/>
-            <a:ext cx="4762745" cy="2800494"/>
+            <a:off x="838200" y="2420509"/>
+            <a:ext cx="5181600" cy="3161570"/>
           </a:xfrm>
         </p:spPr>
       </p:pic>
       <p:pic>
         <p:nvPicPr>
-          <p:cNvPr id="8" name="Content Placeholder 7">
-            <a:extLst>
-              <a:ext uri="{FF2B5EF4-FFF2-40B4-BE49-F238E27FC236}">
-                <a16:creationId xmlns:a16="http://schemas.microsoft.com/office/drawing/2014/main" id="{C392C552-C37B-35A8-EFEB-DBC1902CA201}"/>
+          <p:cNvPr id="14" name="Content Placeholder 13">
+            <a:extLst>
+              <a:ext uri="{FF2B5EF4-FFF2-40B4-BE49-F238E27FC236}">
+                <a16:creationId xmlns:a16="http://schemas.microsoft.com/office/drawing/2014/main" id="{52D5A103-2CA5-5A51-2245-AE98BAAD9B8C}"/>
               </a:ext>
             </a:extLst>
           </p:cNvPr>
@@ -3492,8 +3497,8 @@
         </p:blipFill>
         <p:spPr>
           <a:xfrm>
-            <a:off x="6454656" y="2588346"/>
-            <a:ext cx="4616687" cy="2825895"/>
+            <a:off x="6172200" y="2351683"/>
+            <a:ext cx="5181600" cy="3299222"/>
           </a:xfrm>
         </p:spPr>
       </p:pic>
@@ -3557,10 +3562,10 @@
       </p:sp>
       <p:pic>
         <p:nvPicPr>
-          <p:cNvPr id="6" name="Content Placeholder 5">
-            <a:extLst>
-              <a:ext uri="{FF2B5EF4-FFF2-40B4-BE49-F238E27FC236}">
-                <a16:creationId xmlns:a16="http://schemas.microsoft.com/office/drawing/2014/main" id="{6ECED2AF-6B2F-150B-63F8-6A854C3B4675}"/>
+          <p:cNvPr id="10" name="Content Placeholder 9">
+            <a:extLst>
+              <a:ext uri="{FF2B5EF4-FFF2-40B4-BE49-F238E27FC236}">
+                <a16:creationId xmlns:a16="http://schemas.microsoft.com/office/drawing/2014/main" id="{3EC7EB07-3C8A-F36C-F827-2E12D30F6EDE}"/>
               </a:ext>
             </a:extLst>
           </p:cNvPr>
@@ -3568,7 +3573,7 @@
             <a:picLocks noGrp="1" noChangeAspect="1"/>
           </p:cNvPicPr>
           <p:nvPr>
-            <p:ph sz="half" idx="1"/>
+            <p:ph sz="half" idx="2"/>
           </p:nvPr>
         </p:nvPicPr>
         <p:blipFill>
@@ -3579,17 +3584,17 @@
         </p:blipFill>
         <p:spPr>
           <a:xfrm>
-            <a:off x="987299" y="2616923"/>
-            <a:ext cx="4883401" cy="2768742"/>
+            <a:off x="6172200" y="2364598"/>
+            <a:ext cx="5181600" cy="3273391"/>
           </a:xfrm>
         </p:spPr>
       </p:pic>
       <p:pic>
         <p:nvPicPr>
-          <p:cNvPr id="8" name="Content Placeholder 7">
-            <a:extLst>
-              <a:ext uri="{FF2B5EF4-FFF2-40B4-BE49-F238E27FC236}">
-                <a16:creationId xmlns:a16="http://schemas.microsoft.com/office/drawing/2014/main" id="{A8A817E8-4100-CDE7-DE11-BFF5545726CF}"/>
+          <p:cNvPr id="16" name="Content Placeholder 15">
+            <a:extLst>
+              <a:ext uri="{FF2B5EF4-FFF2-40B4-BE49-F238E27FC236}">
+                <a16:creationId xmlns:a16="http://schemas.microsoft.com/office/drawing/2014/main" id="{4E4DFC0F-2F32-5851-4461-EBFB3A404F99}"/>
               </a:ext>
             </a:extLst>
           </p:cNvPr>
@@ -3597,7 +3602,7 @@
             <a:picLocks noGrp="1" noChangeAspect="1"/>
           </p:cNvPicPr>
           <p:nvPr>
-            <p:ph sz="half" idx="2"/>
+            <p:ph sz="half" idx="1"/>
           </p:nvPr>
         </p:nvPicPr>
         <p:blipFill>
@@ -3608,8 +3613,8 @@
         </p:blipFill>
         <p:spPr>
           <a:xfrm>
-            <a:off x="6464182" y="2620098"/>
-            <a:ext cx="4597636" cy="2762392"/>
+            <a:off x="838200" y="2392271"/>
+            <a:ext cx="5181600" cy="3218046"/>
           </a:xfrm>
         </p:spPr>
       </p:pic>
@@ -3673,10 +3678,10 @@
       </p:sp>
       <p:pic>
         <p:nvPicPr>
-          <p:cNvPr id="6" name="Content Placeholder 5">
-            <a:extLst>
-              <a:ext uri="{FF2B5EF4-FFF2-40B4-BE49-F238E27FC236}">
-                <a16:creationId xmlns:a16="http://schemas.microsoft.com/office/drawing/2014/main" id="{4038C334-0CD3-1019-D290-086C51686E53}"/>
+          <p:cNvPr id="7" name="Content Placeholder 6">
+            <a:extLst>
+              <a:ext uri="{FF2B5EF4-FFF2-40B4-BE49-F238E27FC236}">
+                <a16:creationId xmlns:a16="http://schemas.microsoft.com/office/drawing/2014/main" id="{D5A2A05D-0F63-72F9-1BB7-1373CA735A67}"/>
               </a:ext>
             </a:extLst>
           </p:cNvPr>
@@ -3695,17 +3700,17 @@
         </p:blipFill>
         <p:spPr>
           <a:xfrm>
-            <a:off x="968248" y="2645499"/>
-            <a:ext cx="4921503" cy="2711589"/>
+            <a:off x="838200" y="2399022"/>
+            <a:ext cx="5181600" cy="3204543"/>
           </a:xfrm>
         </p:spPr>
       </p:pic>
       <p:pic>
         <p:nvPicPr>
-          <p:cNvPr id="8" name="Content Placeholder 7">
-            <a:extLst>
-              <a:ext uri="{FF2B5EF4-FFF2-40B4-BE49-F238E27FC236}">
-                <a16:creationId xmlns:a16="http://schemas.microsoft.com/office/drawing/2014/main" id="{FBA7F518-991A-05D6-FE25-9A9922FA97E3}"/>
+          <p:cNvPr id="12" name="Content Placeholder 11">
+            <a:extLst>
+              <a:ext uri="{FF2B5EF4-FFF2-40B4-BE49-F238E27FC236}">
+                <a16:creationId xmlns:a16="http://schemas.microsoft.com/office/drawing/2014/main" id="{DBBCD6A8-BE88-6622-B2CC-427706A4EA86}"/>
               </a:ext>
             </a:extLst>
           </p:cNvPr>
@@ -3724,8 +3729,8 @@
         </p:blipFill>
         <p:spPr>
           <a:xfrm>
-            <a:off x="6359401" y="2601047"/>
-            <a:ext cx="4807197" cy="2800494"/>
+            <a:off x="6172200" y="2385795"/>
+            <a:ext cx="5181600" cy="3230997"/>
           </a:xfrm>
         </p:spPr>
       </p:pic>
@@ -3789,10 +3794,10 @@
       </p:sp>
       <p:pic>
         <p:nvPicPr>
-          <p:cNvPr id="8" name="Content Placeholder 7">
-            <a:extLst>
-              <a:ext uri="{FF2B5EF4-FFF2-40B4-BE49-F238E27FC236}">
-                <a16:creationId xmlns:a16="http://schemas.microsoft.com/office/drawing/2014/main" id="{2C5A7458-C5DF-528F-788C-BC7D947D2ADB}"/>
+          <p:cNvPr id="6" name="Content Placeholder 5">
+            <a:extLst>
+              <a:ext uri="{FF2B5EF4-FFF2-40B4-BE49-F238E27FC236}">
+                <a16:creationId xmlns:a16="http://schemas.microsoft.com/office/drawing/2014/main" id="{78CF8A4C-C60B-0868-3C8E-3DB8802070BA}"/>
               </a:ext>
             </a:extLst>
           </p:cNvPr>
@@ -3811,17 +3816,17 @@
         </p:blipFill>
         <p:spPr>
           <a:xfrm>
-            <a:off x="1025401" y="2607397"/>
-            <a:ext cx="4807197" cy="2787793"/>
+            <a:off x="838200" y="2389561"/>
+            <a:ext cx="5181600" cy="3223465"/>
           </a:xfrm>
         </p:spPr>
       </p:pic>
       <p:pic>
         <p:nvPicPr>
-          <p:cNvPr id="10" name="Content Placeholder 9">
-            <a:extLst>
-              <a:ext uri="{FF2B5EF4-FFF2-40B4-BE49-F238E27FC236}">
-                <a16:creationId xmlns:a16="http://schemas.microsoft.com/office/drawing/2014/main" id="{F768E5CB-C7EC-4E98-B1CA-BA7C6A4BCB21}"/>
+          <p:cNvPr id="12" name="Content Placeholder 11">
+            <a:extLst>
+              <a:ext uri="{FF2B5EF4-FFF2-40B4-BE49-F238E27FC236}">
+                <a16:creationId xmlns:a16="http://schemas.microsoft.com/office/drawing/2014/main" id="{7B69DC13-2CD3-AEAA-471B-BBD774AE4AB3}"/>
               </a:ext>
             </a:extLst>
           </p:cNvPr>
@@ -3840,8 +3845,8 @@
         </p:blipFill>
         <p:spPr>
           <a:xfrm>
-            <a:off x="6454656" y="2597872"/>
-            <a:ext cx="4616687" cy="2806844"/>
+            <a:off x="6172200" y="2379591"/>
+            <a:ext cx="5181600" cy="3243406"/>
           </a:xfrm>
         </p:spPr>
       </p:pic>

--- a/SURVIVAL RATIO PLOTS_For survey.pptx
+++ b/SURVIVAL RATIO PLOTS_For survey.pptx
@@ -4,12 +4,25 @@
   <p:sldMasterIdLst>
     <p:sldMasterId id="2147483648" r:id="rId1"/>
   </p:sldMasterIdLst>
+  <p:notesMasterIdLst>
+    <p:notesMasterId r:id="rId17"/>
+  </p:notesMasterIdLst>
   <p:sldIdLst>
     <p:sldId id="256" r:id="rId2"/>
-    <p:sldId id="257" r:id="rId3"/>
-    <p:sldId id="258" r:id="rId4"/>
-    <p:sldId id="259" r:id="rId5"/>
-    <p:sldId id="260" r:id="rId6"/>
+    <p:sldId id="270" r:id="rId3"/>
+    <p:sldId id="261" r:id="rId4"/>
+    <p:sldId id="257" r:id="rId5"/>
+    <p:sldId id="262" r:id="rId6"/>
+    <p:sldId id="258" r:id="rId7"/>
+    <p:sldId id="265" r:id="rId8"/>
+    <p:sldId id="259" r:id="rId9"/>
+    <p:sldId id="263" r:id="rId10"/>
+    <p:sldId id="260" r:id="rId11"/>
+    <p:sldId id="264" r:id="rId12"/>
+    <p:sldId id="266" r:id="rId13"/>
+    <p:sldId id="267" r:id="rId14"/>
+    <p:sldId id="268" r:id="rId15"/>
+    <p:sldId id="269" r:id="rId16"/>
   </p:sldIdLst>
   <p:sldSz cx="12192000" cy="6858000"/>
   <p:notesSz cx="6858000" cy="9144000"/>
@@ -116,6 +129,439 @@
 </p:presentation>
 </file>
 
+<file path=ppt/notesMasters/notesMaster1.xml><?xml version="1.0" encoding="utf-8"?>
+<p:notesMaster xmlns:a="http://schemas.openxmlformats.org/drawingml/2006/main" xmlns:r="http://schemas.openxmlformats.org/officeDocument/2006/relationships" xmlns:p="http://schemas.openxmlformats.org/presentationml/2006/main">
+  <p:cSld>
+    <p:bg>
+      <p:bgRef idx="1001">
+        <a:schemeClr val="bg1"/>
+      </p:bgRef>
+    </p:bg>
+    <p:spTree>
+      <p:nvGrpSpPr>
+        <p:cNvPr id="1" name=""/>
+        <p:cNvGrpSpPr/>
+        <p:nvPr/>
+      </p:nvGrpSpPr>
+      <p:grpSpPr>
+        <a:xfrm>
+          <a:off x="0" y="0"/>
+          <a:ext cx="0" cy="0"/>
+          <a:chOff x="0" y="0"/>
+          <a:chExt cx="0" cy="0"/>
+        </a:xfrm>
+      </p:grpSpPr>
+      <p:sp>
+        <p:nvSpPr>
+          <p:cNvPr id="2" name="Header Placeholder 1"/>
+          <p:cNvSpPr>
+            <a:spLocks noGrp="1"/>
+          </p:cNvSpPr>
+          <p:nvPr>
+            <p:ph type="hdr" sz="quarter"/>
+          </p:nvPr>
+        </p:nvSpPr>
+        <p:spPr>
+          <a:xfrm>
+            <a:off x="0" y="0"/>
+            <a:ext cx="2971800" cy="458788"/>
+          </a:xfrm>
+          <a:prstGeom prst="rect">
+            <a:avLst/>
+          </a:prstGeom>
+        </p:spPr>
+        <p:txBody>
+          <a:bodyPr vert="horz" lIns="91440" tIns="45720" rIns="91440" bIns="45720" rtlCol="0"/>
+          <a:lstStyle>
+            <a:lvl1pPr algn="l">
+              <a:defRPr sz="1200"/>
+            </a:lvl1pPr>
+          </a:lstStyle>
+          <a:p>
+            <a:endParaRPr lang="en-US"/>
+          </a:p>
+        </p:txBody>
+      </p:sp>
+      <p:sp>
+        <p:nvSpPr>
+          <p:cNvPr id="3" name="Date Placeholder 2"/>
+          <p:cNvSpPr>
+            <a:spLocks noGrp="1"/>
+          </p:cNvSpPr>
+          <p:nvPr>
+            <p:ph type="dt" idx="1"/>
+          </p:nvPr>
+        </p:nvSpPr>
+        <p:spPr>
+          <a:xfrm>
+            <a:off x="3884613" y="0"/>
+            <a:ext cx="2971800" cy="458788"/>
+          </a:xfrm>
+          <a:prstGeom prst="rect">
+            <a:avLst/>
+          </a:prstGeom>
+        </p:spPr>
+        <p:txBody>
+          <a:bodyPr vert="horz" lIns="91440" tIns="45720" rIns="91440" bIns="45720" rtlCol="0"/>
+          <a:lstStyle>
+            <a:lvl1pPr algn="r">
+              <a:defRPr sz="1200"/>
+            </a:lvl1pPr>
+          </a:lstStyle>
+          <a:p>
+            <a:fld id="{CC981156-0E71-4C1D-9793-3A4334B26402}" type="datetimeFigureOut">
+              <a:rPr lang="en-US" smtClean="0"/>
+              <a:t>2/20/2025</a:t>
+            </a:fld>
+            <a:endParaRPr lang="en-US"/>
+          </a:p>
+        </p:txBody>
+      </p:sp>
+      <p:sp>
+        <p:nvSpPr>
+          <p:cNvPr id="4" name="Slide Image Placeholder 3"/>
+          <p:cNvSpPr>
+            <a:spLocks noGrp="1" noRot="1" noChangeAspect="1"/>
+          </p:cNvSpPr>
+          <p:nvPr>
+            <p:ph type="sldImg" idx="2"/>
+          </p:nvPr>
+        </p:nvSpPr>
+        <p:spPr>
+          <a:xfrm>
+            <a:off x="685800" y="1143000"/>
+            <a:ext cx="5486400" cy="3086100"/>
+          </a:xfrm>
+          <a:prstGeom prst="rect">
+            <a:avLst/>
+          </a:prstGeom>
+          <a:noFill/>
+          <a:ln w="12700">
+            <a:solidFill>
+              <a:prstClr val="black"/>
+            </a:solidFill>
+          </a:ln>
+        </p:spPr>
+        <p:txBody>
+          <a:bodyPr vert="horz" lIns="91440" tIns="45720" rIns="91440" bIns="45720" rtlCol="0" anchor="ctr"/>
+          <a:lstStyle/>
+          <a:p>
+            <a:endParaRPr lang="en-US"/>
+          </a:p>
+        </p:txBody>
+      </p:sp>
+      <p:sp>
+        <p:nvSpPr>
+          <p:cNvPr id="5" name="Notes Placeholder 4"/>
+          <p:cNvSpPr>
+            <a:spLocks noGrp="1"/>
+          </p:cNvSpPr>
+          <p:nvPr>
+            <p:ph type="body" sz="quarter" idx="3"/>
+          </p:nvPr>
+        </p:nvSpPr>
+        <p:spPr>
+          <a:xfrm>
+            <a:off x="685800" y="4400550"/>
+            <a:ext cx="5486400" cy="3600450"/>
+          </a:xfrm>
+          <a:prstGeom prst="rect">
+            <a:avLst/>
+          </a:prstGeom>
+        </p:spPr>
+        <p:txBody>
+          <a:bodyPr vert="horz" lIns="91440" tIns="45720" rIns="91440" bIns="45720" rtlCol="0"/>
+          <a:lstStyle/>
+          <a:p>
+            <a:pPr lvl="0"/>
+            <a:r>
+              <a:rPr lang="en-US"/>
+              <a:t>Click to edit Master text styles</a:t>
+            </a:r>
+          </a:p>
+          <a:p>
+            <a:pPr lvl="1"/>
+            <a:r>
+              <a:rPr lang="en-US"/>
+              <a:t>Second level</a:t>
+            </a:r>
+          </a:p>
+          <a:p>
+            <a:pPr lvl="2"/>
+            <a:r>
+              <a:rPr lang="en-US"/>
+              <a:t>Third level</a:t>
+            </a:r>
+          </a:p>
+          <a:p>
+            <a:pPr lvl="3"/>
+            <a:r>
+              <a:rPr lang="en-US"/>
+              <a:t>Fourth level</a:t>
+            </a:r>
+          </a:p>
+          <a:p>
+            <a:pPr lvl="4"/>
+            <a:r>
+              <a:rPr lang="en-US"/>
+              <a:t>Fifth level</a:t>
+            </a:r>
+          </a:p>
+        </p:txBody>
+      </p:sp>
+      <p:sp>
+        <p:nvSpPr>
+          <p:cNvPr id="6" name="Footer Placeholder 5"/>
+          <p:cNvSpPr>
+            <a:spLocks noGrp="1"/>
+          </p:cNvSpPr>
+          <p:nvPr>
+            <p:ph type="ftr" sz="quarter" idx="4"/>
+          </p:nvPr>
+        </p:nvSpPr>
+        <p:spPr>
+          <a:xfrm>
+            <a:off x="0" y="8685213"/>
+            <a:ext cx="2971800" cy="458787"/>
+          </a:xfrm>
+          <a:prstGeom prst="rect">
+            <a:avLst/>
+          </a:prstGeom>
+        </p:spPr>
+        <p:txBody>
+          <a:bodyPr vert="horz" lIns="91440" tIns="45720" rIns="91440" bIns="45720" rtlCol="0" anchor="b"/>
+          <a:lstStyle>
+            <a:lvl1pPr algn="l">
+              <a:defRPr sz="1200"/>
+            </a:lvl1pPr>
+          </a:lstStyle>
+          <a:p>
+            <a:endParaRPr lang="en-US"/>
+          </a:p>
+        </p:txBody>
+      </p:sp>
+      <p:sp>
+        <p:nvSpPr>
+          <p:cNvPr id="7" name="Slide Number Placeholder 6"/>
+          <p:cNvSpPr>
+            <a:spLocks noGrp="1"/>
+          </p:cNvSpPr>
+          <p:nvPr>
+            <p:ph type="sldNum" sz="quarter" idx="5"/>
+          </p:nvPr>
+        </p:nvSpPr>
+        <p:spPr>
+          <a:xfrm>
+            <a:off x="3884613" y="8685213"/>
+            <a:ext cx="2971800" cy="458787"/>
+          </a:xfrm>
+          <a:prstGeom prst="rect">
+            <a:avLst/>
+          </a:prstGeom>
+        </p:spPr>
+        <p:txBody>
+          <a:bodyPr vert="horz" lIns="91440" tIns="45720" rIns="91440" bIns="45720" rtlCol="0" anchor="b"/>
+          <a:lstStyle>
+            <a:lvl1pPr algn="r">
+              <a:defRPr sz="1200"/>
+            </a:lvl1pPr>
+          </a:lstStyle>
+          <a:p>
+            <a:fld id="{2D38F873-1FB9-4338-9F6C-70E30775B7F5}" type="slidenum">
+              <a:rPr lang="en-US" smtClean="0"/>
+              <a:t>‹#›</a:t>
+            </a:fld>
+            <a:endParaRPr lang="en-US"/>
+          </a:p>
+        </p:txBody>
+      </p:sp>
+    </p:spTree>
+    <p:extLst>
+      <p:ext uri="{BB962C8B-B14F-4D97-AF65-F5344CB8AC3E}">
+        <p14:creationId xmlns:p14="http://schemas.microsoft.com/office/powerpoint/2010/main" val="3860263990"/>
+      </p:ext>
+    </p:extLst>
+  </p:cSld>
+  <p:clrMap bg1="lt1" tx1="dk1" bg2="lt2" tx2="dk2" accent1="accent1" accent2="accent2" accent3="accent3" accent4="accent4" accent5="accent5" accent6="accent6" hlink="hlink" folHlink="folHlink"/>
+  <p:notesStyle>
+    <a:lvl1pPr marL="0" algn="l" defTabSz="914400" rtl="0" eaLnBrk="1" latinLnBrk="0" hangingPunct="1">
+      <a:defRPr sz="1200" kern="1200">
+        <a:solidFill>
+          <a:schemeClr val="tx1"/>
+        </a:solidFill>
+        <a:latin typeface="+mn-lt"/>
+        <a:ea typeface="+mn-ea"/>
+        <a:cs typeface="+mn-cs"/>
+      </a:defRPr>
+    </a:lvl1pPr>
+    <a:lvl2pPr marL="457200" algn="l" defTabSz="914400" rtl="0" eaLnBrk="1" latinLnBrk="0" hangingPunct="1">
+      <a:defRPr sz="1200" kern="1200">
+        <a:solidFill>
+          <a:schemeClr val="tx1"/>
+        </a:solidFill>
+        <a:latin typeface="+mn-lt"/>
+        <a:ea typeface="+mn-ea"/>
+        <a:cs typeface="+mn-cs"/>
+      </a:defRPr>
+    </a:lvl2pPr>
+    <a:lvl3pPr marL="914400" algn="l" defTabSz="914400" rtl="0" eaLnBrk="1" latinLnBrk="0" hangingPunct="1">
+      <a:defRPr sz="1200" kern="1200">
+        <a:solidFill>
+          <a:schemeClr val="tx1"/>
+        </a:solidFill>
+        <a:latin typeface="+mn-lt"/>
+        <a:ea typeface="+mn-ea"/>
+        <a:cs typeface="+mn-cs"/>
+      </a:defRPr>
+    </a:lvl3pPr>
+    <a:lvl4pPr marL="1371600" algn="l" defTabSz="914400" rtl="0" eaLnBrk="1" latinLnBrk="0" hangingPunct="1">
+      <a:defRPr sz="1200" kern="1200">
+        <a:solidFill>
+          <a:schemeClr val="tx1"/>
+        </a:solidFill>
+        <a:latin typeface="+mn-lt"/>
+        <a:ea typeface="+mn-ea"/>
+        <a:cs typeface="+mn-cs"/>
+      </a:defRPr>
+    </a:lvl4pPr>
+    <a:lvl5pPr marL="1828800" algn="l" defTabSz="914400" rtl="0" eaLnBrk="1" latinLnBrk="0" hangingPunct="1">
+      <a:defRPr sz="1200" kern="1200">
+        <a:solidFill>
+          <a:schemeClr val="tx1"/>
+        </a:solidFill>
+        <a:latin typeface="+mn-lt"/>
+        <a:ea typeface="+mn-ea"/>
+        <a:cs typeface="+mn-cs"/>
+      </a:defRPr>
+    </a:lvl5pPr>
+    <a:lvl6pPr marL="2286000" algn="l" defTabSz="914400" rtl="0" eaLnBrk="1" latinLnBrk="0" hangingPunct="1">
+      <a:defRPr sz="1200" kern="1200">
+        <a:solidFill>
+          <a:schemeClr val="tx1"/>
+        </a:solidFill>
+        <a:latin typeface="+mn-lt"/>
+        <a:ea typeface="+mn-ea"/>
+        <a:cs typeface="+mn-cs"/>
+      </a:defRPr>
+    </a:lvl6pPr>
+    <a:lvl7pPr marL="2743200" algn="l" defTabSz="914400" rtl="0" eaLnBrk="1" latinLnBrk="0" hangingPunct="1">
+      <a:defRPr sz="1200" kern="1200">
+        <a:solidFill>
+          <a:schemeClr val="tx1"/>
+        </a:solidFill>
+        <a:latin typeface="+mn-lt"/>
+        <a:ea typeface="+mn-ea"/>
+        <a:cs typeface="+mn-cs"/>
+      </a:defRPr>
+    </a:lvl7pPr>
+    <a:lvl8pPr marL="3200400" algn="l" defTabSz="914400" rtl="0" eaLnBrk="1" latinLnBrk="0" hangingPunct="1">
+      <a:defRPr sz="1200" kern="1200">
+        <a:solidFill>
+          <a:schemeClr val="tx1"/>
+        </a:solidFill>
+        <a:latin typeface="+mn-lt"/>
+        <a:ea typeface="+mn-ea"/>
+        <a:cs typeface="+mn-cs"/>
+      </a:defRPr>
+    </a:lvl8pPr>
+    <a:lvl9pPr marL="3657600" algn="l" defTabSz="914400" rtl="0" eaLnBrk="1" latinLnBrk="0" hangingPunct="1">
+      <a:defRPr sz="1200" kern="1200">
+        <a:solidFill>
+          <a:schemeClr val="tx1"/>
+        </a:solidFill>
+        <a:latin typeface="+mn-lt"/>
+        <a:ea typeface="+mn-ea"/>
+        <a:cs typeface="+mn-cs"/>
+      </a:defRPr>
+    </a:lvl9pPr>
+  </p:notesStyle>
+</p:notesMaster>
+</file>
+
+<file path=ppt/notesSlides/notesSlide1.xml><?xml version="1.0" encoding="utf-8"?>
+<p:notes xmlns:a="http://schemas.openxmlformats.org/drawingml/2006/main" xmlns:r="http://schemas.openxmlformats.org/officeDocument/2006/relationships" xmlns:p="http://schemas.openxmlformats.org/presentationml/2006/main">
+  <p:cSld>
+    <p:spTree>
+      <p:nvGrpSpPr>
+        <p:cNvPr id="1" name=""/>
+        <p:cNvGrpSpPr/>
+        <p:nvPr/>
+      </p:nvGrpSpPr>
+      <p:grpSpPr>
+        <a:xfrm>
+          <a:off x="0" y="0"/>
+          <a:ext cx="0" cy="0"/>
+          <a:chOff x="0" y="0"/>
+          <a:chExt cx="0" cy="0"/>
+        </a:xfrm>
+      </p:grpSpPr>
+      <p:sp>
+        <p:nvSpPr>
+          <p:cNvPr id="2" name="Slide Image Placeholder 1"/>
+          <p:cNvSpPr>
+            <a:spLocks noGrp="1" noRot="1" noChangeAspect="1"/>
+          </p:cNvSpPr>
+          <p:nvPr>
+            <p:ph type="sldImg"/>
+          </p:nvPr>
+        </p:nvSpPr>
+        <p:spPr/>
+      </p:sp>
+      <p:sp>
+        <p:nvSpPr>
+          <p:cNvPr id="3" name="Notes Placeholder 2"/>
+          <p:cNvSpPr>
+            <a:spLocks noGrp="1"/>
+          </p:cNvSpPr>
+          <p:nvPr>
+            <p:ph type="body" idx="1"/>
+          </p:nvPr>
+        </p:nvSpPr>
+        <p:spPr/>
+        <p:txBody>
+          <a:bodyPr/>
+          <a:lstStyle/>
+          <a:p>
+            <a:endParaRPr lang="en-US" dirty="0"/>
+          </a:p>
+        </p:txBody>
+      </p:sp>
+      <p:sp>
+        <p:nvSpPr>
+          <p:cNvPr id="4" name="Slide Number Placeholder 3"/>
+          <p:cNvSpPr>
+            <a:spLocks noGrp="1"/>
+          </p:cNvSpPr>
+          <p:nvPr>
+            <p:ph type="sldNum" sz="quarter" idx="5"/>
+          </p:nvPr>
+        </p:nvSpPr>
+        <p:spPr/>
+        <p:txBody>
+          <a:bodyPr/>
+          <a:lstStyle/>
+          <a:p>
+            <a:fld id="{2D38F873-1FB9-4338-9F6C-70E30775B7F5}" type="slidenum">
+              <a:rPr lang="en-US" smtClean="0"/>
+              <a:t>5</a:t>
+            </a:fld>
+            <a:endParaRPr lang="en-US"/>
+          </a:p>
+        </p:txBody>
+      </p:sp>
+    </p:spTree>
+    <p:extLst>
+      <p:ext uri="{BB962C8B-B14F-4D97-AF65-F5344CB8AC3E}">
+        <p14:creationId xmlns:p14="http://schemas.microsoft.com/office/powerpoint/2010/main" val="736865251"/>
+      </p:ext>
+    </p:extLst>
+  </p:cSld>
+  <p:clrMapOvr>
+    <a:masterClrMapping/>
+  </p:clrMapOvr>
+</p:notes>
+</file>
+
 <file path=ppt/slideLayouts/slideLayout1.xml><?xml version="1.0" encoding="utf-8"?>
 <p:sldLayout xmlns:a="http://schemas.openxmlformats.org/drawingml/2006/main" xmlns:r="http://schemas.openxmlformats.org/officeDocument/2006/relationships" xmlns:p="http://schemas.openxmlformats.org/presentationml/2006/main" type="title" preserve="1">
   <p:cSld name="Title Slide">
@@ -263,7 +709,7 @@
           <a:p>
             <a:fld id="{E11CEBBC-63BD-404B-AFC0-81AF74A99657}" type="datetimeFigureOut">
               <a:rPr lang="en-US" smtClean="0"/>
-              <a:t>2/19/2025</a:t>
+              <a:t>2/20/2025</a:t>
             </a:fld>
             <a:endParaRPr lang="en-US"/>
           </a:p>
@@ -461,7 +907,7 @@
           <a:p>
             <a:fld id="{E11CEBBC-63BD-404B-AFC0-81AF74A99657}" type="datetimeFigureOut">
               <a:rPr lang="en-US" smtClean="0"/>
-              <a:t>2/19/2025</a:t>
+              <a:t>2/20/2025</a:t>
             </a:fld>
             <a:endParaRPr lang="en-US"/>
           </a:p>
@@ -669,7 +1115,7 @@
           <a:p>
             <a:fld id="{E11CEBBC-63BD-404B-AFC0-81AF74A99657}" type="datetimeFigureOut">
               <a:rPr lang="en-US" smtClean="0"/>
-              <a:t>2/19/2025</a:t>
+              <a:t>2/20/2025</a:t>
             </a:fld>
             <a:endParaRPr lang="en-US"/>
           </a:p>
@@ -867,7 +1313,7 @@
           <a:p>
             <a:fld id="{E11CEBBC-63BD-404B-AFC0-81AF74A99657}" type="datetimeFigureOut">
               <a:rPr lang="en-US" smtClean="0"/>
-              <a:t>2/19/2025</a:t>
+              <a:t>2/20/2025</a:t>
             </a:fld>
             <a:endParaRPr lang="en-US"/>
           </a:p>
@@ -1142,7 +1588,7 @@
           <a:p>
             <a:fld id="{E11CEBBC-63BD-404B-AFC0-81AF74A99657}" type="datetimeFigureOut">
               <a:rPr lang="en-US" smtClean="0"/>
-              <a:t>2/19/2025</a:t>
+              <a:t>2/20/2025</a:t>
             </a:fld>
             <a:endParaRPr lang="en-US"/>
           </a:p>
@@ -1407,7 +1853,7 @@
           <a:p>
             <a:fld id="{E11CEBBC-63BD-404B-AFC0-81AF74A99657}" type="datetimeFigureOut">
               <a:rPr lang="en-US" smtClean="0"/>
-              <a:t>2/19/2025</a:t>
+              <a:t>2/20/2025</a:t>
             </a:fld>
             <a:endParaRPr lang="en-US"/>
           </a:p>
@@ -1819,7 +2265,7 @@
           <a:p>
             <a:fld id="{E11CEBBC-63BD-404B-AFC0-81AF74A99657}" type="datetimeFigureOut">
               <a:rPr lang="en-US" smtClean="0"/>
-              <a:t>2/19/2025</a:t>
+              <a:t>2/20/2025</a:t>
             </a:fld>
             <a:endParaRPr lang="en-US"/>
           </a:p>
@@ -1960,7 +2406,7 @@
           <a:p>
             <a:fld id="{E11CEBBC-63BD-404B-AFC0-81AF74A99657}" type="datetimeFigureOut">
               <a:rPr lang="en-US" smtClean="0"/>
-              <a:t>2/19/2025</a:t>
+              <a:t>2/20/2025</a:t>
             </a:fld>
             <a:endParaRPr lang="en-US"/>
           </a:p>
@@ -2073,7 +2519,7 @@
           <a:p>
             <a:fld id="{E11CEBBC-63BD-404B-AFC0-81AF74A99657}" type="datetimeFigureOut">
               <a:rPr lang="en-US" smtClean="0"/>
-              <a:t>2/19/2025</a:t>
+              <a:t>2/20/2025</a:t>
             </a:fld>
             <a:endParaRPr lang="en-US"/>
           </a:p>
@@ -2384,7 +2830,7 @@
           <a:p>
             <a:fld id="{E11CEBBC-63BD-404B-AFC0-81AF74A99657}" type="datetimeFigureOut">
               <a:rPr lang="en-US" smtClean="0"/>
-              <a:t>2/19/2025</a:t>
+              <a:t>2/20/2025</a:t>
             </a:fld>
             <a:endParaRPr lang="en-US"/>
           </a:p>
@@ -2672,7 +3118,7 @@
           <a:p>
             <a:fld id="{E11CEBBC-63BD-404B-AFC0-81AF74A99657}" type="datetimeFigureOut">
               <a:rPr lang="en-US" smtClean="0"/>
-              <a:t>2/19/2025</a:t>
+              <a:t>2/20/2025</a:t>
             </a:fld>
             <a:endParaRPr lang="en-US"/>
           </a:p>
@@ -2913,7 +3359,7 @@
           <a:p>
             <a:fld id="{E11CEBBC-63BD-404B-AFC0-81AF74A99657}" type="datetimeFigureOut">
               <a:rPr lang="en-US" smtClean="0"/>
-              <a:t>2/19/2025</a:t>
+              <a:t>2/20/2025</a:t>
             </a:fld>
             <a:endParaRPr lang="en-US"/>
           </a:p>
@@ -3352,36 +3798,36 @@
           <a:lstStyle/>
           <a:p>
             <a:r>
+              <a:rPr lang="en-US" b="1" dirty="0"/>
+              <a:t>SURVIVAL  PLOTS  FOR SURVEY</a:t>
+            </a:r>
+          </a:p>
+        </p:txBody>
+      </p:sp>
+      <p:sp>
+        <p:nvSpPr>
+          <p:cNvPr id="3" name="Subtitle 2">
+            <a:extLst>
+              <a:ext uri="{FF2B5EF4-FFF2-40B4-BE49-F238E27FC236}">
+                <a16:creationId xmlns:a16="http://schemas.microsoft.com/office/drawing/2014/main" id="{AC6E3CD0-0114-492D-4B10-D1D539E78D26}"/>
+              </a:ext>
+            </a:extLst>
+          </p:cNvPr>
+          <p:cNvSpPr>
+            <a:spLocks noGrp="1"/>
+          </p:cNvSpPr>
+          <p:nvPr>
+            <p:ph type="subTitle" idx="1"/>
+          </p:nvPr>
+        </p:nvSpPr>
+        <p:spPr/>
+        <p:txBody>
+          <a:bodyPr/>
+          <a:lstStyle/>
+          <a:p>
+            <a:r>
               <a:rPr lang="en-US" dirty="0"/>
-              <a:t>SURVIVAL RATIO PLOTS  </a:t>
-            </a:r>
-          </a:p>
-        </p:txBody>
-      </p:sp>
-      <p:sp>
-        <p:nvSpPr>
-          <p:cNvPr id="3" name="Subtitle 2">
-            <a:extLst>
-              <a:ext uri="{FF2B5EF4-FFF2-40B4-BE49-F238E27FC236}">
-                <a16:creationId xmlns:a16="http://schemas.microsoft.com/office/drawing/2014/main" id="{AC6E3CD0-0114-492D-4B10-D1D539E78D26}"/>
-              </a:ext>
-            </a:extLst>
-          </p:cNvPr>
-          <p:cNvSpPr>
-            <a:spLocks noGrp="1"/>
-          </p:cNvSpPr>
-          <p:nvPr>
-            <p:ph type="subTitle" idx="1"/>
-          </p:nvPr>
-        </p:nvSpPr>
-        <p:spPr/>
-        <p:txBody>
-          <a:bodyPr/>
-          <a:lstStyle/>
-          <a:p>
-            <a:r>
-              <a:rPr lang="en-US" dirty="0"/>
-              <a:t>Victor </a:t>
+              <a:t>VR</a:t>
             </a:r>
           </a:p>
         </p:txBody>
@@ -3399,7 +3845,987 @@
 </p:sld>
 </file>
 
+<file path=ppt/slides/slide10.xml><?xml version="1.0" encoding="utf-8"?>
+<p:sld xmlns:a="http://schemas.openxmlformats.org/drawingml/2006/main" xmlns:r="http://schemas.openxmlformats.org/officeDocument/2006/relationships" xmlns:p="http://schemas.openxmlformats.org/presentationml/2006/main">
+  <p:cSld>
+    <p:spTree>
+      <p:nvGrpSpPr>
+        <p:cNvPr id="1" name=""/>
+        <p:cNvGrpSpPr/>
+        <p:nvPr/>
+      </p:nvGrpSpPr>
+      <p:grpSpPr>
+        <a:xfrm>
+          <a:off x="0" y="0"/>
+          <a:ext cx="0" cy="0"/>
+          <a:chOff x="0" y="0"/>
+          <a:chExt cx="0" cy="0"/>
+        </a:xfrm>
+      </p:grpSpPr>
+      <p:sp>
+        <p:nvSpPr>
+          <p:cNvPr id="2" name="Title 1">
+            <a:extLst>
+              <a:ext uri="{FF2B5EF4-FFF2-40B4-BE49-F238E27FC236}">
+                <a16:creationId xmlns:a16="http://schemas.microsoft.com/office/drawing/2014/main" id="{DEFF6756-8F95-5101-3F08-812C8E04D97B}"/>
+              </a:ext>
+            </a:extLst>
+          </p:cNvPr>
+          <p:cNvSpPr>
+            <a:spLocks noGrp="1"/>
+          </p:cNvSpPr>
+          <p:nvPr>
+            <p:ph type="title"/>
+          </p:nvPr>
+        </p:nvSpPr>
+        <p:spPr/>
+        <p:txBody>
+          <a:bodyPr/>
+          <a:lstStyle/>
+          <a:p>
+            <a:r>
+              <a:rPr lang="en-US" b="1" dirty="0"/>
+              <a:t>Comparison of Survival White versus Race </a:t>
+            </a:r>
+          </a:p>
+        </p:txBody>
+      </p:sp>
+      <p:pic>
+        <p:nvPicPr>
+          <p:cNvPr id="12" name="Content Placeholder 11">
+            <a:extLst>
+              <a:ext uri="{FF2B5EF4-FFF2-40B4-BE49-F238E27FC236}">
+                <a16:creationId xmlns:a16="http://schemas.microsoft.com/office/drawing/2014/main" id="{7B69DC13-2CD3-AEAA-471B-BBD774AE4AB3}"/>
+              </a:ext>
+            </a:extLst>
+          </p:cNvPr>
+          <p:cNvPicPr>
+            <a:picLocks noGrp="1" noChangeAspect="1"/>
+          </p:cNvPicPr>
+          <p:nvPr>
+            <p:ph sz="half" idx="2"/>
+          </p:nvPr>
+        </p:nvPicPr>
+        <p:blipFill>
+          <a:blip r:embed="rId2"/>
+          <a:stretch>
+            <a:fillRect/>
+          </a:stretch>
+        </p:blipFill>
+        <p:spPr>
+          <a:xfrm>
+            <a:off x="6172200" y="2379591"/>
+            <a:ext cx="5181600" cy="3243406"/>
+          </a:xfrm>
+        </p:spPr>
+      </p:pic>
+      <p:pic>
+        <p:nvPicPr>
+          <p:cNvPr id="9" name="Content Placeholder 8">
+            <a:extLst>
+              <a:ext uri="{FF2B5EF4-FFF2-40B4-BE49-F238E27FC236}">
+                <a16:creationId xmlns:a16="http://schemas.microsoft.com/office/drawing/2014/main" id="{BC2EEFFF-19C5-BAB7-1D4F-68A857B8D430}"/>
+              </a:ext>
+            </a:extLst>
+          </p:cNvPr>
+          <p:cNvPicPr>
+            <a:picLocks noGrp="1" noChangeAspect="1"/>
+          </p:cNvPicPr>
+          <p:nvPr>
+            <p:ph sz="half" idx="1"/>
+          </p:nvPr>
+        </p:nvPicPr>
+        <p:blipFill>
+          <a:blip r:embed="rId3"/>
+          <a:stretch>
+            <a:fillRect/>
+          </a:stretch>
+        </p:blipFill>
+        <p:spPr>
+          <a:xfrm>
+            <a:off x="838200" y="2421596"/>
+            <a:ext cx="5181600" cy="3159396"/>
+          </a:xfrm>
+        </p:spPr>
+      </p:pic>
+    </p:spTree>
+    <p:extLst>
+      <p:ext uri="{BB962C8B-B14F-4D97-AF65-F5344CB8AC3E}">
+        <p14:creationId xmlns:p14="http://schemas.microsoft.com/office/powerpoint/2010/main" val="842682252"/>
+      </p:ext>
+    </p:extLst>
+  </p:cSld>
+  <p:clrMapOvr>
+    <a:masterClrMapping/>
+  </p:clrMapOvr>
+</p:sld>
+</file>
+
+<file path=ppt/slides/slide11.xml><?xml version="1.0" encoding="utf-8"?>
+<p:sld xmlns:a="http://schemas.openxmlformats.org/drawingml/2006/main" xmlns:r="http://schemas.openxmlformats.org/officeDocument/2006/relationships" xmlns:p="http://schemas.openxmlformats.org/presentationml/2006/main">
+  <p:cSld>
+    <p:spTree>
+      <p:nvGrpSpPr>
+        <p:cNvPr id="1" name=""/>
+        <p:cNvGrpSpPr/>
+        <p:nvPr/>
+      </p:nvGrpSpPr>
+      <p:grpSpPr>
+        <a:xfrm>
+          <a:off x="0" y="0"/>
+          <a:ext cx="0" cy="0"/>
+          <a:chOff x="0" y="0"/>
+          <a:chExt cx="0" cy="0"/>
+        </a:xfrm>
+      </p:grpSpPr>
+      <p:sp>
+        <p:nvSpPr>
+          <p:cNvPr id="2" name="Title 1">
+            <a:extLst>
+              <a:ext uri="{FF2B5EF4-FFF2-40B4-BE49-F238E27FC236}">
+                <a16:creationId xmlns:a16="http://schemas.microsoft.com/office/drawing/2014/main" id="{228FF302-35CA-C3AB-DCE2-D21AB62D1794}"/>
+              </a:ext>
+            </a:extLst>
+          </p:cNvPr>
+          <p:cNvSpPr>
+            <a:spLocks noGrp="1"/>
+          </p:cNvSpPr>
+          <p:nvPr>
+            <p:ph type="title"/>
+          </p:nvPr>
+        </p:nvSpPr>
+        <p:spPr/>
+        <p:txBody>
+          <a:bodyPr/>
+          <a:lstStyle/>
+          <a:p>
+            <a:endParaRPr lang="en-US"/>
+          </a:p>
+        </p:txBody>
+      </p:sp>
+      <p:pic>
+        <p:nvPicPr>
+          <p:cNvPr id="6" name="Content Placeholder 5">
+            <a:extLst>
+              <a:ext uri="{FF2B5EF4-FFF2-40B4-BE49-F238E27FC236}">
+                <a16:creationId xmlns:a16="http://schemas.microsoft.com/office/drawing/2014/main" id="{57E1ADB9-14D2-FBED-817A-964D0EA6B055}"/>
+              </a:ext>
+            </a:extLst>
+          </p:cNvPr>
+          <p:cNvPicPr>
+            <a:picLocks noGrp="1" noChangeAspect="1"/>
+          </p:cNvPicPr>
+          <p:nvPr>
+            <p:ph sz="half" idx="1"/>
+          </p:nvPr>
+        </p:nvPicPr>
+        <p:blipFill>
+          <a:blip r:embed="rId2">
+            <a:extLst>
+              <a:ext uri="{28A0092B-C50C-407E-A947-70E740481C1C}">
+                <a14:useLocalDpi xmlns:a14="http://schemas.microsoft.com/office/drawing/2010/main" val="0"/>
+              </a:ext>
+            </a:extLst>
+          </a:blip>
+          <a:stretch>
+            <a:fillRect/>
+          </a:stretch>
+        </p:blipFill>
+        <p:spPr>
+          <a:xfrm>
+            <a:off x="838200" y="2364003"/>
+            <a:ext cx="5181600" cy="3274581"/>
+          </a:xfrm>
+        </p:spPr>
+      </p:pic>
+      <p:sp>
+        <p:nvSpPr>
+          <p:cNvPr id="4" name="Content Placeholder 3">
+            <a:extLst>
+              <a:ext uri="{FF2B5EF4-FFF2-40B4-BE49-F238E27FC236}">
+                <a16:creationId xmlns:a16="http://schemas.microsoft.com/office/drawing/2014/main" id="{D9F071EA-3E58-9242-1DE3-5369115248B0}"/>
+              </a:ext>
+            </a:extLst>
+          </p:cNvPr>
+          <p:cNvSpPr>
+            <a:spLocks noGrp="1"/>
+          </p:cNvSpPr>
+          <p:nvPr>
+            <p:ph sz="half" idx="2"/>
+          </p:nvPr>
+        </p:nvSpPr>
+        <p:spPr/>
+        <p:txBody>
+          <a:bodyPr/>
+          <a:lstStyle/>
+          <a:p>
+            <a:endParaRPr lang="en-US" dirty="0"/>
+          </a:p>
+        </p:txBody>
+      </p:sp>
+    </p:spTree>
+    <p:extLst>
+      <p:ext uri="{BB962C8B-B14F-4D97-AF65-F5344CB8AC3E}">
+        <p14:creationId xmlns:p14="http://schemas.microsoft.com/office/powerpoint/2010/main" val="1190280092"/>
+      </p:ext>
+    </p:extLst>
+  </p:cSld>
+  <p:clrMapOvr>
+    <a:masterClrMapping/>
+  </p:clrMapOvr>
+</p:sld>
+</file>
+
+<file path=ppt/slides/slide12.xml><?xml version="1.0" encoding="utf-8"?>
+<p:sld xmlns:a="http://schemas.openxmlformats.org/drawingml/2006/main" xmlns:r="http://schemas.openxmlformats.org/officeDocument/2006/relationships" xmlns:p="http://schemas.openxmlformats.org/presentationml/2006/main">
+  <p:cSld>
+    <p:spTree>
+      <p:nvGrpSpPr>
+        <p:cNvPr id="1" name=""/>
+        <p:cNvGrpSpPr/>
+        <p:nvPr/>
+      </p:nvGrpSpPr>
+      <p:grpSpPr>
+        <a:xfrm>
+          <a:off x="0" y="0"/>
+          <a:ext cx="0" cy="0"/>
+          <a:chOff x="0" y="0"/>
+          <a:chExt cx="0" cy="0"/>
+        </a:xfrm>
+      </p:grpSpPr>
+      <p:sp>
+        <p:nvSpPr>
+          <p:cNvPr id="2" name="Title 1">
+            <a:extLst>
+              <a:ext uri="{FF2B5EF4-FFF2-40B4-BE49-F238E27FC236}">
+                <a16:creationId xmlns:a16="http://schemas.microsoft.com/office/drawing/2014/main" id="{B9F1F0A0-F67D-1C02-FD3B-DA3E2DE87D65}"/>
+              </a:ext>
+            </a:extLst>
+          </p:cNvPr>
+          <p:cNvSpPr>
+            <a:spLocks noGrp="1"/>
+          </p:cNvSpPr>
+          <p:nvPr>
+            <p:ph type="title"/>
+          </p:nvPr>
+        </p:nvSpPr>
+        <p:spPr/>
+        <p:txBody>
+          <a:bodyPr/>
+          <a:lstStyle/>
+          <a:p>
+            <a:r>
+              <a:rPr lang="en-US" b="1" dirty="0"/>
+              <a:t>TNM N0/N1</a:t>
+            </a:r>
+          </a:p>
+        </p:txBody>
+      </p:sp>
+      <p:pic>
+        <p:nvPicPr>
+          <p:cNvPr id="8" name="Content Placeholder 7">
+            <a:extLst>
+              <a:ext uri="{FF2B5EF4-FFF2-40B4-BE49-F238E27FC236}">
+                <a16:creationId xmlns:a16="http://schemas.microsoft.com/office/drawing/2014/main" id="{84147894-16BE-09B3-C1D4-FFCB56E9A36D}"/>
+              </a:ext>
+            </a:extLst>
+          </p:cNvPr>
+          <p:cNvPicPr>
+            <a:picLocks noGrp="1" noChangeAspect="1"/>
+          </p:cNvPicPr>
+          <p:nvPr>
+            <p:ph sz="half" idx="1"/>
+          </p:nvPr>
+        </p:nvPicPr>
+        <p:blipFill>
+          <a:blip r:embed="rId2"/>
+          <a:stretch>
+            <a:fillRect/>
+          </a:stretch>
+        </p:blipFill>
+        <p:spPr>
+          <a:xfrm>
+            <a:off x="838200" y="2416361"/>
+            <a:ext cx="5181600" cy="3169865"/>
+          </a:xfrm>
+        </p:spPr>
+      </p:pic>
+      <p:pic>
+        <p:nvPicPr>
+          <p:cNvPr id="6" name="Content Placeholder 5">
+            <a:extLst>
+              <a:ext uri="{FF2B5EF4-FFF2-40B4-BE49-F238E27FC236}">
+                <a16:creationId xmlns:a16="http://schemas.microsoft.com/office/drawing/2014/main" id="{3BFCA8A9-5062-5B00-E204-7CABBB0AFF93}"/>
+              </a:ext>
+            </a:extLst>
+          </p:cNvPr>
+          <p:cNvPicPr>
+            <a:picLocks noGrp="1" noChangeAspect="1"/>
+          </p:cNvPicPr>
+          <p:nvPr>
+            <p:ph sz="half" idx="2"/>
+          </p:nvPr>
+        </p:nvPicPr>
+        <p:blipFill>
+          <a:blip r:embed="rId3"/>
+          <a:stretch>
+            <a:fillRect/>
+          </a:stretch>
+        </p:blipFill>
+        <p:spPr>
+          <a:xfrm>
+            <a:off x="6172200" y="2426828"/>
+            <a:ext cx="5181600" cy="3148931"/>
+          </a:xfrm>
+        </p:spPr>
+      </p:pic>
+    </p:spTree>
+    <p:extLst>
+      <p:ext uri="{BB962C8B-B14F-4D97-AF65-F5344CB8AC3E}">
+        <p14:creationId xmlns:p14="http://schemas.microsoft.com/office/powerpoint/2010/main" val="3233326859"/>
+      </p:ext>
+    </p:extLst>
+  </p:cSld>
+  <p:clrMapOvr>
+    <a:masterClrMapping/>
+  </p:clrMapOvr>
+</p:sld>
+</file>
+
+<file path=ppt/slides/slide13.xml><?xml version="1.0" encoding="utf-8"?>
+<p:sld xmlns:a="http://schemas.openxmlformats.org/drawingml/2006/main" xmlns:r="http://schemas.openxmlformats.org/officeDocument/2006/relationships" xmlns:p="http://schemas.openxmlformats.org/presentationml/2006/main">
+  <p:cSld>
+    <p:spTree>
+      <p:nvGrpSpPr>
+        <p:cNvPr id="1" name=""/>
+        <p:cNvGrpSpPr/>
+        <p:nvPr/>
+      </p:nvGrpSpPr>
+      <p:grpSpPr>
+        <a:xfrm>
+          <a:off x="0" y="0"/>
+          <a:ext cx="0" cy="0"/>
+          <a:chOff x="0" y="0"/>
+          <a:chExt cx="0" cy="0"/>
+        </a:xfrm>
+      </p:grpSpPr>
+      <p:sp>
+        <p:nvSpPr>
+          <p:cNvPr id="2" name="Title 1">
+            <a:extLst>
+              <a:ext uri="{FF2B5EF4-FFF2-40B4-BE49-F238E27FC236}">
+                <a16:creationId xmlns:a16="http://schemas.microsoft.com/office/drawing/2014/main" id="{A792F5EF-E1BA-9EFF-A52A-7A1F9B493973}"/>
+              </a:ext>
+            </a:extLst>
+          </p:cNvPr>
+          <p:cNvSpPr>
+            <a:spLocks noGrp="1"/>
+          </p:cNvSpPr>
+          <p:nvPr>
+            <p:ph type="title"/>
+          </p:nvPr>
+        </p:nvSpPr>
+        <p:spPr/>
+        <p:txBody>
+          <a:bodyPr/>
+          <a:lstStyle/>
+          <a:p>
+            <a:r>
+              <a:rPr lang="en-US" b="1" dirty="0"/>
+              <a:t>TNM(N0/N1)</a:t>
+            </a:r>
+          </a:p>
+        </p:txBody>
+      </p:sp>
+      <p:pic>
+        <p:nvPicPr>
+          <p:cNvPr id="6" name="Content Placeholder 5">
+            <a:extLst>
+              <a:ext uri="{FF2B5EF4-FFF2-40B4-BE49-F238E27FC236}">
+                <a16:creationId xmlns:a16="http://schemas.microsoft.com/office/drawing/2014/main" id="{5382F292-F10D-51D5-A699-8E30F223BD57}"/>
+              </a:ext>
+            </a:extLst>
+          </p:cNvPr>
+          <p:cNvPicPr>
+            <a:picLocks noGrp="1" noChangeAspect="1"/>
+          </p:cNvPicPr>
+          <p:nvPr>
+            <p:ph sz="half" idx="1"/>
+          </p:nvPr>
+        </p:nvPicPr>
+        <p:blipFill>
+          <a:blip r:embed="rId2"/>
+          <a:stretch>
+            <a:fillRect/>
+          </a:stretch>
+        </p:blipFill>
+        <p:spPr>
+          <a:xfrm>
+            <a:off x="838200" y="2334383"/>
+            <a:ext cx="5181600" cy="3333822"/>
+          </a:xfrm>
+        </p:spPr>
+      </p:pic>
+      <p:sp>
+        <p:nvSpPr>
+          <p:cNvPr id="4" name="Content Placeholder 3">
+            <a:extLst>
+              <a:ext uri="{FF2B5EF4-FFF2-40B4-BE49-F238E27FC236}">
+                <a16:creationId xmlns:a16="http://schemas.microsoft.com/office/drawing/2014/main" id="{28EC5287-3D2B-8303-5D17-1DC2BE0B7823}"/>
+              </a:ext>
+            </a:extLst>
+          </p:cNvPr>
+          <p:cNvSpPr>
+            <a:spLocks noGrp="1"/>
+          </p:cNvSpPr>
+          <p:nvPr>
+            <p:ph sz="half" idx="2"/>
+          </p:nvPr>
+        </p:nvSpPr>
+        <p:spPr/>
+        <p:txBody>
+          <a:bodyPr/>
+          <a:lstStyle/>
+          <a:p>
+            <a:endParaRPr lang="en-US"/>
+          </a:p>
+        </p:txBody>
+      </p:sp>
+    </p:spTree>
+    <p:extLst>
+      <p:ext uri="{BB962C8B-B14F-4D97-AF65-F5344CB8AC3E}">
+        <p14:creationId xmlns:p14="http://schemas.microsoft.com/office/powerpoint/2010/main" val="1177664688"/>
+      </p:ext>
+    </p:extLst>
+  </p:cSld>
+  <p:clrMapOvr>
+    <a:masterClrMapping/>
+  </p:clrMapOvr>
+</p:sld>
+</file>
+
+<file path=ppt/slides/slide14.xml><?xml version="1.0" encoding="utf-8"?>
+<p:sld xmlns:a="http://schemas.openxmlformats.org/drawingml/2006/main" xmlns:r="http://schemas.openxmlformats.org/officeDocument/2006/relationships" xmlns:p="http://schemas.openxmlformats.org/presentationml/2006/main">
+  <p:cSld>
+    <p:spTree>
+      <p:nvGrpSpPr>
+        <p:cNvPr id="1" name=""/>
+        <p:cNvGrpSpPr/>
+        <p:nvPr/>
+      </p:nvGrpSpPr>
+      <p:grpSpPr>
+        <a:xfrm>
+          <a:off x="0" y="0"/>
+          <a:ext cx="0" cy="0"/>
+          <a:chOff x="0" y="0"/>
+          <a:chExt cx="0" cy="0"/>
+        </a:xfrm>
+      </p:grpSpPr>
+      <p:sp>
+        <p:nvSpPr>
+          <p:cNvPr id="2" name="Title 1">
+            <a:extLst>
+              <a:ext uri="{FF2B5EF4-FFF2-40B4-BE49-F238E27FC236}">
+                <a16:creationId xmlns:a16="http://schemas.microsoft.com/office/drawing/2014/main" id="{37DC98AF-D335-409D-FE7C-DEDABB63D232}"/>
+              </a:ext>
+            </a:extLst>
+          </p:cNvPr>
+          <p:cNvSpPr>
+            <a:spLocks noGrp="1"/>
+          </p:cNvSpPr>
+          <p:nvPr>
+            <p:ph type="title"/>
+          </p:nvPr>
+        </p:nvSpPr>
+        <p:spPr/>
+        <p:txBody>
+          <a:bodyPr/>
+          <a:lstStyle/>
+          <a:p>
+            <a:r>
+              <a:rPr lang="en-US" b="1" dirty="0"/>
+              <a:t>TNM(N0/N2)</a:t>
+            </a:r>
+          </a:p>
+        </p:txBody>
+      </p:sp>
+      <p:pic>
+        <p:nvPicPr>
+          <p:cNvPr id="6" name="Content Placeholder 5">
+            <a:extLst>
+              <a:ext uri="{FF2B5EF4-FFF2-40B4-BE49-F238E27FC236}">
+                <a16:creationId xmlns:a16="http://schemas.microsoft.com/office/drawing/2014/main" id="{9DE55974-9E70-4F2B-15D3-B326F5F1990C}"/>
+              </a:ext>
+            </a:extLst>
+          </p:cNvPr>
+          <p:cNvPicPr>
+            <a:picLocks noGrp="1" noChangeAspect="1"/>
+          </p:cNvPicPr>
+          <p:nvPr>
+            <p:ph sz="half" idx="1"/>
+          </p:nvPr>
+        </p:nvPicPr>
+        <p:blipFill>
+          <a:blip r:embed="rId2"/>
+          <a:stretch>
+            <a:fillRect/>
+          </a:stretch>
+        </p:blipFill>
+        <p:spPr>
+          <a:xfrm>
+            <a:off x="838200" y="2359795"/>
+            <a:ext cx="5181600" cy="3282998"/>
+          </a:xfrm>
+        </p:spPr>
+      </p:pic>
+      <p:pic>
+        <p:nvPicPr>
+          <p:cNvPr id="8" name="Content Placeholder 7">
+            <a:extLst>
+              <a:ext uri="{FF2B5EF4-FFF2-40B4-BE49-F238E27FC236}">
+                <a16:creationId xmlns:a16="http://schemas.microsoft.com/office/drawing/2014/main" id="{55877A8B-E1FE-B28E-9283-AD68405B5345}"/>
+              </a:ext>
+            </a:extLst>
+          </p:cNvPr>
+          <p:cNvPicPr>
+            <a:picLocks noGrp="1" noChangeAspect="1"/>
+          </p:cNvPicPr>
+          <p:nvPr>
+            <p:ph sz="half" idx="2"/>
+          </p:nvPr>
+        </p:nvPicPr>
+        <p:blipFill>
+          <a:blip r:embed="rId3"/>
+          <a:stretch>
+            <a:fillRect/>
+          </a:stretch>
+        </p:blipFill>
+        <p:spPr>
+          <a:xfrm>
+            <a:off x="6172200" y="2396545"/>
+            <a:ext cx="5181600" cy="3209498"/>
+          </a:xfrm>
+        </p:spPr>
+      </p:pic>
+    </p:spTree>
+    <p:extLst>
+      <p:ext uri="{BB962C8B-B14F-4D97-AF65-F5344CB8AC3E}">
+        <p14:creationId xmlns:p14="http://schemas.microsoft.com/office/powerpoint/2010/main" val="2256154978"/>
+      </p:ext>
+    </p:extLst>
+  </p:cSld>
+  <p:clrMapOvr>
+    <a:masterClrMapping/>
+  </p:clrMapOvr>
+</p:sld>
+</file>
+
+<file path=ppt/slides/slide15.xml><?xml version="1.0" encoding="utf-8"?>
+<p:sld xmlns:a="http://schemas.openxmlformats.org/drawingml/2006/main" xmlns:r="http://schemas.openxmlformats.org/officeDocument/2006/relationships" xmlns:p="http://schemas.openxmlformats.org/presentationml/2006/main">
+  <p:cSld>
+    <p:spTree>
+      <p:nvGrpSpPr>
+        <p:cNvPr id="1" name=""/>
+        <p:cNvGrpSpPr/>
+        <p:nvPr/>
+      </p:nvGrpSpPr>
+      <p:grpSpPr>
+        <a:xfrm>
+          <a:off x="0" y="0"/>
+          <a:ext cx="0" cy="0"/>
+          <a:chOff x="0" y="0"/>
+          <a:chExt cx="0" cy="0"/>
+        </a:xfrm>
+      </p:grpSpPr>
+      <p:sp>
+        <p:nvSpPr>
+          <p:cNvPr id="2" name="Title 1">
+            <a:extLst>
+              <a:ext uri="{FF2B5EF4-FFF2-40B4-BE49-F238E27FC236}">
+                <a16:creationId xmlns:a16="http://schemas.microsoft.com/office/drawing/2014/main" id="{8718811B-082F-278E-353B-F9FCEB1A5842}"/>
+              </a:ext>
+            </a:extLst>
+          </p:cNvPr>
+          <p:cNvSpPr>
+            <a:spLocks noGrp="1"/>
+          </p:cNvSpPr>
+          <p:nvPr>
+            <p:ph type="title"/>
+          </p:nvPr>
+        </p:nvSpPr>
+        <p:spPr/>
+        <p:txBody>
+          <a:bodyPr/>
+          <a:lstStyle/>
+          <a:p>
+            <a:r>
+              <a:rPr lang="en-US" b="1" dirty="0"/>
+              <a:t>TNM (N0/N2)</a:t>
+            </a:r>
+          </a:p>
+        </p:txBody>
+      </p:sp>
+      <p:pic>
+        <p:nvPicPr>
+          <p:cNvPr id="6" name="Content Placeholder 5">
+            <a:extLst>
+              <a:ext uri="{FF2B5EF4-FFF2-40B4-BE49-F238E27FC236}">
+                <a16:creationId xmlns:a16="http://schemas.microsoft.com/office/drawing/2014/main" id="{DA0B0F68-244E-2B76-06F4-244ADBCF142B}"/>
+              </a:ext>
+            </a:extLst>
+          </p:cNvPr>
+          <p:cNvPicPr>
+            <a:picLocks noGrp="1" noChangeAspect="1"/>
+          </p:cNvPicPr>
+          <p:nvPr>
+            <p:ph sz="half" idx="1"/>
+          </p:nvPr>
+        </p:nvPicPr>
+        <p:blipFill>
+          <a:blip r:embed="rId2">
+            <a:extLst>
+              <a:ext uri="{28A0092B-C50C-407E-A947-70E740481C1C}">
+                <a14:useLocalDpi xmlns:a14="http://schemas.microsoft.com/office/drawing/2010/main" val="0"/>
+              </a:ext>
+            </a:extLst>
+          </a:blip>
+          <a:stretch>
+            <a:fillRect/>
+          </a:stretch>
+        </p:blipFill>
+        <p:spPr>
+          <a:xfrm>
+            <a:off x="838200" y="2394523"/>
+            <a:ext cx="5181600" cy="3213542"/>
+          </a:xfrm>
+        </p:spPr>
+      </p:pic>
+      <p:sp>
+        <p:nvSpPr>
+          <p:cNvPr id="4" name="Content Placeholder 3">
+            <a:extLst>
+              <a:ext uri="{FF2B5EF4-FFF2-40B4-BE49-F238E27FC236}">
+                <a16:creationId xmlns:a16="http://schemas.microsoft.com/office/drawing/2014/main" id="{25B2705A-8E53-CD28-5C77-E8C0F37E2828}"/>
+              </a:ext>
+            </a:extLst>
+          </p:cNvPr>
+          <p:cNvSpPr>
+            <a:spLocks noGrp="1"/>
+          </p:cNvSpPr>
+          <p:nvPr>
+            <p:ph sz="half" idx="2"/>
+          </p:nvPr>
+        </p:nvSpPr>
+        <p:spPr/>
+        <p:txBody>
+          <a:bodyPr/>
+          <a:lstStyle/>
+          <a:p>
+            <a:endParaRPr lang="en-US"/>
+          </a:p>
+        </p:txBody>
+      </p:sp>
+    </p:spTree>
+    <p:extLst>
+      <p:ext uri="{BB962C8B-B14F-4D97-AF65-F5344CB8AC3E}">
+        <p14:creationId xmlns:p14="http://schemas.microsoft.com/office/powerpoint/2010/main" val="695577340"/>
+      </p:ext>
+    </p:extLst>
+  </p:cSld>
+  <p:clrMapOvr>
+    <a:masterClrMapping/>
+  </p:clrMapOvr>
+</p:sld>
+</file>
+
 <file path=ppt/slides/slide2.xml><?xml version="1.0" encoding="utf-8"?>
+<p:sld xmlns:a="http://schemas.openxmlformats.org/drawingml/2006/main" xmlns:r="http://schemas.openxmlformats.org/officeDocument/2006/relationships" xmlns:p="http://schemas.openxmlformats.org/presentationml/2006/main">
+  <p:cSld>
+    <p:spTree>
+      <p:nvGrpSpPr>
+        <p:cNvPr id="1" name=""/>
+        <p:cNvGrpSpPr/>
+        <p:nvPr/>
+      </p:nvGrpSpPr>
+      <p:grpSpPr>
+        <a:xfrm>
+          <a:off x="0" y="0"/>
+          <a:ext cx="0" cy="0"/>
+          <a:chOff x="0" y="0"/>
+          <a:chExt cx="0" cy="0"/>
+        </a:xfrm>
+      </p:grpSpPr>
+      <p:sp>
+        <p:nvSpPr>
+          <p:cNvPr id="2" name="Title 1">
+            <a:extLst>
+              <a:ext uri="{FF2B5EF4-FFF2-40B4-BE49-F238E27FC236}">
+                <a16:creationId xmlns:a16="http://schemas.microsoft.com/office/drawing/2014/main" id="{D140F1A0-2C3A-8EDD-C662-56896250F397}"/>
+              </a:ext>
+            </a:extLst>
+          </p:cNvPr>
+          <p:cNvSpPr>
+            <a:spLocks noGrp="1"/>
+          </p:cNvSpPr>
+          <p:nvPr>
+            <p:ph type="title"/>
+          </p:nvPr>
+        </p:nvSpPr>
+        <p:spPr/>
+        <p:txBody>
+          <a:bodyPr/>
+          <a:lstStyle/>
+          <a:p>
+            <a:r>
+              <a:rPr lang="en-US" b="1" dirty="0"/>
+              <a:t>BACKGROUND  </a:t>
+            </a:r>
+          </a:p>
+        </p:txBody>
+      </p:sp>
+      <p:sp>
+        <p:nvSpPr>
+          <p:cNvPr id="3" name="Content Placeholder 2">
+            <a:extLst>
+              <a:ext uri="{FF2B5EF4-FFF2-40B4-BE49-F238E27FC236}">
+                <a16:creationId xmlns:a16="http://schemas.microsoft.com/office/drawing/2014/main" id="{C5552531-D336-0711-E2FD-74F81658158D}"/>
+              </a:ext>
+            </a:extLst>
+          </p:cNvPr>
+          <p:cNvSpPr>
+            <a:spLocks noGrp="1"/>
+          </p:cNvSpPr>
+          <p:nvPr>
+            <p:ph idx="1"/>
+          </p:nvPr>
+        </p:nvSpPr>
+        <p:spPr/>
+        <p:txBody>
+          <a:bodyPr>
+            <a:normAutofit fontScale="77500" lnSpcReduction="20000"/>
+          </a:bodyPr>
+          <a:lstStyle/>
+          <a:p>
+            <a:r>
+              <a:rPr lang="en-US" dirty="0"/>
+              <a:t>Time-to-event analysis “survival analysis” is a key area of statistics that has several applications in clinical practice, for instance, in the management of Noncommunicable diseases, to understand survival time, time to recurrence, or relapse. </a:t>
+            </a:r>
+          </a:p>
+          <a:p>
+            <a:r>
+              <a:rPr lang="en-US" dirty="0"/>
+              <a:t>This survey aims </a:t>
+            </a:r>
+            <a:r>
+              <a:rPr lang="en-US" b="1" dirty="0"/>
+              <a:t>to understand clinicians’ preferences </a:t>
+            </a:r>
+            <a:r>
+              <a:rPr lang="en-US" dirty="0"/>
+              <a:t>in visualizing survival data. </a:t>
+            </a:r>
+          </a:p>
+          <a:p>
+            <a:r>
+              <a:rPr lang="en-US" dirty="0"/>
+              <a:t>There will be 3 types of survival plots: </a:t>
+            </a:r>
+            <a:r>
+              <a:rPr lang="en-US" b="1" dirty="0"/>
+              <a:t>Kaplan Meier, survival ratio, and survival difference plots</a:t>
+            </a:r>
+            <a:r>
+              <a:rPr lang="en-US" dirty="0"/>
+              <a:t>. The same data is displayed differently. We would like to know your preference among the 3 plots. Interpretations will be provided. </a:t>
+            </a:r>
+          </a:p>
+          <a:p>
+            <a:r>
+              <a:rPr lang="en-US" dirty="0"/>
+              <a:t>This study is conducted by Victor and Shyam in fulfillment of an MSc in health data science at the University of Galway.</a:t>
+            </a:r>
+          </a:p>
+          <a:p>
+            <a:r>
+              <a:rPr lang="en-US" dirty="0"/>
+              <a:t>All the responses are </a:t>
+            </a:r>
+            <a:r>
+              <a:rPr lang="en-US" b="1" dirty="0"/>
+              <a:t>anonymous </a:t>
+            </a:r>
+            <a:r>
+              <a:rPr lang="en-US" dirty="0"/>
+              <a:t>and Participation is </a:t>
+            </a:r>
+            <a:r>
+              <a:rPr lang="en-US" b="1" dirty="0"/>
+              <a:t>voluntary</a:t>
+            </a:r>
+            <a:r>
+              <a:rPr lang="en-US" dirty="0"/>
+              <a:t>. It will take 5 min </a:t>
+            </a:r>
+          </a:p>
+          <a:p>
+            <a:r>
+              <a:rPr lang="en-US" dirty="0"/>
+              <a:t>Your input is highly valued, and we appreciate your time in completing this survey.</a:t>
+            </a:r>
+          </a:p>
+          <a:p>
+            <a:r>
+              <a:rPr lang="en-US" dirty="0"/>
+              <a:t>For more information: </a:t>
+            </a:r>
+            <a:r>
+              <a:rPr lang="en-US" dirty="0">
+                <a:hlinkClick r:id="rId2"/>
+              </a:rPr>
+              <a:t>v.rwandarwacu1@universityofgalway</a:t>
+            </a:r>
+            <a:endParaRPr lang="en-US" dirty="0"/>
+          </a:p>
+          <a:p>
+            <a:endParaRPr lang="en-US" dirty="0"/>
+          </a:p>
+        </p:txBody>
+      </p:sp>
+    </p:spTree>
+    <p:extLst>
+      <p:ext uri="{BB962C8B-B14F-4D97-AF65-F5344CB8AC3E}">
+        <p14:creationId xmlns:p14="http://schemas.microsoft.com/office/powerpoint/2010/main" val="4244638327"/>
+      </p:ext>
+    </p:extLst>
+  </p:cSld>
+  <p:clrMapOvr>
+    <a:masterClrMapping/>
+  </p:clrMapOvr>
+</p:sld>
+</file>
+
+<file path=ppt/slides/slide3.xml><?xml version="1.0" encoding="utf-8"?>
+<p:sld xmlns:a="http://schemas.openxmlformats.org/drawingml/2006/main" xmlns:r="http://schemas.openxmlformats.org/officeDocument/2006/relationships" xmlns:p="http://schemas.openxmlformats.org/presentationml/2006/main">
+  <p:cSld>
+    <p:spTree>
+      <p:nvGrpSpPr>
+        <p:cNvPr id="1" name=""/>
+        <p:cNvGrpSpPr/>
+        <p:nvPr/>
+      </p:nvGrpSpPr>
+      <p:grpSpPr>
+        <a:xfrm>
+          <a:off x="0" y="0"/>
+          <a:ext cx="0" cy="0"/>
+          <a:chOff x="0" y="0"/>
+          <a:chExt cx="0" cy="0"/>
+        </a:xfrm>
+      </p:grpSpPr>
+      <p:sp>
+        <p:nvSpPr>
+          <p:cNvPr id="2" name="Title 1">
+            <a:extLst>
+              <a:ext uri="{FF2B5EF4-FFF2-40B4-BE49-F238E27FC236}">
+                <a16:creationId xmlns:a16="http://schemas.microsoft.com/office/drawing/2014/main" id="{3E40F8B1-AA81-4A7F-0F51-0AC27E750790}"/>
+              </a:ext>
+            </a:extLst>
+          </p:cNvPr>
+          <p:cNvSpPr>
+            <a:spLocks noGrp="1"/>
+          </p:cNvSpPr>
+          <p:nvPr>
+            <p:ph type="title"/>
+          </p:nvPr>
+        </p:nvSpPr>
+        <p:spPr/>
+        <p:txBody>
+          <a:bodyPr/>
+          <a:lstStyle/>
+          <a:p>
+            <a:r>
+              <a:rPr lang="en-US" b="1" dirty="0"/>
+              <a:t>DATASET DESCRIPTION</a:t>
+            </a:r>
+          </a:p>
+        </p:txBody>
+      </p:sp>
+      <p:sp>
+        <p:nvSpPr>
+          <p:cNvPr id="5" name="Content Placeholder 4">
+            <a:extLst>
+              <a:ext uri="{FF2B5EF4-FFF2-40B4-BE49-F238E27FC236}">
+                <a16:creationId xmlns:a16="http://schemas.microsoft.com/office/drawing/2014/main" id="{35481D88-D1DE-729D-B29E-0852D2F6B4FD}"/>
+              </a:ext>
+            </a:extLst>
+          </p:cNvPr>
+          <p:cNvSpPr>
+            <a:spLocks noGrp="1"/>
+          </p:cNvSpPr>
+          <p:nvPr>
+            <p:ph idx="1"/>
+          </p:nvPr>
+        </p:nvSpPr>
+        <p:spPr/>
+        <p:txBody>
+          <a:bodyPr>
+            <a:normAutofit/>
+          </a:bodyPr>
+          <a:lstStyle/>
+          <a:p>
+            <a:r>
+              <a:rPr lang="en-US" dirty="0"/>
+              <a:t>The </a:t>
+            </a:r>
+            <a:r>
+              <a:rPr lang="en-US" b="1" dirty="0"/>
+              <a:t>TCGA BRCA (The Cancer Genome Atlas Breast Invasive Carcinoma) </a:t>
+            </a:r>
+            <a:r>
+              <a:rPr lang="en-US" dirty="0"/>
+              <a:t>is a publicly available resource, </a:t>
+            </a:r>
+            <a:endParaRPr lang="en-US" b="1" dirty="0"/>
+          </a:p>
+          <a:p>
+            <a:r>
+              <a:rPr lang="en-US" b="1" dirty="0"/>
+              <a:t>The clinical dataset</a:t>
+            </a:r>
+            <a:r>
+              <a:rPr lang="en-US" dirty="0"/>
+              <a:t> provides comprehensive patient-level clinical information to support breast cancer research. It includes key variables such as </a:t>
+            </a:r>
+            <a:r>
+              <a:rPr lang="en-US" b="1" dirty="0"/>
+              <a:t>demographics, tumor characteristics (pathologic TNM staging, histologic type, hormone receptor status), treatment details, survival outcomes, and recurrence status</a:t>
+            </a:r>
+            <a:r>
+              <a:rPr lang="en-US" dirty="0"/>
+              <a:t>. </a:t>
+            </a:r>
+          </a:p>
+          <a:p>
+            <a:r>
+              <a:rPr lang="en-US" dirty="0"/>
+              <a:t>This dataset enables the analysis of prognostic factors, survival patterns, and treatment responses, making it a valuable resource for understanding clinical outcomes in breast cancer. </a:t>
+            </a:r>
+          </a:p>
+        </p:txBody>
+      </p:sp>
+    </p:spTree>
+    <p:extLst>
+      <p:ext uri="{BB962C8B-B14F-4D97-AF65-F5344CB8AC3E}">
+        <p14:creationId xmlns:p14="http://schemas.microsoft.com/office/powerpoint/2010/main" val="1390473516"/>
+      </p:ext>
+    </p:extLst>
+  </p:cSld>
+  <p:clrMapOvr>
+    <a:masterClrMapping/>
+  </p:clrMapOvr>
+</p:sld>
+</file>
+
+<file path=ppt/slides/slide4.xml><?xml version="1.0" encoding="utf-8"?>
 <p:sld xmlns:a="http://schemas.openxmlformats.org/drawingml/2006/main" xmlns:r="http://schemas.openxmlformats.org/officeDocument/2006/relationships" xmlns:p="http://schemas.openxmlformats.org/presentationml/2006/main">
   <p:cSld>
     <p:spTree>
@@ -3515,7 +4941,141 @@
 </p:sld>
 </file>
 
-<file path=ppt/slides/slide3.xml><?xml version="1.0" encoding="utf-8"?>
+<file path=ppt/slides/slide5.xml><?xml version="1.0" encoding="utf-8"?>
+<p:sld xmlns:a="http://schemas.openxmlformats.org/drawingml/2006/main" xmlns:r="http://schemas.openxmlformats.org/officeDocument/2006/relationships" xmlns:p="http://schemas.openxmlformats.org/presentationml/2006/main">
+  <p:cSld>
+    <p:spTree>
+      <p:nvGrpSpPr>
+        <p:cNvPr id="1" name=""/>
+        <p:cNvGrpSpPr/>
+        <p:nvPr/>
+      </p:nvGrpSpPr>
+      <p:grpSpPr>
+        <a:xfrm>
+          <a:off x="0" y="0"/>
+          <a:ext cx="0" cy="0"/>
+          <a:chOff x="0" y="0"/>
+          <a:chExt cx="0" cy="0"/>
+        </a:xfrm>
+      </p:grpSpPr>
+      <p:sp>
+        <p:nvSpPr>
+          <p:cNvPr id="2" name="Title 1">
+            <a:extLst>
+              <a:ext uri="{FF2B5EF4-FFF2-40B4-BE49-F238E27FC236}">
+                <a16:creationId xmlns:a16="http://schemas.microsoft.com/office/drawing/2014/main" id="{C35C89A8-13DD-131C-9246-8EE96577701F}"/>
+              </a:ext>
+            </a:extLst>
+          </p:cNvPr>
+          <p:cNvSpPr>
+            <a:spLocks noGrp="1"/>
+          </p:cNvSpPr>
+          <p:nvPr>
+            <p:ph type="title"/>
+          </p:nvPr>
+        </p:nvSpPr>
+        <p:spPr/>
+        <p:txBody>
+          <a:bodyPr/>
+          <a:lstStyle/>
+          <a:p>
+            <a:r>
+              <a:rPr lang="en-US" b="1" dirty="0"/>
+              <a:t>Comparison of survival between Pathologic stage II and III</a:t>
+            </a:r>
+            <a:endParaRPr lang="en-US" dirty="0"/>
+          </a:p>
+        </p:txBody>
+      </p:sp>
+      <p:pic>
+        <p:nvPicPr>
+          <p:cNvPr id="6" name="Content Placeholder 5">
+            <a:extLst>
+              <a:ext uri="{FF2B5EF4-FFF2-40B4-BE49-F238E27FC236}">
+                <a16:creationId xmlns:a16="http://schemas.microsoft.com/office/drawing/2014/main" id="{FA7D415A-2E5E-5FC8-8729-3C957EDDA3DD}"/>
+              </a:ext>
+            </a:extLst>
+          </p:cNvPr>
+          <p:cNvPicPr>
+            <a:picLocks noGrp="1" noChangeAspect="1"/>
+          </p:cNvPicPr>
+          <p:nvPr>
+            <p:ph sz="half" idx="1"/>
+          </p:nvPr>
+        </p:nvPicPr>
+        <p:blipFill>
+          <a:blip r:embed="rId3"/>
+          <a:stretch>
+            <a:fillRect/>
+          </a:stretch>
+        </p:blipFill>
+        <p:spPr>
+          <a:xfrm>
+            <a:off x="838200" y="2483728"/>
+            <a:ext cx="5181600" cy="3035132"/>
+          </a:xfrm>
+        </p:spPr>
+      </p:pic>
+      <p:sp>
+        <p:nvSpPr>
+          <p:cNvPr id="4" name="Content Placeholder 3">
+            <a:extLst>
+              <a:ext uri="{FF2B5EF4-FFF2-40B4-BE49-F238E27FC236}">
+                <a16:creationId xmlns:a16="http://schemas.microsoft.com/office/drawing/2014/main" id="{ED8B9C8C-40C4-4964-8391-728FD82DDBF8}"/>
+              </a:ext>
+            </a:extLst>
+          </p:cNvPr>
+          <p:cNvSpPr>
+            <a:spLocks noGrp="1"/>
+          </p:cNvSpPr>
+          <p:nvPr>
+            <p:ph sz="half" idx="2"/>
+          </p:nvPr>
+        </p:nvSpPr>
+        <p:spPr/>
+        <p:txBody>
+          <a:bodyPr/>
+          <a:lstStyle/>
+          <a:p>
+            <a:r>
+              <a:rPr lang="en-US" dirty="0">
+                <a:solidFill>
+                  <a:srgbClr val="FF0000"/>
+                </a:solidFill>
+              </a:rPr>
+              <a:t>ANSWERS</a:t>
+            </a:r>
+          </a:p>
+          <a:p>
+            <a:pPr marL="514350" indent="-514350">
+              <a:buFont typeface="+mj-lt"/>
+              <a:buAutoNum type="arabicPeriod"/>
+            </a:pPr>
+            <a:r>
+              <a:rPr lang="en-US" dirty="0">
+                <a:solidFill>
+                  <a:srgbClr val="FF0000"/>
+                </a:solidFill>
+              </a:rPr>
+              <a:t> </a:t>
+            </a:r>
+          </a:p>
+        </p:txBody>
+      </p:sp>
+    </p:spTree>
+    <p:extLst>
+      <p:ext uri="{BB962C8B-B14F-4D97-AF65-F5344CB8AC3E}">
+        <p14:creationId xmlns:p14="http://schemas.microsoft.com/office/powerpoint/2010/main" val="3725675970"/>
+      </p:ext>
+    </p:extLst>
+  </p:cSld>
+  <p:clrMapOvr>
+    <a:masterClrMapping/>
+  </p:clrMapOvr>
+</p:sld>
+</file>
+
+<file path=ppt/slides/slide6.xml><?xml version="1.0" encoding="utf-8"?>
 <p:sld xmlns:a="http://schemas.openxmlformats.org/drawingml/2006/main" xmlns:r="http://schemas.openxmlformats.org/officeDocument/2006/relationships" xmlns:p="http://schemas.openxmlformats.org/presentationml/2006/main">
   <p:cSld>
     <p:spTree>
@@ -3631,7 +5191,7 @@
 </p:sld>
 </file>
 
-<file path=ppt/slides/slide4.xml><?xml version="1.0" encoding="utf-8"?>
+<file path=ppt/slides/slide7.xml><?xml version="1.0" encoding="utf-8"?>
 <p:sld xmlns:a="http://schemas.openxmlformats.org/drawingml/2006/main" xmlns:r="http://schemas.openxmlformats.org/officeDocument/2006/relationships" xmlns:p="http://schemas.openxmlformats.org/presentationml/2006/main">
   <p:cSld>
     <p:spTree>
@@ -3653,7 +5213,7 @@
           <p:cNvPr id="2" name="Title 1">
             <a:extLst>
               <a:ext uri="{FF2B5EF4-FFF2-40B4-BE49-F238E27FC236}">
-                <a16:creationId xmlns:a16="http://schemas.microsoft.com/office/drawing/2014/main" id="{4F803FAB-AB4E-ECEB-B87D-CF608FC42219}"/>
+                <a16:creationId xmlns:a16="http://schemas.microsoft.com/office/drawing/2014/main" id="{0A5867AA-ABE1-BFC6-14CF-BE54ADB2A5F4}"/>
               </a:ext>
             </a:extLst>
           </p:cNvPr>
@@ -3669,19 +5229,16 @@
           <a:bodyPr/>
           <a:lstStyle/>
           <a:p>
-            <a:r>
-              <a:rPr lang="en-US" b="1" dirty="0"/>
-              <a:t>Comparison of survival between Pathologic stage I and II</a:t>
-            </a:r>
+            <a:endParaRPr lang="en-US"/>
           </a:p>
         </p:txBody>
       </p:sp>
       <p:pic>
         <p:nvPicPr>
-          <p:cNvPr id="7" name="Content Placeholder 6">
-            <a:extLst>
-              <a:ext uri="{FF2B5EF4-FFF2-40B4-BE49-F238E27FC236}">
-                <a16:creationId xmlns:a16="http://schemas.microsoft.com/office/drawing/2014/main" id="{D5A2A05D-0F63-72F9-1BB7-1373CA735A67}"/>
+          <p:cNvPr id="6" name="Content Placeholder 5">
+            <a:extLst>
+              <a:ext uri="{FF2B5EF4-FFF2-40B4-BE49-F238E27FC236}">
+                <a16:creationId xmlns:a16="http://schemas.microsoft.com/office/drawing/2014/main" id="{43B5CA57-09CB-A6C7-5880-5B7F7FD708EB}"/>
               </a:ext>
             </a:extLst>
           </p:cNvPr>
@@ -3700,17 +5257,129 @@
         </p:blipFill>
         <p:spPr>
           <a:xfrm>
-            <a:off x="838200" y="2399022"/>
-            <a:ext cx="5181600" cy="3204543"/>
+            <a:off x="838200" y="2399312"/>
+            <a:ext cx="5181600" cy="3203964"/>
+          </a:xfrm>
+        </p:spPr>
+      </p:pic>
+      <p:sp>
+        <p:nvSpPr>
+          <p:cNvPr id="4" name="Content Placeholder 3">
+            <a:extLst>
+              <a:ext uri="{FF2B5EF4-FFF2-40B4-BE49-F238E27FC236}">
+                <a16:creationId xmlns:a16="http://schemas.microsoft.com/office/drawing/2014/main" id="{251E9359-3D55-1618-2144-D5571F605AAA}"/>
+              </a:ext>
+            </a:extLst>
+          </p:cNvPr>
+          <p:cNvSpPr>
+            <a:spLocks noGrp="1"/>
+          </p:cNvSpPr>
+          <p:nvPr>
+            <p:ph sz="half" idx="2"/>
+          </p:nvPr>
+        </p:nvSpPr>
+        <p:spPr/>
+        <p:txBody>
+          <a:bodyPr/>
+          <a:lstStyle/>
+          <a:p>
+            <a:endParaRPr lang="en-US"/>
+          </a:p>
+        </p:txBody>
+      </p:sp>
+    </p:spTree>
+    <p:extLst>
+      <p:ext uri="{BB962C8B-B14F-4D97-AF65-F5344CB8AC3E}">
+        <p14:creationId xmlns:p14="http://schemas.microsoft.com/office/powerpoint/2010/main" val="1706119969"/>
+      </p:ext>
+    </p:extLst>
+  </p:cSld>
+  <p:clrMapOvr>
+    <a:masterClrMapping/>
+  </p:clrMapOvr>
+</p:sld>
+</file>
+
+<file path=ppt/slides/slide8.xml><?xml version="1.0" encoding="utf-8"?>
+<p:sld xmlns:a="http://schemas.openxmlformats.org/drawingml/2006/main" xmlns:r="http://schemas.openxmlformats.org/officeDocument/2006/relationships" xmlns:p="http://schemas.openxmlformats.org/presentationml/2006/main">
+  <p:cSld>
+    <p:spTree>
+      <p:nvGrpSpPr>
+        <p:cNvPr id="1" name=""/>
+        <p:cNvGrpSpPr/>
+        <p:nvPr/>
+      </p:nvGrpSpPr>
+      <p:grpSpPr>
+        <a:xfrm>
+          <a:off x="0" y="0"/>
+          <a:ext cx="0" cy="0"/>
+          <a:chOff x="0" y="0"/>
+          <a:chExt cx="0" cy="0"/>
+        </a:xfrm>
+      </p:grpSpPr>
+      <p:sp>
+        <p:nvSpPr>
+          <p:cNvPr id="2" name="Title 1">
+            <a:extLst>
+              <a:ext uri="{FF2B5EF4-FFF2-40B4-BE49-F238E27FC236}">
+                <a16:creationId xmlns:a16="http://schemas.microsoft.com/office/drawing/2014/main" id="{4F803FAB-AB4E-ECEB-B87D-CF608FC42219}"/>
+              </a:ext>
+            </a:extLst>
+          </p:cNvPr>
+          <p:cNvSpPr>
+            <a:spLocks noGrp="1"/>
+          </p:cNvSpPr>
+          <p:nvPr>
+            <p:ph type="title"/>
+          </p:nvPr>
+        </p:nvSpPr>
+        <p:spPr/>
+        <p:txBody>
+          <a:bodyPr/>
+          <a:lstStyle/>
+          <a:p>
+            <a:r>
+              <a:rPr lang="en-US" b="1" dirty="0"/>
+              <a:t>Comparison of survival between Pathologic stage I and II</a:t>
+            </a:r>
+          </a:p>
+        </p:txBody>
+      </p:sp>
+      <p:pic>
+        <p:nvPicPr>
+          <p:cNvPr id="12" name="Content Placeholder 11">
+            <a:extLst>
+              <a:ext uri="{FF2B5EF4-FFF2-40B4-BE49-F238E27FC236}">
+                <a16:creationId xmlns:a16="http://schemas.microsoft.com/office/drawing/2014/main" id="{DBBCD6A8-BE88-6622-B2CC-427706A4EA86}"/>
+              </a:ext>
+            </a:extLst>
+          </p:cNvPr>
+          <p:cNvPicPr>
+            <a:picLocks noGrp="1" noChangeAspect="1"/>
+          </p:cNvPicPr>
+          <p:nvPr>
+            <p:ph sz="half" idx="2"/>
+          </p:nvPr>
+        </p:nvPicPr>
+        <p:blipFill>
+          <a:blip r:embed="rId2"/>
+          <a:stretch>
+            <a:fillRect/>
+          </a:stretch>
+        </p:blipFill>
+        <p:spPr>
+          <a:xfrm>
+            <a:off x="6172200" y="2385795"/>
+            <a:ext cx="5181600" cy="3230997"/>
           </a:xfrm>
         </p:spPr>
       </p:pic>
       <p:pic>
         <p:nvPicPr>
-          <p:cNvPr id="12" name="Content Placeholder 11">
-            <a:extLst>
-              <a:ext uri="{FF2B5EF4-FFF2-40B4-BE49-F238E27FC236}">
-                <a16:creationId xmlns:a16="http://schemas.microsoft.com/office/drawing/2014/main" id="{DBBCD6A8-BE88-6622-B2CC-427706A4EA86}"/>
+          <p:cNvPr id="6" name="Content Placeholder 5">
+            <a:extLst>
+              <a:ext uri="{FF2B5EF4-FFF2-40B4-BE49-F238E27FC236}">
+                <a16:creationId xmlns:a16="http://schemas.microsoft.com/office/drawing/2014/main" id="{9C01982B-C606-776A-3844-2B12D74BC582}"/>
               </a:ext>
             </a:extLst>
           </p:cNvPr>
@@ -3718,7 +5387,7 @@
             <a:picLocks noGrp="1" noChangeAspect="1"/>
           </p:cNvPicPr>
           <p:nvPr>
-            <p:ph sz="half" idx="2"/>
+            <p:ph sz="half" idx="1"/>
           </p:nvPr>
         </p:nvPicPr>
         <p:blipFill>
@@ -3729,8 +5398,8 @@
         </p:blipFill>
         <p:spPr>
           <a:xfrm>
-            <a:off x="6172200" y="2385795"/>
-            <a:ext cx="5181600" cy="3230997"/>
+            <a:off x="838200" y="2452446"/>
+            <a:ext cx="5181600" cy="3097695"/>
           </a:xfrm>
         </p:spPr>
       </p:pic>
@@ -3747,7 +5416,7 @@
 </p:sld>
 </file>
 
-<file path=ppt/slides/slide5.xml><?xml version="1.0" encoding="utf-8"?>
+<file path=ppt/slides/slide9.xml><?xml version="1.0" encoding="utf-8"?>
 <p:sld xmlns:a="http://schemas.openxmlformats.org/drawingml/2006/main" xmlns:r="http://schemas.openxmlformats.org/officeDocument/2006/relationships" xmlns:p="http://schemas.openxmlformats.org/presentationml/2006/main">
   <p:cSld>
     <p:spTree>
@@ -3769,7 +5438,7 @@
           <p:cNvPr id="2" name="Title 1">
             <a:extLst>
               <a:ext uri="{FF2B5EF4-FFF2-40B4-BE49-F238E27FC236}">
-                <a16:creationId xmlns:a16="http://schemas.microsoft.com/office/drawing/2014/main" id="{DEFF6756-8F95-5101-3F08-812C8E04D97B}"/>
+                <a16:creationId xmlns:a16="http://schemas.microsoft.com/office/drawing/2014/main" id="{F0E93CA7-2387-85CD-98A2-89153EFD7CE9}"/>
               </a:ext>
             </a:extLst>
           </p:cNvPr>
@@ -3787,8 +5456,9 @@
           <a:p>
             <a:r>
               <a:rPr lang="en-US" b="1" dirty="0"/>
-              <a:t>Comparison of Survival by Race </a:t>
-            </a:r>
+              <a:t>Comparison of survival between Pathologic stage I and II</a:t>
+            </a:r>
+            <a:endParaRPr lang="en-US" dirty="0"/>
           </a:p>
         </p:txBody>
       </p:sp>
@@ -3797,7 +5467,7 @@
           <p:cNvPr id="6" name="Content Placeholder 5">
             <a:extLst>
               <a:ext uri="{FF2B5EF4-FFF2-40B4-BE49-F238E27FC236}">
-                <a16:creationId xmlns:a16="http://schemas.microsoft.com/office/drawing/2014/main" id="{78CF8A4C-C60B-0868-3C8E-3DB8802070BA}"/>
+                <a16:creationId xmlns:a16="http://schemas.microsoft.com/office/drawing/2014/main" id="{9E333A2F-DE77-44D2-6259-95D2A281717D}"/>
               </a:ext>
             </a:extLst>
           </p:cNvPr>
@@ -3816,44 +5486,40 @@
         </p:blipFill>
         <p:spPr>
           <a:xfrm>
-            <a:off x="838200" y="2389561"/>
-            <a:ext cx="5181600" cy="3223465"/>
+            <a:off x="838200" y="2446814"/>
+            <a:ext cx="5181600" cy="3108959"/>
           </a:xfrm>
         </p:spPr>
       </p:pic>
-      <p:pic>
-        <p:nvPicPr>
-          <p:cNvPr id="12" name="Content Placeholder 11">
-            <a:extLst>
-              <a:ext uri="{FF2B5EF4-FFF2-40B4-BE49-F238E27FC236}">
-                <a16:creationId xmlns:a16="http://schemas.microsoft.com/office/drawing/2014/main" id="{7B69DC13-2CD3-AEAA-471B-BBD774AE4AB3}"/>
-              </a:ext>
-            </a:extLst>
-          </p:cNvPr>
-          <p:cNvPicPr>
-            <a:picLocks noGrp="1" noChangeAspect="1"/>
-          </p:cNvPicPr>
+      <p:sp>
+        <p:nvSpPr>
+          <p:cNvPr id="4" name="Content Placeholder 3">
+            <a:extLst>
+              <a:ext uri="{FF2B5EF4-FFF2-40B4-BE49-F238E27FC236}">
+                <a16:creationId xmlns:a16="http://schemas.microsoft.com/office/drawing/2014/main" id="{209E8BC9-F17E-7D49-33D1-5154892B61C2}"/>
+              </a:ext>
+            </a:extLst>
+          </p:cNvPr>
+          <p:cNvSpPr>
+            <a:spLocks noGrp="1"/>
+          </p:cNvSpPr>
           <p:nvPr>
             <p:ph sz="half" idx="2"/>
           </p:nvPr>
-        </p:nvPicPr>
-        <p:blipFill>
-          <a:blip r:embed="rId3"/>
-          <a:stretch>
-            <a:fillRect/>
-          </a:stretch>
-        </p:blipFill>
-        <p:spPr>
-          <a:xfrm>
-            <a:off x="6172200" y="2379591"/>
-            <a:ext cx="5181600" cy="3243406"/>
-          </a:xfrm>
-        </p:spPr>
-      </p:pic>
+        </p:nvSpPr>
+        <p:spPr/>
+        <p:txBody>
+          <a:bodyPr/>
+          <a:lstStyle/>
+          <a:p>
+            <a:endParaRPr lang="en-US"/>
+          </a:p>
+        </p:txBody>
+      </p:sp>
     </p:spTree>
     <p:extLst>
       <p:ext uri="{BB962C8B-B14F-4D97-AF65-F5344CB8AC3E}">
-        <p14:creationId xmlns:p14="http://schemas.microsoft.com/office/powerpoint/2010/main" val="842682252"/>
+        <p14:creationId xmlns:p14="http://schemas.microsoft.com/office/powerpoint/2010/main" val="2445845414"/>
       </p:ext>
     </p:extLst>
   </p:cSld>
@@ -4156,4 +5822,299 @@
     </a:ext>
   </a:extLst>
 </a:theme>
+</file>
+
+<file path=ppt/theme/theme2.xml><?xml version="1.0" encoding="utf-8"?>
+<a:theme xmlns:a="http://schemas.openxmlformats.org/drawingml/2006/main" name="Office Theme">
+  <a:themeElements>
+    <a:clrScheme name="Office">
+      <a:dk1>
+        <a:sysClr val="windowText" lastClr="000000"/>
+      </a:dk1>
+      <a:lt1>
+        <a:sysClr val="window" lastClr="FFFFFF"/>
+      </a:lt1>
+      <a:dk2>
+        <a:srgbClr val="44546A"/>
+      </a:dk2>
+      <a:lt2>
+        <a:srgbClr val="E7E6E6"/>
+      </a:lt2>
+      <a:accent1>
+        <a:srgbClr val="4472C4"/>
+      </a:accent1>
+      <a:accent2>
+        <a:srgbClr val="ED7D31"/>
+      </a:accent2>
+      <a:accent3>
+        <a:srgbClr val="A5A5A5"/>
+      </a:accent3>
+      <a:accent4>
+        <a:srgbClr val="FFC000"/>
+      </a:accent4>
+      <a:accent5>
+        <a:srgbClr val="5B9BD5"/>
+      </a:accent5>
+      <a:accent6>
+        <a:srgbClr val="70AD47"/>
+      </a:accent6>
+      <a:hlink>
+        <a:srgbClr val="0563C1"/>
+      </a:hlink>
+      <a:folHlink>
+        <a:srgbClr val="954F72"/>
+      </a:folHlink>
+    </a:clrScheme>
+    <a:fontScheme name="Office">
+      <a:majorFont>
+        <a:latin typeface="Calibri Light" panose="020F0302020204030204"/>
+        <a:ea typeface=""/>
+        <a:cs typeface=""/>
+        <a:font script="Jpan" typeface="游ゴシック Light"/>
+        <a:font script="Hang" typeface="맑은 고딕"/>
+        <a:font script="Hans" typeface="等线 Light"/>
+        <a:font script="Hant" typeface="新細明體"/>
+        <a:font script="Arab" typeface="Times New Roman"/>
+        <a:font script="Hebr" typeface="Times New Roman"/>
+        <a:font script="Thai" typeface="Angsana New"/>
+        <a:font script="Ethi" typeface="Nyala"/>
+        <a:font script="Beng" typeface="Vrinda"/>
+        <a:font script="Gujr" typeface="Shruti"/>
+        <a:font script="Khmr" typeface="MoolBoran"/>
+        <a:font script="Knda" typeface="Tunga"/>
+        <a:font script="Guru" typeface="Raavi"/>
+        <a:font script="Cans" typeface="Euphemia"/>
+        <a:font script="Cher" typeface="Plantagenet Cherokee"/>
+        <a:font script="Yiii" typeface="Microsoft Yi Baiti"/>
+        <a:font script="Tibt" typeface="Microsoft Himalaya"/>
+        <a:font script="Thaa" typeface="MV Boli"/>
+        <a:font script="Deva" typeface="Mangal"/>
+        <a:font script="Telu" typeface="Gautami"/>
+        <a:font script="Taml" typeface="Latha"/>
+        <a:font script="Syrc" typeface="Estrangelo Edessa"/>
+        <a:font script="Orya" typeface="Kalinga"/>
+        <a:font script="Mlym" typeface="Kartika"/>
+        <a:font script="Laoo" typeface="DokChampa"/>
+        <a:font script="Sinh" typeface="Iskoola Pota"/>
+        <a:font script="Mong" typeface="Mongolian Baiti"/>
+        <a:font script="Viet" typeface="Times New Roman"/>
+        <a:font script="Uigh" typeface="Microsoft Uighur"/>
+        <a:font script="Geor" typeface="Sylfaen"/>
+        <a:font script="Armn" typeface="Arial"/>
+        <a:font script="Bugi" typeface="Leelawadee UI"/>
+        <a:font script="Bopo" typeface="Microsoft JhengHei"/>
+        <a:font script="Java" typeface="Javanese Text"/>
+        <a:font script="Lisu" typeface="Segoe UI"/>
+        <a:font script="Mymr" typeface="Myanmar Text"/>
+        <a:font script="Nkoo" typeface="Ebrima"/>
+        <a:font script="Olck" typeface="Nirmala UI"/>
+        <a:font script="Osma" typeface="Ebrima"/>
+        <a:font script="Phag" typeface="Phagspa"/>
+        <a:font script="Syrn" typeface="Estrangelo Edessa"/>
+        <a:font script="Syrj" typeface="Estrangelo Edessa"/>
+        <a:font script="Syre" typeface="Estrangelo Edessa"/>
+        <a:font script="Sora" typeface="Nirmala UI"/>
+        <a:font script="Tale" typeface="Microsoft Tai Le"/>
+        <a:font script="Talu" typeface="Microsoft New Tai Lue"/>
+        <a:font script="Tfng" typeface="Ebrima"/>
+      </a:majorFont>
+      <a:minorFont>
+        <a:latin typeface="Calibri" panose="020F0502020204030204"/>
+        <a:ea typeface=""/>
+        <a:cs typeface=""/>
+        <a:font script="Jpan" typeface="游ゴシック"/>
+        <a:font script="Hang" typeface="맑은 고딕"/>
+        <a:font script="Hans" typeface="等线"/>
+        <a:font script="Hant" typeface="新細明體"/>
+        <a:font script="Arab" typeface="Arial"/>
+        <a:font script="Hebr" typeface="Arial"/>
+        <a:font script="Thai" typeface="Cordia New"/>
+        <a:font script="Ethi" typeface="Nyala"/>
+        <a:font script="Beng" typeface="Vrinda"/>
+        <a:font script="Gujr" typeface="Shruti"/>
+        <a:font script="Khmr" typeface="DaunPenh"/>
+        <a:font script="Knda" typeface="Tunga"/>
+        <a:font script="Guru" typeface="Raavi"/>
+        <a:font script="Cans" typeface="Euphemia"/>
+        <a:font script="Cher" typeface="Plantagenet Cherokee"/>
+        <a:font script="Yiii" typeface="Microsoft Yi Baiti"/>
+        <a:font script="Tibt" typeface="Microsoft Himalaya"/>
+        <a:font script="Thaa" typeface="MV Boli"/>
+        <a:font script="Deva" typeface="Mangal"/>
+        <a:font script="Telu" typeface="Gautami"/>
+        <a:font script="Taml" typeface="Latha"/>
+        <a:font script="Syrc" typeface="Estrangelo Edessa"/>
+        <a:font script="Orya" typeface="Kalinga"/>
+        <a:font script="Mlym" typeface="Kartika"/>
+        <a:font script="Laoo" typeface="DokChampa"/>
+        <a:font script="Sinh" typeface="Iskoola Pota"/>
+        <a:font script="Mong" typeface="Mongolian Baiti"/>
+        <a:font script="Viet" typeface="Arial"/>
+        <a:font script="Uigh" typeface="Microsoft Uighur"/>
+        <a:font script="Geor" typeface="Sylfaen"/>
+        <a:font script="Armn" typeface="Arial"/>
+        <a:font script="Bugi" typeface="Leelawadee UI"/>
+        <a:font script="Bopo" typeface="Microsoft JhengHei"/>
+        <a:font script="Java" typeface="Javanese Text"/>
+        <a:font script="Lisu" typeface="Segoe UI"/>
+        <a:font script="Mymr" typeface="Myanmar Text"/>
+        <a:font script="Nkoo" typeface="Ebrima"/>
+        <a:font script="Olck" typeface="Nirmala UI"/>
+        <a:font script="Osma" typeface="Ebrima"/>
+        <a:font script="Phag" typeface="Phagspa"/>
+        <a:font script="Syrn" typeface="Estrangelo Edessa"/>
+        <a:font script="Syrj" typeface="Estrangelo Edessa"/>
+        <a:font script="Syre" typeface="Estrangelo Edessa"/>
+        <a:font script="Sora" typeface="Nirmala UI"/>
+        <a:font script="Tale" typeface="Microsoft Tai Le"/>
+        <a:font script="Talu" typeface="Microsoft New Tai Lue"/>
+        <a:font script="Tfng" typeface="Ebrima"/>
+      </a:minorFont>
+    </a:fontScheme>
+    <a:fmtScheme name="Office">
+      <a:fillStyleLst>
+        <a:solidFill>
+          <a:schemeClr val="phClr"/>
+        </a:solidFill>
+        <a:gradFill rotWithShape="1">
+          <a:gsLst>
+            <a:gs pos="0">
+              <a:schemeClr val="phClr">
+                <a:lumMod val="110000"/>
+                <a:satMod val="105000"/>
+                <a:tint val="67000"/>
+              </a:schemeClr>
+            </a:gs>
+            <a:gs pos="50000">
+              <a:schemeClr val="phClr">
+                <a:lumMod val="105000"/>
+                <a:satMod val="103000"/>
+                <a:tint val="73000"/>
+              </a:schemeClr>
+            </a:gs>
+            <a:gs pos="100000">
+              <a:schemeClr val="phClr">
+                <a:lumMod val="105000"/>
+                <a:satMod val="109000"/>
+                <a:tint val="81000"/>
+              </a:schemeClr>
+            </a:gs>
+          </a:gsLst>
+          <a:lin ang="5400000" scaled="0"/>
+        </a:gradFill>
+        <a:gradFill rotWithShape="1">
+          <a:gsLst>
+            <a:gs pos="0">
+              <a:schemeClr val="phClr">
+                <a:satMod val="103000"/>
+                <a:lumMod val="102000"/>
+                <a:tint val="94000"/>
+              </a:schemeClr>
+            </a:gs>
+            <a:gs pos="50000">
+              <a:schemeClr val="phClr">
+                <a:satMod val="110000"/>
+                <a:lumMod val="100000"/>
+                <a:shade val="100000"/>
+              </a:schemeClr>
+            </a:gs>
+            <a:gs pos="100000">
+              <a:schemeClr val="phClr">
+                <a:lumMod val="99000"/>
+                <a:satMod val="120000"/>
+                <a:shade val="78000"/>
+              </a:schemeClr>
+            </a:gs>
+          </a:gsLst>
+          <a:lin ang="5400000" scaled="0"/>
+        </a:gradFill>
+      </a:fillStyleLst>
+      <a:lnStyleLst>
+        <a:ln w="6350" cap="flat" cmpd="sng" algn="ctr">
+          <a:solidFill>
+            <a:schemeClr val="phClr"/>
+          </a:solidFill>
+          <a:prstDash val="solid"/>
+          <a:miter lim="800000"/>
+        </a:ln>
+        <a:ln w="12700" cap="flat" cmpd="sng" algn="ctr">
+          <a:solidFill>
+            <a:schemeClr val="phClr"/>
+          </a:solidFill>
+          <a:prstDash val="solid"/>
+          <a:miter lim="800000"/>
+        </a:ln>
+        <a:ln w="19050" cap="flat" cmpd="sng" algn="ctr">
+          <a:solidFill>
+            <a:schemeClr val="phClr"/>
+          </a:solidFill>
+          <a:prstDash val="solid"/>
+          <a:miter lim="800000"/>
+        </a:ln>
+      </a:lnStyleLst>
+      <a:effectStyleLst>
+        <a:effectStyle>
+          <a:effectLst/>
+        </a:effectStyle>
+        <a:effectStyle>
+          <a:effectLst/>
+        </a:effectStyle>
+        <a:effectStyle>
+          <a:effectLst>
+            <a:outerShdw blurRad="57150" dist="19050" dir="5400000" algn="ctr" rotWithShape="0">
+              <a:srgbClr val="000000">
+                <a:alpha val="63000"/>
+              </a:srgbClr>
+            </a:outerShdw>
+          </a:effectLst>
+        </a:effectStyle>
+      </a:effectStyleLst>
+      <a:bgFillStyleLst>
+        <a:solidFill>
+          <a:schemeClr val="phClr"/>
+        </a:solidFill>
+        <a:solidFill>
+          <a:schemeClr val="phClr">
+            <a:tint val="95000"/>
+            <a:satMod val="170000"/>
+          </a:schemeClr>
+        </a:solidFill>
+        <a:gradFill rotWithShape="1">
+          <a:gsLst>
+            <a:gs pos="0">
+              <a:schemeClr val="phClr">
+                <a:tint val="93000"/>
+                <a:satMod val="150000"/>
+                <a:shade val="98000"/>
+                <a:lumMod val="102000"/>
+              </a:schemeClr>
+            </a:gs>
+            <a:gs pos="50000">
+              <a:schemeClr val="phClr">
+                <a:tint val="98000"/>
+                <a:satMod val="130000"/>
+                <a:shade val="90000"/>
+                <a:lumMod val="103000"/>
+              </a:schemeClr>
+            </a:gs>
+            <a:gs pos="100000">
+              <a:schemeClr val="phClr">
+                <a:shade val="63000"/>
+                <a:satMod val="120000"/>
+              </a:schemeClr>
+            </a:gs>
+          </a:gsLst>
+          <a:lin ang="5400000" scaled="0"/>
+        </a:gradFill>
+      </a:bgFillStyleLst>
+    </a:fmtScheme>
+  </a:themeElements>
+  <a:objectDefaults/>
+  <a:extraClrSchemeLst/>
+  <a:extLst>
+    <a:ext uri="{05A4C25C-085E-4340-85A3-A5531E510DB2}">
+      <thm15:themeFamily xmlns:thm15="http://schemas.microsoft.com/office/thememl/2012/main" name="Office Theme" id="{62F939B6-93AF-4DB8-9C6B-D6C7DFDC589F}" vid="{4A3C46E8-61CC-4603-A589-7422A47A8E4A}"/>
+    </a:ext>
+  </a:extLst>
+</a:theme>
 </file>
--- a/SURVIVAL RATIO PLOTS_For survey.pptx
+++ b/SURVIVAL RATIO PLOTS_For survey.pptx
@@ -5,24 +5,27 @@
     <p:sldMasterId id="2147483648" r:id="rId1"/>
   </p:sldMasterIdLst>
   <p:notesMasterIdLst>
-    <p:notesMasterId r:id="rId17"/>
+    <p:notesMasterId r:id="rId20"/>
   </p:notesMasterIdLst>
   <p:sldIdLst>
     <p:sldId id="256" r:id="rId2"/>
     <p:sldId id="270" r:id="rId3"/>
     <p:sldId id="261" r:id="rId4"/>
-    <p:sldId id="257" r:id="rId5"/>
-    <p:sldId id="262" r:id="rId6"/>
-    <p:sldId id="258" r:id="rId7"/>
-    <p:sldId id="265" r:id="rId8"/>
-    <p:sldId id="259" r:id="rId9"/>
-    <p:sldId id="263" r:id="rId10"/>
-    <p:sldId id="260" r:id="rId11"/>
-    <p:sldId id="264" r:id="rId12"/>
-    <p:sldId id="266" r:id="rId13"/>
-    <p:sldId id="267" r:id="rId14"/>
-    <p:sldId id="268" r:id="rId15"/>
-    <p:sldId id="269" r:id="rId16"/>
+    <p:sldId id="273" r:id="rId5"/>
+    <p:sldId id="257" r:id="rId6"/>
+    <p:sldId id="271" r:id="rId7"/>
+    <p:sldId id="262" r:id="rId8"/>
+    <p:sldId id="272" r:id="rId9"/>
+    <p:sldId id="258" r:id="rId10"/>
+    <p:sldId id="265" r:id="rId11"/>
+    <p:sldId id="259" r:id="rId12"/>
+    <p:sldId id="263" r:id="rId13"/>
+    <p:sldId id="260" r:id="rId14"/>
+    <p:sldId id="264" r:id="rId15"/>
+    <p:sldId id="266" r:id="rId16"/>
+    <p:sldId id="267" r:id="rId17"/>
+    <p:sldId id="268" r:id="rId18"/>
+    <p:sldId id="269" r:id="rId19"/>
   </p:sldIdLst>
   <p:sldSz cx="12192000" cy="6858000"/>
   <p:notesSz cx="6858000" cy="9144000"/>
@@ -544,6 +547,174 @@
             <a:fld id="{2D38F873-1FB9-4338-9F6C-70E30775B7F5}" type="slidenum">
               <a:rPr lang="en-US" smtClean="0"/>
               <a:t>5</a:t>
+            </a:fld>
+            <a:endParaRPr lang="en-US"/>
+          </a:p>
+        </p:txBody>
+      </p:sp>
+    </p:spTree>
+    <p:extLst>
+      <p:ext uri="{BB962C8B-B14F-4D97-AF65-F5344CB8AC3E}">
+        <p14:creationId xmlns:p14="http://schemas.microsoft.com/office/powerpoint/2010/main" val="1343152919"/>
+      </p:ext>
+    </p:extLst>
+  </p:cSld>
+  <p:clrMapOvr>
+    <a:masterClrMapping/>
+  </p:clrMapOvr>
+</p:notes>
+</file>
+
+<file path=ppt/notesSlides/notesSlide2.xml><?xml version="1.0" encoding="utf-8"?>
+<p:notes xmlns:a="http://schemas.openxmlformats.org/drawingml/2006/main" xmlns:r="http://schemas.openxmlformats.org/officeDocument/2006/relationships" xmlns:p="http://schemas.openxmlformats.org/presentationml/2006/main">
+  <p:cSld>
+    <p:spTree>
+      <p:nvGrpSpPr>
+        <p:cNvPr id="1" name=""/>
+        <p:cNvGrpSpPr/>
+        <p:nvPr/>
+      </p:nvGrpSpPr>
+      <p:grpSpPr>
+        <a:xfrm>
+          <a:off x="0" y="0"/>
+          <a:ext cx="0" cy="0"/>
+          <a:chOff x="0" y="0"/>
+          <a:chExt cx="0" cy="0"/>
+        </a:xfrm>
+      </p:grpSpPr>
+      <p:sp>
+        <p:nvSpPr>
+          <p:cNvPr id="2" name="Slide Image Placeholder 1"/>
+          <p:cNvSpPr>
+            <a:spLocks noGrp="1" noRot="1" noChangeAspect="1"/>
+          </p:cNvSpPr>
+          <p:nvPr>
+            <p:ph type="sldImg"/>
+          </p:nvPr>
+        </p:nvSpPr>
+        <p:spPr/>
+      </p:sp>
+      <p:sp>
+        <p:nvSpPr>
+          <p:cNvPr id="3" name="Notes Placeholder 2"/>
+          <p:cNvSpPr>
+            <a:spLocks noGrp="1"/>
+          </p:cNvSpPr>
+          <p:nvPr>
+            <p:ph type="body" idx="1"/>
+          </p:nvPr>
+        </p:nvSpPr>
+        <p:spPr/>
+        <p:txBody>
+          <a:bodyPr/>
+          <a:lstStyle/>
+          <a:p>
+            <a:endParaRPr lang="en-US" dirty="0"/>
+          </a:p>
+        </p:txBody>
+      </p:sp>
+      <p:sp>
+        <p:nvSpPr>
+          <p:cNvPr id="4" name="Slide Number Placeholder 3"/>
+          <p:cNvSpPr>
+            <a:spLocks noGrp="1"/>
+          </p:cNvSpPr>
+          <p:nvPr>
+            <p:ph type="sldNum" sz="quarter" idx="5"/>
+          </p:nvPr>
+        </p:nvSpPr>
+        <p:spPr/>
+        <p:txBody>
+          <a:bodyPr/>
+          <a:lstStyle/>
+          <a:p>
+            <a:fld id="{2D38F873-1FB9-4338-9F6C-70E30775B7F5}" type="slidenum">
+              <a:rPr lang="en-US" smtClean="0"/>
+              <a:t>6</a:t>
+            </a:fld>
+            <a:endParaRPr lang="en-US"/>
+          </a:p>
+        </p:txBody>
+      </p:sp>
+    </p:spTree>
+    <p:extLst>
+      <p:ext uri="{BB962C8B-B14F-4D97-AF65-F5344CB8AC3E}">
+        <p14:creationId xmlns:p14="http://schemas.microsoft.com/office/powerpoint/2010/main" val="3318946218"/>
+      </p:ext>
+    </p:extLst>
+  </p:cSld>
+  <p:clrMapOvr>
+    <a:masterClrMapping/>
+  </p:clrMapOvr>
+</p:notes>
+</file>
+
+<file path=ppt/notesSlides/notesSlide3.xml><?xml version="1.0" encoding="utf-8"?>
+<p:notes xmlns:a="http://schemas.openxmlformats.org/drawingml/2006/main" xmlns:r="http://schemas.openxmlformats.org/officeDocument/2006/relationships" xmlns:p="http://schemas.openxmlformats.org/presentationml/2006/main">
+  <p:cSld>
+    <p:spTree>
+      <p:nvGrpSpPr>
+        <p:cNvPr id="1" name=""/>
+        <p:cNvGrpSpPr/>
+        <p:nvPr/>
+      </p:nvGrpSpPr>
+      <p:grpSpPr>
+        <a:xfrm>
+          <a:off x="0" y="0"/>
+          <a:ext cx="0" cy="0"/>
+          <a:chOff x="0" y="0"/>
+          <a:chExt cx="0" cy="0"/>
+        </a:xfrm>
+      </p:grpSpPr>
+      <p:sp>
+        <p:nvSpPr>
+          <p:cNvPr id="2" name="Slide Image Placeholder 1"/>
+          <p:cNvSpPr>
+            <a:spLocks noGrp="1" noRot="1" noChangeAspect="1"/>
+          </p:cNvSpPr>
+          <p:nvPr>
+            <p:ph type="sldImg"/>
+          </p:nvPr>
+        </p:nvSpPr>
+        <p:spPr/>
+      </p:sp>
+      <p:sp>
+        <p:nvSpPr>
+          <p:cNvPr id="3" name="Notes Placeholder 2"/>
+          <p:cNvSpPr>
+            <a:spLocks noGrp="1"/>
+          </p:cNvSpPr>
+          <p:nvPr>
+            <p:ph type="body" idx="1"/>
+          </p:nvPr>
+        </p:nvSpPr>
+        <p:spPr/>
+        <p:txBody>
+          <a:bodyPr/>
+          <a:lstStyle/>
+          <a:p>
+            <a:endParaRPr lang="en-US" dirty="0"/>
+          </a:p>
+        </p:txBody>
+      </p:sp>
+      <p:sp>
+        <p:nvSpPr>
+          <p:cNvPr id="4" name="Slide Number Placeholder 3"/>
+          <p:cNvSpPr>
+            <a:spLocks noGrp="1"/>
+          </p:cNvSpPr>
+          <p:nvPr>
+            <p:ph type="sldNum" sz="quarter" idx="5"/>
+          </p:nvPr>
+        </p:nvSpPr>
+        <p:spPr/>
+        <p:txBody>
+          <a:bodyPr/>
+          <a:lstStyle/>
+          <a:p>
+            <a:fld id="{2D38F873-1FB9-4338-9F6C-70E30775B7F5}" type="slidenum">
+              <a:rPr lang="en-US" smtClean="0"/>
+              <a:t>7</a:t>
             </a:fld>
             <a:endParaRPr lang="en-US"/>
           </a:p>
@@ -3867,6 +4038,344 @@
           <p:cNvPr id="2" name="Title 1">
             <a:extLst>
               <a:ext uri="{FF2B5EF4-FFF2-40B4-BE49-F238E27FC236}">
+                <a16:creationId xmlns:a16="http://schemas.microsoft.com/office/drawing/2014/main" id="{0A5867AA-ABE1-BFC6-14CF-BE54ADB2A5F4}"/>
+              </a:ext>
+            </a:extLst>
+          </p:cNvPr>
+          <p:cNvSpPr>
+            <a:spLocks noGrp="1"/>
+          </p:cNvSpPr>
+          <p:nvPr>
+            <p:ph type="title"/>
+          </p:nvPr>
+        </p:nvSpPr>
+        <p:spPr/>
+        <p:txBody>
+          <a:bodyPr/>
+          <a:lstStyle/>
+          <a:p>
+            <a:endParaRPr lang="en-US"/>
+          </a:p>
+        </p:txBody>
+      </p:sp>
+      <p:pic>
+        <p:nvPicPr>
+          <p:cNvPr id="6" name="Content Placeholder 5">
+            <a:extLst>
+              <a:ext uri="{FF2B5EF4-FFF2-40B4-BE49-F238E27FC236}">
+                <a16:creationId xmlns:a16="http://schemas.microsoft.com/office/drawing/2014/main" id="{43B5CA57-09CB-A6C7-5880-5B7F7FD708EB}"/>
+              </a:ext>
+            </a:extLst>
+          </p:cNvPr>
+          <p:cNvPicPr>
+            <a:picLocks noGrp="1" noChangeAspect="1"/>
+          </p:cNvPicPr>
+          <p:nvPr>
+            <p:ph sz="half" idx="1"/>
+          </p:nvPr>
+        </p:nvPicPr>
+        <p:blipFill>
+          <a:blip r:embed="rId2"/>
+          <a:stretch>
+            <a:fillRect/>
+          </a:stretch>
+        </p:blipFill>
+        <p:spPr>
+          <a:xfrm>
+            <a:off x="838200" y="2399312"/>
+            <a:ext cx="5181600" cy="3203964"/>
+          </a:xfrm>
+        </p:spPr>
+      </p:pic>
+      <p:sp>
+        <p:nvSpPr>
+          <p:cNvPr id="4" name="Content Placeholder 3">
+            <a:extLst>
+              <a:ext uri="{FF2B5EF4-FFF2-40B4-BE49-F238E27FC236}">
+                <a16:creationId xmlns:a16="http://schemas.microsoft.com/office/drawing/2014/main" id="{251E9359-3D55-1618-2144-D5571F605AAA}"/>
+              </a:ext>
+            </a:extLst>
+          </p:cNvPr>
+          <p:cNvSpPr>
+            <a:spLocks noGrp="1"/>
+          </p:cNvSpPr>
+          <p:nvPr>
+            <p:ph sz="half" idx="2"/>
+          </p:nvPr>
+        </p:nvSpPr>
+        <p:spPr/>
+        <p:txBody>
+          <a:bodyPr/>
+          <a:lstStyle/>
+          <a:p>
+            <a:endParaRPr lang="en-US"/>
+          </a:p>
+        </p:txBody>
+      </p:sp>
+    </p:spTree>
+    <p:extLst>
+      <p:ext uri="{BB962C8B-B14F-4D97-AF65-F5344CB8AC3E}">
+        <p14:creationId xmlns:p14="http://schemas.microsoft.com/office/powerpoint/2010/main" val="1706119969"/>
+      </p:ext>
+    </p:extLst>
+  </p:cSld>
+  <p:clrMapOvr>
+    <a:masterClrMapping/>
+  </p:clrMapOvr>
+</p:sld>
+</file>
+
+<file path=ppt/slides/slide11.xml><?xml version="1.0" encoding="utf-8"?>
+<p:sld xmlns:a="http://schemas.openxmlformats.org/drawingml/2006/main" xmlns:r="http://schemas.openxmlformats.org/officeDocument/2006/relationships" xmlns:p="http://schemas.openxmlformats.org/presentationml/2006/main">
+  <p:cSld>
+    <p:spTree>
+      <p:nvGrpSpPr>
+        <p:cNvPr id="1" name=""/>
+        <p:cNvGrpSpPr/>
+        <p:nvPr/>
+      </p:nvGrpSpPr>
+      <p:grpSpPr>
+        <a:xfrm>
+          <a:off x="0" y="0"/>
+          <a:ext cx="0" cy="0"/>
+          <a:chOff x="0" y="0"/>
+          <a:chExt cx="0" cy="0"/>
+        </a:xfrm>
+      </p:grpSpPr>
+      <p:sp>
+        <p:nvSpPr>
+          <p:cNvPr id="2" name="Title 1">
+            <a:extLst>
+              <a:ext uri="{FF2B5EF4-FFF2-40B4-BE49-F238E27FC236}">
+                <a16:creationId xmlns:a16="http://schemas.microsoft.com/office/drawing/2014/main" id="{4F803FAB-AB4E-ECEB-B87D-CF608FC42219}"/>
+              </a:ext>
+            </a:extLst>
+          </p:cNvPr>
+          <p:cNvSpPr>
+            <a:spLocks noGrp="1"/>
+          </p:cNvSpPr>
+          <p:nvPr>
+            <p:ph type="title"/>
+          </p:nvPr>
+        </p:nvSpPr>
+        <p:spPr/>
+        <p:txBody>
+          <a:bodyPr/>
+          <a:lstStyle/>
+          <a:p>
+            <a:r>
+              <a:rPr lang="en-US" b="1" dirty="0"/>
+              <a:t>Comparison of survival between Pathologic stage I and II</a:t>
+            </a:r>
+          </a:p>
+        </p:txBody>
+      </p:sp>
+      <p:pic>
+        <p:nvPicPr>
+          <p:cNvPr id="12" name="Content Placeholder 11">
+            <a:extLst>
+              <a:ext uri="{FF2B5EF4-FFF2-40B4-BE49-F238E27FC236}">
+                <a16:creationId xmlns:a16="http://schemas.microsoft.com/office/drawing/2014/main" id="{DBBCD6A8-BE88-6622-B2CC-427706A4EA86}"/>
+              </a:ext>
+            </a:extLst>
+          </p:cNvPr>
+          <p:cNvPicPr>
+            <a:picLocks noGrp="1" noChangeAspect="1"/>
+          </p:cNvPicPr>
+          <p:nvPr>
+            <p:ph sz="half" idx="2"/>
+          </p:nvPr>
+        </p:nvPicPr>
+        <p:blipFill>
+          <a:blip r:embed="rId2"/>
+          <a:stretch>
+            <a:fillRect/>
+          </a:stretch>
+        </p:blipFill>
+        <p:spPr>
+          <a:xfrm>
+            <a:off x="6172200" y="2385795"/>
+            <a:ext cx="5181600" cy="3230997"/>
+          </a:xfrm>
+        </p:spPr>
+      </p:pic>
+      <p:pic>
+        <p:nvPicPr>
+          <p:cNvPr id="6" name="Content Placeholder 5">
+            <a:extLst>
+              <a:ext uri="{FF2B5EF4-FFF2-40B4-BE49-F238E27FC236}">
+                <a16:creationId xmlns:a16="http://schemas.microsoft.com/office/drawing/2014/main" id="{9C01982B-C606-776A-3844-2B12D74BC582}"/>
+              </a:ext>
+            </a:extLst>
+          </p:cNvPr>
+          <p:cNvPicPr>
+            <a:picLocks noGrp="1" noChangeAspect="1"/>
+          </p:cNvPicPr>
+          <p:nvPr>
+            <p:ph sz="half" idx="1"/>
+          </p:nvPr>
+        </p:nvPicPr>
+        <p:blipFill>
+          <a:blip r:embed="rId3"/>
+          <a:stretch>
+            <a:fillRect/>
+          </a:stretch>
+        </p:blipFill>
+        <p:spPr>
+          <a:xfrm>
+            <a:off x="838200" y="2452446"/>
+            <a:ext cx="5181600" cy="3097695"/>
+          </a:xfrm>
+        </p:spPr>
+      </p:pic>
+    </p:spTree>
+    <p:extLst>
+      <p:ext uri="{BB962C8B-B14F-4D97-AF65-F5344CB8AC3E}">
+        <p14:creationId xmlns:p14="http://schemas.microsoft.com/office/powerpoint/2010/main" val="3437497039"/>
+      </p:ext>
+    </p:extLst>
+  </p:cSld>
+  <p:clrMapOvr>
+    <a:masterClrMapping/>
+  </p:clrMapOvr>
+</p:sld>
+</file>
+
+<file path=ppt/slides/slide12.xml><?xml version="1.0" encoding="utf-8"?>
+<p:sld xmlns:a="http://schemas.openxmlformats.org/drawingml/2006/main" xmlns:r="http://schemas.openxmlformats.org/officeDocument/2006/relationships" xmlns:p="http://schemas.openxmlformats.org/presentationml/2006/main">
+  <p:cSld>
+    <p:spTree>
+      <p:nvGrpSpPr>
+        <p:cNvPr id="1" name=""/>
+        <p:cNvGrpSpPr/>
+        <p:nvPr/>
+      </p:nvGrpSpPr>
+      <p:grpSpPr>
+        <a:xfrm>
+          <a:off x="0" y="0"/>
+          <a:ext cx="0" cy="0"/>
+          <a:chOff x="0" y="0"/>
+          <a:chExt cx="0" cy="0"/>
+        </a:xfrm>
+      </p:grpSpPr>
+      <p:sp>
+        <p:nvSpPr>
+          <p:cNvPr id="2" name="Title 1">
+            <a:extLst>
+              <a:ext uri="{FF2B5EF4-FFF2-40B4-BE49-F238E27FC236}">
+                <a16:creationId xmlns:a16="http://schemas.microsoft.com/office/drawing/2014/main" id="{F0E93CA7-2387-85CD-98A2-89153EFD7CE9}"/>
+              </a:ext>
+            </a:extLst>
+          </p:cNvPr>
+          <p:cNvSpPr>
+            <a:spLocks noGrp="1"/>
+          </p:cNvSpPr>
+          <p:nvPr>
+            <p:ph type="title"/>
+          </p:nvPr>
+        </p:nvSpPr>
+        <p:spPr/>
+        <p:txBody>
+          <a:bodyPr/>
+          <a:lstStyle/>
+          <a:p>
+            <a:r>
+              <a:rPr lang="en-US" b="1" dirty="0"/>
+              <a:t>Comparison of survival between Pathologic stage I and II</a:t>
+            </a:r>
+            <a:endParaRPr lang="en-US" dirty="0"/>
+          </a:p>
+        </p:txBody>
+      </p:sp>
+      <p:pic>
+        <p:nvPicPr>
+          <p:cNvPr id="6" name="Content Placeholder 5">
+            <a:extLst>
+              <a:ext uri="{FF2B5EF4-FFF2-40B4-BE49-F238E27FC236}">
+                <a16:creationId xmlns:a16="http://schemas.microsoft.com/office/drawing/2014/main" id="{9E333A2F-DE77-44D2-6259-95D2A281717D}"/>
+              </a:ext>
+            </a:extLst>
+          </p:cNvPr>
+          <p:cNvPicPr>
+            <a:picLocks noGrp="1" noChangeAspect="1"/>
+          </p:cNvPicPr>
+          <p:nvPr>
+            <p:ph sz="half" idx="1"/>
+          </p:nvPr>
+        </p:nvPicPr>
+        <p:blipFill>
+          <a:blip r:embed="rId2"/>
+          <a:stretch>
+            <a:fillRect/>
+          </a:stretch>
+        </p:blipFill>
+        <p:spPr>
+          <a:xfrm>
+            <a:off x="838200" y="2446814"/>
+            <a:ext cx="5181600" cy="3108959"/>
+          </a:xfrm>
+        </p:spPr>
+      </p:pic>
+      <p:sp>
+        <p:nvSpPr>
+          <p:cNvPr id="4" name="Content Placeholder 3">
+            <a:extLst>
+              <a:ext uri="{FF2B5EF4-FFF2-40B4-BE49-F238E27FC236}">
+                <a16:creationId xmlns:a16="http://schemas.microsoft.com/office/drawing/2014/main" id="{209E8BC9-F17E-7D49-33D1-5154892B61C2}"/>
+              </a:ext>
+            </a:extLst>
+          </p:cNvPr>
+          <p:cNvSpPr>
+            <a:spLocks noGrp="1"/>
+          </p:cNvSpPr>
+          <p:nvPr>
+            <p:ph sz="half" idx="2"/>
+          </p:nvPr>
+        </p:nvSpPr>
+        <p:spPr/>
+        <p:txBody>
+          <a:bodyPr/>
+          <a:lstStyle/>
+          <a:p>
+            <a:endParaRPr lang="en-US"/>
+          </a:p>
+        </p:txBody>
+      </p:sp>
+    </p:spTree>
+    <p:extLst>
+      <p:ext uri="{BB962C8B-B14F-4D97-AF65-F5344CB8AC3E}">
+        <p14:creationId xmlns:p14="http://schemas.microsoft.com/office/powerpoint/2010/main" val="2445845414"/>
+      </p:ext>
+    </p:extLst>
+  </p:cSld>
+  <p:clrMapOvr>
+    <a:masterClrMapping/>
+  </p:clrMapOvr>
+</p:sld>
+</file>
+
+<file path=ppt/slides/slide13.xml><?xml version="1.0" encoding="utf-8"?>
+<p:sld xmlns:a="http://schemas.openxmlformats.org/drawingml/2006/main" xmlns:r="http://schemas.openxmlformats.org/officeDocument/2006/relationships" xmlns:p="http://schemas.openxmlformats.org/presentationml/2006/main">
+  <p:cSld>
+    <p:spTree>
+      <p:nvGrpSpPr>
+        <p:cNvPr id="1" name=""/>
+        <p:cNvGrpSpPr/>
+        <p:nvPr/>
+      </p:nvGrpSpPr>
+      <p:grpSpPr>
+        <a:xfrm>
+          <a:off x="0" y="0"/>
+          <a:ext cx="0" cy="0"/>
+          <a:chOff x="0" y="0"/>
+          <a:chExt cx="0" cy="0"/>
+        </a:xfrm>
+      </p:grpSpPr>
+      <p:sp>
+        <p:nvSpPr>
+          <p:cNvPr id="2" name="Title 1">
+            <a:extLst>
+              <a:ext uri="{FF2B5EF4-FFF2-40B4-BE49-F238E27FC236}">
                 <a16:creationId xmlns:a16="http://schemas.microsoft.com/office/drawing/2014/main" id="{DEFF6756-8F95-5101-3F08-812C8E04D97B}"/>
               </a:ext>
             </a:extLst>
@@ -3961,7 +4470,7 @@
 </p:sld>
 </file>
 
-<file path=ppt/slides/slide11.xml><?xml version="1.0" encoding="utf-8"?>
+<file path=ppt/slides/slide14.xml><?xml version="1.0" encoding="utf-8"?>
 <p:sld xmlns:a="http://schemas.openxmlformats.org/drawingml/2006/main" xmlns:r="http://schemas.openxmlformats.org/officeDocument/2006/relationships" xmlns:p="http://schemas.openxmlformats.org/presentationml/2006/main">
   <p:cSld>
     <p:spTree>
@@ -4076,7 +4585,7 @@
 </p:sld>
 </file>
 
-<file path=ppt/slides/slide12.xml><?xml version="1.0" encoding="utf-8"?>
+<file path=ppt/slides/slide15.xml><?xml version="1.0" encoding="utf-8"?>
 <p:sld xmlns:a="http://schemas.openxmlformats.org/drawingml/2006/main" xmlns:r="http://schemas.openxmlformats.org/officeDocument/2006/relationships" xmlns:p="http://schemas.openxmlformats.org/presentationml/2006/main">
   <p:cSld>
     <p:spTree>
@@ -4192,7 +4701,7 @@
 </p:sld>
 </file>
 
-<file path=ppt/slides/slide13.xml><?xml version="1.0" encoding="utf-8"?>
+<file path=ppt/slides/slide16.xml><?xml version="1.0" encoding="utf-8"?>
 <p:sld xmlns:a="http://schemas.openxmlformats.org/drawingml/2006/main" xmlns:r="http://schemas.openxmlformats.org/officeDocument/2006/relationships" xmlns:p="http://schemas.openxmlformats.org/presentationml/2006/main">
   <p:cSld>
     <p:spTree>
@@ -4304,7 +4813,7 @@
 </p:sld>
 </file>
 
-<file path=ppt/slides/slide14.xml><?xml version="1.0" encoding="utf-8"?>
+<file path=ppt/slides/slide17.xml><?xml version="1.0" encoding="utf-8"?>
 <p:sld xmlns:a="http://schemas.openxmlformats.org/drawingml/2006/main" xmlns:r="http://schemas.openxmlformats.org/officeDocument/2006/relationships" xmlns:p="http://schemas.openxmlformats.org/presentationml/2006/main">
   <p:cSld>
     <p:spTree>
@@ -4420,7 +4929,7 @@
 </p:sld>
 </file>
 
-<file path=ppt/slides/slide15.xml><?xml version="1.0" encoding="utf-8"?>
+<file path=ppt/slides/slide18.xml><?xml version="1.0" encoding="utf-8"?>
 <p:sld xmlns:a="http://schemas.openxmlformats.org/drawingml/2006/main" xmlns:r="http://schemas.openxmlformats.org/officeDocument/2006/relationships" xmlns:p="http://schemas.openxmlformats.org/presentationml/2006/main">
   <p:cSld>
     <p:spTree>
@@ -4844,10 +5353,10 @@
       </p:grpSpPr>
       <p:sp>
         <p:nvSpPr>
-          <p:cNvPr id="2" name="Title 1">
-            <a:extLst>
-              <a:ext uri="{FF2B5EF4-FFF2-40B4-BE49-F238E27FC236}">
-                <a16:creationId xmlns:a16="http://schemas.microsoft.com/office/drawing/2014/main" id="{5ADC75F5-C1AC-2E0A-DC8F-5AB3D4932D64}"/>
+          <p:cNvPr id="4" name="Title 3">
+            <a:extLst>
+              <a:ext uri="{FF2B5EF4-FFF2-40B4-BE49-F238E27FC236}">
+                <a16:creationId xmlns:a16="http://schemas.microsoft.com/office/drawing/2014/main" id="{F47472BB-C336-54AB-EAA4-A2C491DD55DC}"/>
               </a:ext>
             </a:extLst>
           </p:cNvPr>
@@ -4867,71 +5376,39 @@
               <a:rPr lang="en-US" b="1" dirty="0"/>
               <a:t>Comparison of survival between Pathologic stage II and III</a:t>
             </a:r>
-          </a:p>
-        </p:txBody>
-      </p:sp>
-      <p:pic>
-        <p:nvPicPr>
-          <p:cNvPr id="7" name="Content Placeholder 6">
-            <a:extLst>
-              <a:ext uri="{FF2B5EF4-FFF2-40B4-BE49-F238E27FC236}">
-                <a16:creationId xmlns:a16="http://schemas.microsoft.com/office/drawing/2014/main" id="{293DE86D-471E-BA4F-8E28-5962DA7387C8}"/>
-              </a:ext>
-            </a:extLst>
-          </p:cNvPr>
-          <p:cNvPicPr>
-            <a:picLocks noGrp="1" noChangeAspect="1"/>
-          </p:cNvPicPr>
-          <p:nvPr>
-            <p:ph sz="half" idx="1"/>
-          </p:nvPr>
-        </p:nvPicPr>
-        <p:blipFill>
-          <a:blip r:embed="rId2"/>
-          <a:stretch>
-            <a:fillRect/>
-          </a:stretch>
-        </p:blipFill>
-        <p:spPr>
-          <a:xfrm>
-            <a:off x="838200" y="2420509"/>
-            <a:ext cx="5181600" cy="3161570"/>
-          </a:xfrm>
-        </p:spPr>
-      </p:pic>
-      <p:pic>
-        <p:nvPicPr>
-          <p:cNvPr id="14" name="Content Placeholder 13">
-            <a:extLst>
-              <a:ext uri="{FF2B5EF4-FFF2-40B4-BE49-F238E27FC236}">
-                <a16:creationId xmlns:a16="http://schemas.microsoft.com/office/drawing/2014/main" id="{52D5A103-2CA5-5A51-2245-AE98BAAD9B8C}"/>
-              </a:ext>
-            </a:extLst>
-          </p:cNvPr>
-          <p:cNvPicPr>
-            <a:picLocks noGrp="1" noChangeAspect="1"/>
-          </p:cNvPicPr>
-          <p:nvPr>
-            <p:ph sz="half" idx="2"/>
-          </p:nvPr>
-        </p:nvPicPr>
-        <p:blipFill>
-          <a:blip r:embed="rId3"/>
-          <a:stretch>
-            <a:fillRect/>
-          </a:stretch>
-        </p:blipFill>
-        <p:spPr>
-          <a:xfrm>
-            <a:off x="6172200" y="2351683"/>
-            <a:ext cx="5181600" cy="3299222"/>
-          </a:xfrm>
-        </p:spPr>
-      </p:pic>
+            <a:endParaRPr lang="en-US" dirty="0"/>
+          </a:p>
+        </p:txBody>
+      </p:sp>
+      <p:sp>
+        <p:nvSpPr>
+          <p:cNvPr id="5" name="Text Placeholder 4">
+            <a:extLst>
+              <a:ext uri="{FF2B5EF4-FFF2-40B4-BE49-F238E27FC236}">
+                <a16:creationId xmlns:a16="http://schemas.microsoft.com/office/drawing/2014/main" id="{06F3BF04-5431-F754-CBC6-D590156CD2D4}"/>
+              </a:ext>
+            </a:extLst>
+          </p:cNvPr>
+          <p:cNvSpPr>
+            <a:spLocks noGrp="1"/>
+          </p:cNvSpPr>
+          <p:nvPr>
+            <p:ph type="body" idx="1"/>
+          </p:nvPr>
+        </p:nvSpPr>
+        <p:spPr/>
+        <p:txBody>
+          <a:bodyPr/>
+          <a:lstStyle/>
+          <a:p>
+            <a:endParaRPr lang="en-US"/>
+          </a:p>
+        </p:txBody>
+      </p:sp>
     </p:spTree>
     <p:extLst>
       <p:ext uri="{BB962C8B-B14F-4D97-AF65-F5344CB8AC3E}">
-        <p14:creationId xmlns:p14="http://schemas.microsoft.com/office/powerpoint/2010/main" val="2313418591"/>
+        <p14:creationId xmlns:p14="http://schemas.microsoft.com/office/powerpoint/2010/main" val="397373999"/>
       </p:ext>
     </p:extLst>
   </p:cSld>
@@ -4963,7 +5440,7 @@
           <p:cNvPr id="2" name="Title 1">
             <a:extLst>
               <a:ext uri="{FF2B5EF4-FFF2-40B4-BE49-F238E27FC236}">
-                <a16:creationId xmlns:a16="http://schemas.microsoft.com/office/drawing/2014/main" id="{C35C89A8-13DD-131C-9246-8EE96577701F}"/>
+                <a16:creationId xmlns:a16="http://schemas.microsoft.com/office/drawing/2014/main" id="{5ADC75F5-C1AC-2E0A-DC8F-5AB3D4932D64}"/>
               </a:ext>
             </a:extLst>
           </p:cNvPr>
@@ -4981,18 +5458,17 @@
           <a:p>
             <a:r>
               <a:rPr lang="en-US" b="1" dirty="0"/>
-              <a:t>Comparison of survival between Pathologic stage II and III</a:t>
-            </a:r>
-            <a:endParaRPr lang="en-US" dirty="0"/>
+              <a:t>KM Plot :Pathologic stage II and III</a:t>
+            </a:r>
           </a:p>
         </p:txBody>
       </p:sp>
       <p:pic>
         <p:nvPicPr>
-          <p:cNvPr id="6" name="Content Placeholder 5">
-            <a:extLst>
-              <a:ext uri="{FF2B5EF4-FFF2-40B4-BE49-F238E27FC236}">
-                <a16:creationId xmlns:a16="http://schemas.microsoft.com/office/drawing/2014/main" id="{FA7D415A-2E5E-5FC8-8729-3C957EDDA3DD}"/>
+          <p:cNvPr id="7" name="Content Placeholder 6">
+            <a:extLst>
+              <a:ext uri="{FF2B5EF4-FFF2-40B4-BE49-F238E27FC236}">
+                <a16:creationId xmlns:a16="http://schemas.microsoft.com/office/drawing/2014/main" id="{293DE86D-471E-BA4F-8E28-5962DA7387C8}"/>
               </a:ext>
             </a:extLst>
           </p:cNvPr>
@@ -5011,8 +5487,8 @@
         </p:blipFill>
         <p:spPr>
           <a:xfrm>
-            <a:off x="838200" y="2483728"/>
-            <a:ext cx="5181600" cy="3035132"/>
+            <a:off x="838200" y="2420509"/>
+            <a:ext cx="5181600" cy="3161570"/>
           </a:xfrm>
         </p:spPr>
       </p:pic>
@@ -5021,7 +5497,7 @@
           <p:cNvPr id="4" name="Content Placeholder 3">
             <a:extLst>
               <a:ext uri="{FF2B5EF4-FFF2-40B4-BE49-F238E27FC236}">
-                <a16:creationId xmlns:a16="http://schemas.microsoft.com/office/drawing/2014/main" id="{ED8B9C8C-40C4-4964-8391-728FD82DDBF8}"/>
+                <a16:creationId xmlns:a16="http://schemas.microsoft.com/office/drawing/2014/main" id="{15F324C7-A5E4-B620-53C2-75E8D658AC8D}"/>
               </a:ext>
             </a:extLst>
           </p:cNvPr>
@@ -5034,38 +5510,64 @@
         </p:nvSpPr>
         <p:spPr/>
         <p:txBody>
-          <a:bodyPr/>
-          <a:lstStyle/>
-          <a:p>
-            <a:r>
-              <a:rPr lang="en-US" dirty="0">
-                <a:solidFill>
-                  <a:srgbClr val="FF0000"/>
-                </a:solidFill>
-              </a:rPr>
-              <a:t>ANSWERS</a:t>
-            </a:r>
-          </a:p>
-          <a:p>
-            <a:pPr marL="514350" indent="-514350">
-              <a:buFont typeface="+mj-lt"/>
-              <a:buAutoNum type="arabicPeriod"/>
-            </a:pPr>
-            <a:r>
-              <a:rPr lang="en-US" dirty="0">
-                <a:solidFill>
-                  <a:srgbClr val="FF0000"/>
-                </a:solidFill>
-              </a:rPr>
-              <a:t> </a:t>
-            </a:r>
+          <a:bodyPr>
+            <a:normAutofit fontScale="77500" lnSpcReduction="20000"/>
+          </a:bodyPr>
+          <a:lstStyle/>
+          <a:p>
+            <a:r>
+              <a:rPr lang="en-US" dirty="0"/>
+              <a:t>KM plot compares survival probabilities for patients with breast cancer pathologic stage II and III, and the table at the lower end includes number of people still alive at each time interval. </a:t>
+            </a:r>
+          </a:p>
+          <a:p>
+            <a:r>
+              <a:rPr lang="en-US" dirty="0"/>
+              <a:t>Initially, there is a steep decline in survival for pathologic stage 2 compared to stage 3</a:t>
+            </a:r>
+            <a:r>
+              <a:rPr lang="en-US" b="1" dirty="0"/>
+              <a:t>,(indicating a worse prognosis for group 3 </a:t>
+            </a:r>
+            <a:r>
+              <a:rPr lang="en-US" dirty="0"/>
+              <a:t>) .  Around 12 years both group has </a:t>
+            </a:r>
+            <a:r>
+              <a:rPr lang="en-US" b="1" dirty="0"/>
+              <a:t>equal</a:t>
+            </a:r>
+            <a:r>
+              <a:rPr lang="en-US" dirty="0"/>
+              <a:t> survival probability. </a:t>
+            </a:r>
+          </a:p>
+          <a:p>
+            <a:r>
+              <a:rPr lang="en-US" dirty="0"/>
+              <a:t>The shaded areas represent confidence intervals, which widen over time due to fewer patients remaining at risk, </a:t>
+            </a:r>
+            <a:r>
+              <a:rPr lang="en-US" b="1" dirty="0"/>
+              <a:t>increasing uncertainty(imprecision) </a:t>
+            </a:r>
+            <a:r>
+              <a:rPr lang="en-US" dirty="0"/>
+              <a:t>in survival estimates.</a:t>
+            </a:r>
+          </a:p>
+          <a:p>
+            <a:endParaRPr lang="en-US" dirty="0"/>
+          </a:p>
+          <a:p>
+            <a:endParaRPr lang="en-US" dirty="0"/>
           </a:p>
         </p:txBody>
       </p:sp>
     </p:spTree>
     <p:extLst>
       <p:ext uri="{BB962C8B-B14F-4D97-AF65-F5344CB8AC3E}">
-        <p14:creationId xmlns:p14="http://schemas.microsoft.com/office/powerpoint/2010/main" val="3725675970"/>
+        <p14:creationId xmlns:p14="http://schemas.microsoft.com/office/powerpoint/2010/main" val="2313418591"/>
       </p:ext>
     </p:extLst>
   </p:cSld>
@@ -5097,7 +5599,7 @@
           <p:cNvPr id="2" name="Title 1">
             <a:extLst>
               <a:ext uri="{FF2B5EF4-FFF2-40B4-BE49-F238E27FC236}">
-                <a16:creationId xmlns:a16="http://schemas.microsoft.com/office/drawing/2014/main" id="{7B05F310-ED71-9D65-DB0D-B916377EE141}"/>
+                <a16:creationId xmlns:a16="http://schemas.microsoft.com/office/drawing/2014/main" id="{4BB15E7E-0879-E749-5F50-54EB276BD533}"/>
               </a:ext>
             </a:extLst>
           </p:cNvPr>
@@ -5115,46 +5617,90 @@
           <a:p>
             <a:r>
               <a:rPr lang="en-US" b="1" dirty="0"/>
-              <a:t>Comparison of survival between Pathologic stage II and IV</a:t>
-            </a:r>
+              <a:t>Survival ratio plot: Pathologic stage II vs III</a:t>
+            </a:r>
+          </a:p>
+        </p:txBody>
+      </p:sp>
+      <p:sp>
+        <p:nvSpPr>
+          <p:cNvPr id="4" name="Content Placeholder 3">
+            <a:extLst>
+              <a:ext uri="{FF2B5EF4-FFF2-40B4-BE49-F238E27FC236}">
+                <a16:creationId xmlns:a16="http://schemas.microsoft.com/office/drawing/2014/main" id="{3BF3338C-B857-158A-8D8E-250A24562079}"/>
+              </a:ext>
+            </a:extLst>
+          </p:cNvPr>
+          <p:cNvSpPr>
+            <a:spLocks noGrp="1"/>
+          </p:cNvSpPr>
+          <p:nvPr>
+            <p:ph sz="half" idx="2"/>
+          </p:nvPr>
+        </p:nvSpPr>
+        <p:spPr/>
+        <p:txBody>
+          <a:bodyPr>
+            <a:normAutofit fontScale="62500" lnSpcReduction="20000"/>
+          </a:bodyPr>
+          <a:lstStyle/>
+          <a:p>
+            <a:r>
+              <a:rPr lang="en-US" dirty="0"/>
+              <a:t>The survival ratio plot compares the</a:t>
+            </a:r>
+            <a:r>
+              <a:rPr lang="en-US" dirty="0">
+                <a:solidFill>
+                  <a:srgbClr val="FF0000"/>
+                </a:solidFill>
+              </a:rPr>
+              <a:t> relative survival </a:t>
+            </a:r>
+            <a:r>
+              <a:rPr lang="en-US" dirty="0"/>
+              <a:t>between patients with pathologic stage II and stage III cancer over time, where </a:t>
+            </a:r>
+            <a:r>
+              <a:rPr lang="en-US" b="1" dirty="0"/>
+              <a:t>a value above 1 indicates higher survival for stage II and below 1 favors stage III.</a:t>
+            </a:r>
+          </a:p>
+          <a:p>
+            <a:r>
+              <a:rPr lang="en-US" dirty="0"/>
+              <a:t>Initially, the survival ratio is close to 1, but over time, the green line remains above no difference line, </a:t>
+            </a:r>
+            <a:r>
+              <a:rPr lang="en-US" b="1" dirty="0"/>
+              <a:t>suggesting that patients with stage II cancer have a better prognosis compared to those with stage III.</a:t>
+            </a:r>
+          </a:p>
+          <a:p>
+            <a:r>
+              <a:rPr lang="en-US" dirty="0"/>
+              <a:t>The purple-shaded region represents the 95% confidence interval, which widens over time due to fewer patients remaining at risk, increasing </a:t>
+            </a:r>
+            <a:r>
+              <a:rPr lang="en-US" b="1" dirty="0"/>
+              <a:t>uncertainty in the estimation of prognosis.</a:t>
+            </a:r>
+          </a:p>
+          <a:p>
+            <a:r>
+              <a:rPr lang="en-US" dirty="0"/>
+              <a:t>Around 10 to 15 years, the survival ratio drops closer to 1 and below, indicating that survival differences between the two stages decrease, but overall, stage II maintains a survival advantage over stage III</a:t>
+            </a:r>
+            <a:endParaRPr lang="en-US" b="1" dirty="0"/>
           </a:p>
         </p:txBody>
       </p:sp>
       <p:pic>
         <p:nvPicPr>
-          <p:cNvPr id="10" name="Content Placeholder 9">
-            <a:extLst>
-              <a:ext uri="{FF2B5EF4-FFF2-40B4-BE49-F238E27FC236}">
-                <a16:creationId xmlns:a16="http://schemas.microsoft.com/office/drawing/2014/main" id="{3EC7EB07-3C8A-F36C-F827-2E12D30F6EDE}"/>
-              </a:ext>
-            </a:extLst>
-          </p:cNvPr>
-          <p:cNvPicPr>
-            <a:picLocks noGrp="1" noChangeAspect="1"/>
-          </p:cNvPicPr>
-          <p:nvPr>
-            <p:ph sz="half" idx="2"/>
-          </p:nvPr>
-        </p:nvPicPr>
-        <p:blipFill>
-          <a:blip r:embed="rId2"/>
-          <a:stretch>
-            <a:fillRect/>
-          </a:stretch>
-        </p:blipFill>
-        <p:spPr>
-          <a:xfrm>
-            <a:off x="6172200" y="2364598"/>
-            <a:ext cx="5181600" cy="3273391"/>
-          </a:xfrm>
-        </p:spPr>
-      </p:pic>
-      <p:pic>
-        <p:nvPicPr>
-          <p:cNvPr id="16" name="Content Placeholder 15">
-            <a:extLst>
-              <a:ext uri="{FF2B5EF4-FFF2-40B4-BE49-F238E27FC236}">
-                <a16:creationId xmlns:a16="http://schemas.microsoft.com/office/drawing/2014/main" id="{4E4DFC0F-2F32-5851-4461-EBFB3A404F99}"/>
+          <p:cNvPr id="5" name="Content Placeholder 13">
+            <a:extLst>
+              <a:ext uri="{FF2B5EF4-FFF2-40B4-BE49-F238E27FC236}">
+                <a16:creationId xmlns:a16="http://schemas.microsoft.com/office/drawing/2014/main" id="{E73190DE-7835-B728-4CAE-994338B51CA5}"/>
               </a:ext>
             </a:extLst>
           </p:cNvPr>
@@ -5173,15 +5719,15 @@
         </p:blipFill>
         <p:spPr>
           <a:xfrm>
-            <a:off x="838200" y="2392271"/>
-            <a:ext cx="5181600" cy="3218046"/>
+            <a:off x="838200" y="2351683"/>
+            <a:ext cx="5181600" cy="3299222"/>
           </a:xfrm>
         </p:spPr>
       </p:pic>
     </p:spTree>
     <p:extLst>
       <p:ext uri="{BB962C8B-B14F-4D97-AF65-F5344CB8AC3E}">
-        <p14:creationId xmlns:p14="http://schemas.microsoft.com/office/powerpoint/2010/main" val="3512753403"/>
+        <p14:creationId xmlns:p14="http://schemas.microsoft.com/office/powerpoint/2010/main" val="3771691677"/>
       </p:ext>
     </p:extLst>
   </p:cSld>
@@ -5213,7 +5759,7 @@
           <p:cNvPr id="2" name="Title 1">
             <a:extLst>
               <a:ext uri="{FF2B5EF4-FFF2-40B4-BE49-F238E27FC236}">
-                <a16:creationId xmlns:a16="http://schemas.microsoft.com/office/drawing/2014/main" id="{0A5867AA-ABE1-BFC6-14CF-BE54ADB2A5F4}"/>
+                <a16:creationId xmlns:a16="http://schemas.microsoft.com/office/drawing/2014/main" id="{C35C89A8-13DD-131C-9246-8EE96577701F}"/>
               </a:ext>
             </a:extLst>
           </p:cNvPr>
@@ -5229,7 +5775,11 @@
           <a:bodyPr/>
           <a:lstStyle/>
           <a:p>
-            <a:endParaRPr lang="en-US"/>
+            <a:r>
+              <a:rPr lang="en-US" b="1" dirty="0"/>
+              <a:t>Survival difference plot: Pathologic stage II vs III</a:t>
+            </a:r>
+            <a:endParaRPr lang="en-US" dirty="0"/>
           </a:p>
         </p:txBody>
       </p:sp>
@@ -5238,7 +5788,7 @@
           <p:cNvPr id="6" name="Content Placeholder 5">
             <a:extLst>
               <a:ext uri="{FF2B5EF4-FFF2-40B4-BE49-F238E27FC236}">
-                <a16:creationId xmlns:a16="http://schemas.microsoft.com/office/drawing/2014/main" id="{43B5CA57-09CB-A6C7-5880-5B7F7FD708EB}"/>
+                <a16:creationId xmlns:a16="http://schemas.microsoft.com/office/drawing/2014/main" id="{FA7D415A-2E5E-5FC8-8729-3C957EDDA3DD}"/>
               </a:ext>
             </a:extLst>
           </p:cNvPr>
@@ -5250,15 +5800,15 @@
           </p:nvPr>
         </p:nvPicPr>
         <p:blipFill>
-          <a:blip r:embed="rId2"/>
+          <a:blip r:embed="rId3"/>
           <a:stretch>
             <a:fillRect/>
           </a:stretch>
         </p:blipFill>
         <p:spPr>
           <a:xfrm>
-            <a:off x="838200" y="2399312"/>
-            <a:ext cx="5181600" cy="3203964"/>
+            <a:off x="838200" y="2483728"/>
+            <a:ext cx="5181600" cy="3035132"/>
           </a:xfrm>
         </p:spPr>
       </p:pic>
@@ -5267,7 +5817,7 @@
           <p:cNvPr id="4" name="Content Placeholder 3">
             <a:extLst>
               <a:ext uri="{FF2B5EF4-FFF2-40B4-BE49-F238E27FC236}">
-                <a16:creationId xmlns:a16="http://schemas.microsoft.com/office/drawing/2014/main" id="{251E9359-3D55-1618-2144-D5571F605AAA}"/>
+                <a16:creationId xmlns:a16="http://schemas.microsoft.com/office/drawing/2014/main" id="{ED8B9C8C-40C4-4964-8391-728FD82DDBF8}"/>
               </a:ext>
             </a:extLst>
           </p:cNvPr>
@@ -5280,17 +5830,72 @@
         </p:nvSpPr>
         <p:spPr/>
         <p:txBody>
-          <a:bodyPr/>
-          <a:lstStyle/>
-          <a:p>
-            <a:endParaRPr lang="en-US"/>
+          <a:bodyPr>
+            <a:normAutofit fontScale="62500" lnSpcReduction="20000"/>
+          </a:bodyPr>
+          <a:lstStyle/>
+          <a:p>
+            <a:r>
+              <a:rPr lang="en-US" dirty="0"/>
+              <a:t>This plot compares the </a:t>
+            </a:r>
+            <a:r>
+              <a:rPr lang="en-US" dirty="0">
+                <a:solidFill>
+                  <a:srgbClr val="FF0000"/>
+                </a:solidFill>
+              </a:rPr>
+              <a:t>absolute difference </a:t>
+            </a:r>
+            <a:r>
+              <a:rPr lang="en-US" dirty="0"/>
+              <a:t>in survival probabilities between pathologic stage II and stage III cancer over time, with positive values indicating better survival for stage II.</a:t>
+            </a:r>
+          </a:p>
+          <a:p>
+            <a:r>
+              <a:rPr lang="en-US" dirty="0"/>
+              <a:t>The green survival difference line remains above the no-difference line for most of the timeline, indicating that </a:t>
+            </a:r>
+            <a:r>
+              <a:rPr lang="en-US" b="1" dirty="0"/>
+              <a:t>stage II patients generally have better prognosis than stage III patients</a:t>
+            </a:r>
+            <a:r>
+              <a:rPr lang="en-US" dirty="0"/>
+              <a:t>.</a:t>
+            </a:r>
+          </a:p>
+          <a:p>
+            <a:r>
+              <a:rPr lang="en-US" dirty="0"/>
+              <a:t>The shaded purple region represents the 95% confidence interval, which widens as time progresses, reflecting increased uncertainty(imprecision)  due to fewer patients at risk.</a:t>
+            </a:r>
+          </a:p>
+          <a:p>
+            <a:r>
+              <a:rPr lang="en-US" dirty="0"/>
+              <a:t>After approximately 15 years, the survival difference approaches zero and even dips slightly below, suggesting that long-term survival differences between the two stages diminish over time.</a:t>
+            </a:r>
+          </a:p>
+          <a:p>
+            <a:endParaRPr lang="en-US" dirty="0"/>
+          </a:p>
+          <a:p>
+            <a:endParaRPr lang="en-US" dirty="0"/>
+          </a:p>
+          <a:p>
+            <a:pPr marL="0" indent="0">
+              <a:buNone/>
+            </a:pPr>
+            <a:endParaRPr lang="en-US" dirty="0"/>
           </a:p>
         </p:txBody>
       </p:sp>
     </p:spTree>
     <p:extLst>
       <p:ext uri="{BB962C8B-B14F-4D97-AF65-F5344CB8AC3E}">
-        <p14:creationId xmlns:p14="http://schemas.microsoft.com/office/powerpoint/2010/main" val="1706119969"/>
+        <p14:creationId xmlns:p14="http://schemas.microsoft.com/office/powerpoint/2010/main" val="3725675970"/>
       </p:ext>
     </p:extLst>
   </p:cSld>
@@ -5322,7 +5927,7 @@
           <p:cNvPr id="2" name="Title 1">
             <a:extLst>
               <a:ext uri="{FF2B5EF4-FFF2-40B4-BE49-F238E27FC236}">
-                <a16:creationId xmlns:a16="http://schemas.microsoft.com/office/drawing/2014/main" id="{4F803FAB-AB4E-ECEB-B87D-CF608FC42219}"/>
+                <a16:creationId xmlns:a16="http://schemas.microsoft.com/office/drawing/2014/main" id="{5278A7CC-2581-232C-5A9A-1CA1F1578C00}"/>
               </a:ext>
             </a:extLst>
           </p:cNvPr>
@@ -5338,75 +5943,64 @@
           <a:bodyPr/>
           <a:lstStyle/>
           <a:p>
-            <a:r>
-              <a:rPr lang="en-US" b="1" dirty="0"/>
-              <a:t>Comparison of survival between Pathologic stage I and II</a:t>
-            </a:r>
-          </a:p>
-        </p:txBody>
-      </p:sp>
-      <p:pic>
-        <p:nvPicPr>
-          <p:cNvPr id="12" name="Content Placeholder 11">
-            <a:extLst>
-              <a:ext uri="{FF2B5EF4-FFF2-40B4-BE49-F238E27FC236}">
-                <a16:creationId xmlns:a16="http://schemas.microsoft.com/office/drawing/2014/main" id="{DBBCD6A8-BE88-6622-B2CC-427706A4EA86}"/>
-              </a:ext>
-            </a:extLst>
-          </p:cNvPr>
-          <p:cNvPicPr>
-            <a:picLocks noGrp="1" noChangeAspect="1"/>
-          </p:cNvPicPr>
+            <a:endParaRPr lang="en-US"/>
+          </a:p>
+        </p:txBody>
+      </p:sp>
+      <p:sp>
+        <p:nvSpPr>
+          <p:cNvPr id="3" name="Content Placeholder 2">
+            <a:extLst>
+              <a:ext uri="{FF2B5EF4-FFF2-40B4-BE49-F238E27FC236}">
+                <a16:creationId xmlns:a16="http://schemas.microsoft.com/office/drawing/2014/main" id="{2AC43A4E-04B8-5A0A-D82A-DC0C97B15FAF}"/>
+              </a:ext>
+            </a:extLst>
+          </p:cNvPr>
+          <p:cNvSpPr>
+            <a:spLocks noGrp="1"/>
+          </p:cNvSpPr>
+          <p:nvPr>
+            <p:ph sz="half" idx="1"/>
+          </p:nvPr>
+        </p:nvSpPr>
+        <p:spPr/>
+        <p:txBody>
+          <a:bodyPr/>
+          <a:lstStyle/>
+          <a:p>
+            <a:endParaRPr lang="en-US"/>
+          </a:p>
+        </p:txBody>
+      </p:sp>
+      <p:sp>
+        <p:nvSpPr>
+          <p:cNvPr id="4" name="Content Placeholder 3">
+            <a:extLst>
+              <a:ext uri="{FF2B5EF4-FFF2-40B4-BE49-F238E27FC236}">
+                <a16:creationId xmlns:a16="http://schemas.microsoft.com/office/drawing/2014/main" id="{1934301B-D6CC-4A94-8BE3-83449D12AE51}"/>
+              </a:ext>
+            </a:extLst>
+          </p:cNvPr>
+          <p:cNvSpPr>
+            <a:spLocks noGrp="1"/>
+          </p:cNvSpPr>
           <p:nvPr>
             <p:ph sz="half" idx="2"/>
           </p:nvPr>
-        </p:nvPicPr>
-        <p:blipFill>
-          <a:blip r:embed="rId2"/>
-          <a:stretch>
-            <a:fillRect/>
-          </a:stretch>
-        </p:blipFill>
-        <p:spPr>
-          <a:xfrm>
-            <a:off x="6172200" y="2385795"/>
-            <a:ext cx="5181600" cy="3230997"/>
-          </a:xfrm>
-        </p:spPr>
-      </p:pic>
-      <p:pic>
-        <p:nvPicPr>
-          <p:cNvPr id="6" name="Content Placeholder 5">
-            <a:extLst>
-              <a:ext uri="{FF2B5EF4-FFF2-40B4-BE49-F238E27FC236}">
-                <a16:creationId xmlns:a16="http://schemas.microsoft.com/office/drawing/2014/main" id="{9C01982B-C606-776A-3844-2B12D74BC582}"/>
-              </a:ext>
-            </a:extLst>
-          </p:cNvPr>
-          <p:cNvPicPr>
-            <a:picLocks noGrp="1" noChangeAspect="1"/>
-          </p:cNvPicPr>
-          <p:nvPr>
-            <p:ph sz="half" idx="1"/>
-          </p:nvPr>
-        </p:nvPicPr>
-        <p:blipFill>
-          <a:blip r:embed="rId3"/>
-          <a:stretch>
-            <a:fillRect/>
-          </a:stretch>
-        </p:blipFill>
-        <p:spPr>
-          <a:xfrm>
-            <a:off x="838200" y="2452446"/>
-            <a:ext cx="5181600" cy="3097695"/>
-          </a:xfrm>
-        </p:spPr>
-      </p:pic>
+        </p:nvSpPr>
+        <p:spPr/>
+        <p:txBody>
+          <a:bodyPr/>
+          <a:lstStyle/>
+          <a:p>
+            <a:endParaRPr lang="en-US"/>
+          </a:p>
+        </p:txBody>
+      </p:sp>
     </p:spTree>
     <p:extLst>
       <p:ext uri="{BB962C8B-B14F-4D97-AF65-F5344CB8AC3E}">
-        <p14:creationId xmlns:p14="http://schemas.microsoft.com/office/powerpoint/2010/main" val="3437497039"/>
+        <p14:creationId xmlns:p14="http://schemas.microsoft.com/office/powerpoint/2010/main" val="3693609078"/>
       </p:ext>
     </p:extLst>
   </p:cSld>
@@ -5438,7 +6032,7 @@
           <p:cNvPr id="2" name="Title 1">
             <a:extLst>
               <a:ext uri="{FF2B5EF4-FFF2-40B4-BE49-F238E27FC236}">
-                <a16:creationId xmlns:a16="http://schemas.microsoft.com/office/drawing/2014/main" id="{F0E93CA7-2387-85CD-98A2-89153EFD7CE9}"/>
+                <a16:creationId xmlns:a16="http://schemas.microsoft.com/office/drawing/2014/main" id="{7B05F310-ED71-9D65-DB0D-B916377EE141}"/>
               </a:ext>
             </a:extLst>
           </p:cNvPr>
@@ -5456,18 +6050,17 @@
           <a:p>
             <a:r>
               <a:rPr lang="en-US" b="1" dirty="0"/>
-              <a:t>Comparison of survival between Pathologic stage I and II</a:t>
-            </a:r>
-            <a:endParaRPr lang="en-US" dirty="0"/>
+              <a:t>Comparison of survival between Pathologic stage II and IV</a:t>
+            </a:r>
           </a:p>
         </p:txBody>
       </p:sp>
       <p:pic>
         <p:nvPicPr>
-          <p:cNvPr id="6" name="Content Placeholder 5">
-            <a:extLst>
-              <a:ext uri="{FF2B5EF4-FFF2-40B4-BE49-F238E27FC236}">
-                <a16:creationId xmlns:a16="http://schemas.microsoft.com/office/drawing/2014/main" id="{9E333A2F-DE77-44D2-6259-95D2A281717D}"/>
+          <p:cNvPr id="10" name="Content Placeholder 9">
+            <a:extLst>
+              <a:ext uri="{FF2B5EF4-FFF2-40B4-BE49-F238E27FC236}">
+                <a16:creationId xmlns:a16="http://schemas.microsoft.com/office/drawing/2014/main" id="{3EC7EB07-3C8A-F36C-F827-2E12D30F6EDE}"/>
               </a:ext>
             </a:extLst>
           </p:cNvPr>
@@ -5475,7 +6068,7 @@
             <a:picLocks noGrp="1" noChangeAspect="1"/>
           </p:cNvPicPr>
           <p:nvPr>
-            <p:ph sz="half" idx="1"/>
+            <p:ph sz="half" idx="2"/>
           </p:nvPr>
         </p:nvPicPr>
         <p:blipFill>
@@ -5486,40 +6079,44 @@
         </p:blipFill>
         <p:spPr>
           <a:xfrm>
-            <a:off x="838200" y="2446814"/>
-            <a:ext cx="5181600" cy="3108959"/>
+            <a:off x="6172200" y="2364598"/>
+            <a:ext cx="5181600" cy="3273391"/>
           </a:xfrm>
         </p:spPr>
       </p:pic>
-      <p:sp>
-        <p:nvSpPr>
-          <p:cNvPr id="4" name="Content Placeholder 3">
-            <a:extLst>
-              <a:ext uri="{FF2B5EF4-FFF2-40B4-BE49-F238E27FC236}">
-                <a16:creationId xmlns:a16="http://schemas.microsoft.com/office/drawing/2014/main" id="{209E8BC9-F17E-7D49-33D1-5154892B61C2}"/>
-              </a:ext>
-            </a:extLst>
-          </p:cNvPr>
-          <p:cNvSpPr>
-            <a:spLocks noGrp="1"/>
-          </p:cNvSpPr>
-          <p:nvPr>
-            <p:ph sz="half" idx="2"/>
-          </p:nvPr>
-        </p:nvSpPr>
-        <p:spPr/>
-        <p:txBody>
-          <a:bodyPr/>
-          <a:lstStyle/>
-          <a:p>
-            <a:endParaRPr lang="en-US"/>
-          </a:p>
-        </p:txBody>
-      </p:sp>
+      <p:pic>
+        <p:nvPicPr>
+          <p:cNvPr id="16" name="Content Placeholder 15">
+            <a:extLst>
+              <a:ext uri="{FF2B5EF4-FFF2-40B4-BE49-F238E27FC236}">
+                <a16:creationId xmlns:a16="http://schemas.microsoft.com/office/drawing/2014/main" id="{4E4DFC0F-2F32-5851-4461-EBFB3A404F99}"/>
+              </a:ext>
+            </a:extLst>
+          </p:cNvPr>
+          <p:cNvPicPr>
+            <a:picLocks noGrp="1" noChangeAspect="1"/>
+          </p:cNvPicPr>
+          <p:nvPr>
+            <p:ph sz="half" idx="1"/>
+          </p:nvPr>
+        </p:nvPicPr>
+        <p:blipFill>
+          <a:blip r:embed="rId3"/>
+          <a:stretch>
+            <a:fillRect/>
+          </a:stretch>
+        </p:blipFill>
+        <p:spPr>
+          <a:xfrm>
+            <a:off x="838200" y="2392271"/>
+            <a:ext cx="5181600" cy="3218046"/>
+          </a:xfrm>
+        </p:spPr>
+      </p:pic>
     </p:spTree>
     <p:extLst>
       <p:ext uri="{BB962C8B-B14F-4D97-AF65-F5344CB8AC3E}">
-        <p14:creationId xmlns:p14="http://schemas.microsoft.com/office/powerpoint/2010/main" val="2445845414"/>
+        <p14:creationId xmlns:p14="http://schemas.microsoft.com/office/powerpoint/2010/main" val="3512753403"/>
       </p:ext>
     </p:extLst>
   </p:cSld>

--- a/SURVIVAL RATIO PLOTS_For survey.pptx
+++ b/SURVIVAL RATIO PLOTS_For survey.pptx
@@ -5,7 +5,7 @@
     <p:sldMasterId id="2147483648" r:id="rId1"/>
   </p:sldMasterIdLst>
   <p:notesMasterIdLst>
-    <p:notesMasterId r:id="rId20"/>
+    <p:notesMasterId r:id="rId24"/>
   </p:notesMasterIdLst>
   <p:sldIdLst>
     <p:sldId id="256" r:id="rId2"/>
@@ -15,17 +15,21 @@
     <p:sldId id="257" r:id="rId6"/>
     <p:sldId id="271" r:id="rId7"/>
     <p:sldId id="262" r:id="rId8"/>
-    <p:sldId id="272" r:id="rId9"/>
+    <p:sldId id="274" r:id="rId9"/>
     <p:sldId id="258" r:id="rId10"/>
     <p:sldId id="265" r:id="rId11"/>
-    <p:sldId id="259" r:id="rId12"/>
-    <p:sldId id="263" r:id="rId13"/>
-    <p:sldId id="260" r:id="rId14"/>
-    <p:sldId id="264" r:id="rId15"/>
-    <p:sldId id="266" r:id="rId16"/>
-    <p:sldId id="267" r:id="rId17"/>
-    <p:sldId id="268" r:id="rId18"/>
-    <p:sldId id="269" r:id="rId19"/>
+    <p:sldId id="275" r:id="rId12"/>
+    <p:sldId id="259" r:id="rId13"/>
+    <p:sldId id="263" r:id="rId14"/>
+    <p:sldId id="276" r:id="rId15"/>
+    <p:sldId id="260" r:id="rId16"/>
+    <p:sldId id="264" r:id="rId17"/>
+    <p:sldId id="277" r:id="rId18"/>
+    <p:sldId id="266" r:id="rId19"/>
+    <p:sldId id="267" r:id="rId20"/>
+    <p:sldId id="279" r:id="rId21"/>
+    <p:sldId id="268" r:id="rId22"/>
+    <p:sldId id="269" r:id="rId23"/>
   </p:sldIdLst>
   <p:sldSz cx="12192000" cy="6858000"/>
   <p:notesSz cx="6858000" cy="9144000"/>
@@ -4130,6 +4134,96 @@
   <p:cSld>
     <p:spTree>
       <p:nvGrpSpPr>
+        <p:cNvPr id="1" name="">
+          <a:extLst>
+            <a:ext uri="{FF2B5EF4-FFF2-40B4-BE49-F238E27FC236}">
+              <a16:creationId xmlns:a16="http://schemas.microsoft.com/office/drawing/2014/main" id="{D4603545-5A42-F149-4F84-EBB9694C6B4B}"/>
+            </a:ext>
+          </a:extLst>
+        </p:cNvPr>
+        <p:cNvGrpSpPr/>
+        <p:nvPr/>
+      </p:nvGrpSpPr>
+      <p:grpSpPr>
+        <a:xfrm>
+          <a:off x="0" y="0"/>
+          <a:ext cx="0" cy="0"/>
+          <a:chOff x="0" y="0"/>
+          <a:chExt cx="0" cy="0"/>
+        </a:xfrm>
+      </p:grpSpPr>
+      <p:sp>
+        <p:nvSpPr>
+          <p:cNvPr id="4" name="Title 3">
+            <a:extLst>
+              <a:ext uri="{FF2B5EF4-FFF2-40B4-BE49-F238E27FC236}">
+                <a16:creationId xmlns:a16="http://schemas.microsoft.com/office/drawing/2014/main" id="{A3BA3AC8-E9AA-14B6-42B1-A813CB485939}"/>
+              </a:ext>
+            </a:extLst>
+          </p:cNvPr>
+          <p:cNvSpPr>
+            <a:spLocks noGrp="1"/>
+          </p:cNvSpPr>
+          <p:nvPr>
+            <p:ph type="title"/>
+          </p:nvPr>
+        </p:nvSpPr>
+        <p:spPr/>
+        <p:txBody>
+          <a:bodyPr/>
+          <a:lstStyle/>
+          <a:p>
+            <a:r>
+              <a:rPr lang="en-US" b="1" dirty="0"/>
+              <a:t>Comparison of survival between Pathologic stage I and II of Breast Cancer </a:t>
+            </a:r>
+            <a:endParaRPr lang="en-US" dirty="0"/>
+          </a:p>
+        </p:txBody>
+      </p:sp>
+      <p:sp>
+        <p:nvSpPr>
+          <p:cNvPr id="5" name="Text Placeholder 4">
+            <a:extLst>
+              <a:ext uri="{FF2B5EF4-FFF2-40B4-BE49-F238E27FC236}">
+                <a16:creationId xmlns:a16="http://schemas.microsoft.com/office/drawing/2014/main" id="{BD992DC7-4F1F-12D5-4DE0-190FD80E0606}"/>
+              </a:ext>
+            </a:extLst>
+          </p:cNvPr>
+          <p:cNvSpPr>
+            <a:spLocks noGrp="1"/>
+          </p:cNvSpPr>
+          <p:nvPr>
+            <p:ph type="body" idx="1"/>
+          </p:nvPr>
+        </p:nvSpPr>
+        <p:spPr/>
+        <p:txBody>
+          <a:bodyPr/>
+          <a:lstStyle/>
+          <a:p>
+            <a:endParaRPr lang="en-US"/>
+          </a:p>
+        </p:txBody>
+      </p:sp>
+    </p:spTree>
+    <p:extLst>
+      <p:ext uri="{BB962C8B-B14F-4D97-AF65-F5344CB8AC3E}">
+        <p14:creationId xmlns:p14="http://schemas.microsoft.com/office/powerpoint/2010/main" val="3903136321"/>
+      </p:ext>
+    </p:extLst>
+  </p:cSld>
+  <p:clrMapOvr>
+    <a:masterClrMapping/>
+  </p:clrMapOvr>
+</p:sld>
+</file>
+
+<file path=ppt/slides/slide12.xml><?xml version="1.0" encoding="utf-8"?>
+<p:sld xmlns:a="http://schemas.openxmlformats.org/drawingml/2006/main" xmlns:r="http://schemas.openxmlformats.org/officeDocument/2006/relationships" xmlns:p="http://schemas.openxmlformats.org/presentationml/2006/main">
+  <p:cSld>
+    <p:spTree>
+      <p:nvGrpSpPr>
         <p:cNvPr id="1" name=""/>
         <p:cNvGrpSpPr/>
         <p:nvPr/>
@@ -4241,7 +4335,7 @@
 </p:sld>
 </file>
 
-<file path=ppt/slides/slide12.xml><?xml version="1.0" encoding="utf-8"?>
+<file path=ppt/slides/slide13.xml><?xml version="1.0" encoding="utf-8"?>
 <p:sld xmlns:a="http://schemas.openxmlformats.org/drawingml/2006/main" xmlns:r="http://schemas.openxmlformats.org/officeDocument/2006/relationships" xmlns:p="http://schemas.openxmlformats.org/presentationml/2006/main">
   <p:cSld>
     <p:spTree>
@@ -4354,7 +4448,97 @@
 </p:sld>
 </file>
 
-<file path=ppt/slides/slide13.xml><?xml version="1.0" encoding="utf-8"?>
+<file path=ppt/slides/slide14.xml><?xml version="1.0" encoding="utf-8"?>
+<p:sld xmlns:a="http://schemas.openxmlformats.org/drawingml/2006/main" xmlns:r="http://schemas.openxmlformats.org/officeDocument/2006/relationships" xmlns:p="http://schemas.openxmlformats.org/presentationml/2006/main">
+  <p:cSld>
+    <p:spTree>
+      <p:nvGrpSpPr>
+        <p:cNvPr id="1" name="">
+          <a:extLst>
+            <a:ext uri="{FF2B5EF4-FFF2-40B4-BE49-F238E27FC236}">
+              <a16:creationId xmlns:a16="http://schemas.microsoft.com/office/drawing/2014/main" id="{C4F2FAF2-5643-D3FC-3520-C4DA7A0D238F}"/>
+            </a:ext>
+          </a:extLst>
+        </p:cNvPr>
+        <p:cNvGrpSpPr/>
+        <p:nvPr/>
+      </p:nvGrpSpPr>
+      <p:grpSpPr>
+        <a:xfrm>
+          <a:off x="0" y="0"/>
+          <a:ext cx="0" cy="0"/>
+          <a:chOff x="0" y="0"/>
+          <a:chExt cx="0" cy="0"/>
+        </a:xfrm>
+      </p:grpSpPr>
+      <p:sp>
+        <p:nvSpPr>
+          <p:cNvPr id="4" name="Title 3">
+            <a:extLst>
+              <a:ext uri="{FF2B5EF4-FFF2-40B4-BE49-F238E27FC236}">
+                <a16:creationId xmlns:a16="http://schemas.microsoft.com/office/drawing/2014/main" id="{CE9ED585-DAA3-9B03-3EE3-CEA1570E822D}"/>
+              </a:ext>
+            </a:extLst>
+          </p:cNvPr>
+          <p:cNvSpPr>
+            <a:spLocks noGrp="1"/>
+          </p:cNvSpPr>
+          <p:nvPr>
+            <p:ph type="title"/>
+          </p:nvPr>
+        </p:nvSpPr>
+        <p:spPr/>
+        <p:txBody>
+          <a:bodyPr/>
+          <a:lstStyle/>
+          <a:p>
+            <a:r>
+              <a:rPr lang="en-US" b="1" dirty="0"/>
+              <a:t>Comparison of Survival Between White and Black race</a:t>
+            </a:r>
+            <a:endParaRPr lang="en-US" dirty="0"/>
+          </a:p>
+        </p:txBody>
+      </p:sp>
+      <p:sp>
+        <p:nvSpPr>
+          <p:cNvPr id="5" name="Text Placeholder 4">
+            <a:extLst>
+              <a:ext uri="{FF2B5EF4-FFF2-40B4-BE49-F238E27FC236}">
+                <a16:creationId xmlns:a16="http://schemas.microsoft.com/office/drawing/2014/main" id="{9A9476C6-8633-0145-09B3-EDCFF0C0198B}"/>
+              </a:ext>
+            </a:extLst>
+          </p:cNvPr>
+          <p:cNvSpPr>
+            <a:spLocks noGrp="1"/>
+          </p:cNvSpPr>
+          <p:nvPr>
+            <p:ph type="body" idx="1"/>
+          </p:nvPr>
+        </p:nvSpPr>
+        <p:spPr/>
+        <p:txBody>
+          <a:bodyPr/>
+          <a:lstStyle/>
+          <a:p>
+            <a:endParaRPr lang="en-US"/>
+          </a:p>
+        </p:txBody>
+      </p:sp>
+    </p:spTree>
+    <p:extLst>
+      <p:ext uri="{BB962C8B-B14F-4D97-AF65-F5344CB8AC3E}">
+        <p14:creationId xmlns:p14="http://schemas.microsoft.com/office/powerpoint/2010/main" val="863206904"/>
+      </p:ext>
+    </p:extLst>
+  </p:cSld>
+  <p:clrMapOvr>
+    <a:masterClrMapping/>
+  </p:clrMapOvr>
+</p:sld>
+</file>
+
+<file path=ppt/slides/slide15.xml><?xml version="1.0" encoding="utf-8"?>
 <p:sld xmlns:a="http://schemas.openxmlformats.org/drawingml/2006/main" xmlns:r="http://schemas.openxmlformats.org/officeDocument/2006/relationships" xmlns:p="http://schemas.openxmlformats.org/presentationml/2006/main">
   <p:cSld>
     <p:spTree>
@@ -4470,7 +4654,7 @@
 </p:sld>
 </file>
 
-<file path=ppt/slides/slide14.xml><?xml version="1.0" encoding="utf-8"?>
+<file path=ppt/slides/slide16.xml><?xml version="1.0" encoding="utf-8"?>
 <p:sld xmlns:a="http://schemas.openxmlformats.org/drawingml/2006/main" xmlns:r="http://schemas.openxmlformats.org/officeDocument/2006/relationships" xmlns:p="http://schemas.openxmlformats.org/presentationml/2006/main">
   <p:cSld>
     <p:spTree>
@@ -4585,7 +4769,99 @@
 </p:sld>
 </file>
 
-<file path=ppt/slides/slide15.xml><?xml version="1.0" encoding="utf-8"?>
+<file path=ppt/slides/slide17.xml><?xml version="1.0" encoding="utf-8"?>
+<p:sld xmlns:a="http://schemas.openxmlformats.org/drawingml/2006/main" xmlns:r="http://schemas.openxmlformats.org/officeDocument/2006/relationships" xmlns:p="http://schemas.openxmlformats.org/presentationml/2006/main">
+  <p:cSld>
+    <p:spTree>
+      <p:nvGrpSpPr>
+        <p:cNvPr id="1" name="">
+          <a:extLst>
+            <a:ext uri="{FF2B5EF4-FFF2-40B4-BE49-F238E27FC236}">
+              <a16:creationId xmlns:a16="http://schemas.microsoft.com/office/drawing/2014/main" id="{8C6FDB4A-6FEF-DCD1-523A-CCA1C24B41E3}"/>
+            </a:ext>
+          </a:extLst>
+        </p:cNvPr>
+        <p:cNvGrpSpPr/>
+        <p:nvPr/>
+      </p:nvGrpSpPr>
+      <p:grpSpPr>
+        <a:xfrm>
+          <a:off x="0" y="0"/>
+          <a:ext cx="0" cy="0"/>
+          <a:chOff x="0" y="0"/>
+          <a:chExt cx="0" cy="0"/>
+        </a:xfrm>
+      </p:grpSpPr>
+      <p:sp>
+        <p:nvSpPr>
+          <p:cNvPr id="4" name="Title 3">
+            <a:extLst>
+              <a:ext uri="{FF2B5EF4-FFF2-40B4-BE49-F238E27FC236}">
+                <a16:creationId xmlns:a16="http://schemas.microsoft.com/office/drawing/2014/main" id="{25700C4D-7B3A-4C4A-96A7-BC62A8A92E12}"/>
+              </a:ext>
+            </a:extLst>
+          </p:cNvPr>
+          <p:cNvSpPr>
+            <a:spLocks noGrp="1"/>
+          </p:cNvSpPr>
+          <p:nvPr>
+            <p:ph type="title"/>
+          </p:nvPr>
+        </p:nvSpPr>
+        <p:spPr/>
+        <p:txBody>
+          <a:bodyPr>
+            <a:normAutofit/>
+          </a:bodyPr>
+          <a:lstStyle/>
+          <a:p>
+            <a:r>
+              <a:rPr lang="en-US" b="1" dirty="0"/>
+              <a:t>Comparison of survival between patients with lymph node metastasis N0 /N1</a:t>
+            </a:r>
+            <a:endParaRPr lang="en-US" dirty="0"/>
+          </a:p>
+        </p:txBody>
+      </p:sp>
+      <p:sp>
+        <p:nvSpPr>
+          <p:cNvPr id="5" name="Text Placeholder 4">
+            <a:extLst>
+              <a:ext uri="{FF2B5EF4-FFF2-40B4-BE49-F238E27FC236}">
+                <a16:creationId xmlns:a16="http://schemas.microsoft.com/office/drawing/2014/main" id="{5BAB2B81-76CA-ADC4-C582-782FF5B914CD}"/>
+              </a:ext>
+            </a:extLst>
+          </p:cNvPr>
+          <p:cNvSpPr>
+            <a:spLocks noGrp="1"/>
+          </p:cNvSpPr>
+          <p:nvPr>
+            <p:ph type="body" idx="1"/>
+          </p:nvPr>
+        </p:nvSpPr>
+        <p:spPr/>
+        <p:txBody>
+          <a:bodyPr/>
+          <a:lstStyle/>
+          <a:p>
+            <a:endParaRPr lang="en-US"/>
+          </a:p>
+        </p:txBody>
+      </p:sp>
+    </p:spTree>
+    <p:extLst>
+      <p:ext uri="{BB962C8B-B14F-4D97-AF65-F5344CB8AC3E}">
+        <p14:creationId xmlns:p14="http://schemas.microsoft.com/office/powerpoint/2010/main" val="720784618"/>
+      </p:ext>
+    </p:extLst>
+  </p:cSld>
+  <p:clrMapOvr>
+    <a:masterClrMapping/>
+  </p:clrMapOvr>
+</p:sld>
+</file>
+
+<file path=ppt/slides/slide18.xml><?xml version="1.0" encoding="utf-8"?>
 <p:sld xmlns:a="http://schemas.openxmlformats.org/drawingml/2006/main" xmlns:r="http://schemas.openxmlformats.org/officeDocument/2006/relationships" xmlns:p="http://schemas.openxmlformats.org/presentationml/2006/main">
   <p:cSld>
     <p:spTree>
@@ -4701,7 +4977,7 @@
 </p:sld>
 </file>
 
-<file path=ppt/slides/slide16.xml><?xml version="1.0" encoding="utf-8"?>
+<file path=ppt/slides/slide19.xml><?xml version="1.0" encoding="utf-8"?>
 <p:sld xmlns:a="http://schemas.openxmlformats.org/drawingml/2006/main" xmlns:r="http://schemas.openxmlformats.org/officeDocument/2006/relationships" xmlns:p="http://schemas.openxmlformats.org/presentationml/2006/main">
   <p:cSld>
     <p:spTree>
@@ -4813,7 +5089,265 @@
 </p:sld>
 </file>
 
-<file path=ppt/slides/slide17.xml><?xml version="1.0" encoding="utf-8"?>
+<file path=ppt/slides/slide2.xml><?xml version="1.0" encoding="utf-8"?>
+<p:sld xmlns:a="http://schemas.openxmlformats.org/drawingml/2006/main" xmlns:r="http://schemas.openxmlformats.org/officeDocument/2006/relationships" xmlns:p="http://schemas.openxmlformats.org/presentationml/2006/main">
+  <p:cSld>
+    <p:spTree>
+      <p:nvGrpSpPr>
+        <p:cNvPr id="1" name=""/>
+        <p:cNvGrpSpPr/>
+        <p:nvPr/>
+      </p:nvGrpSpPr>
+      <p:grpSpPr>
+        <a:xfrm>
+          <a:off x="0" y="0"/>
+          <a:ext cx="0" cy="0"/>
+          <a:chOff x="0" y="0"/>
+          <a:chExt cx="0" cy="0"/>
+        </a:xfrm>
+      </p:grpSpPr>
+      <p:sp>
+        <p:nvSpPr>
+          <p:cNvPr id="2" name="Title 1">
+            <a:extLst>
+              <a:ext uri="{FF2B5EF4-FFF2-40B4-BE49-F238E27FC236}">
+                <a16:creationId xmlns:a16="http://schemas.microsoft.com/office/drawing/2014/main" id="{D140F1A0-2C3A-8EDD-C662-56896250F397}"/>
+              </a:ext>
+            </a:extLst>
+          </p:cNvPr>
+          <p:cNvSpPr>
+            <a:spLocks noGrp="1"/>
+          </p:cNvSpPr>
+          <p:nvPr>
+            <p:ph type="title"/>
+          </p:nvPr>
+        </p:nvSpPr>
+        <p:spPr/>
+        <p:txBody>
+          <a:bodyPr/>
+          <a:lstStyle/>
+          <a:p>
+            <a:r>
+              <a:rPr lang="en-US" b="1" dirty="0"/>
+              <a:t>BACKGROUND  </a:t>
+            </a:r>
+          </a:p>
+        </p:txBody>
+      </p:sp>
+      <p:sp>
+        <p:nvSpPr>
+          <p:cNvPr id="3" name="Content Placeholder 2">
+            <a:extLst>
+              <a:ext uri="{FF2B5EF4-FFF2-40B4-BE49-F238E27FC236}">
+                <a16:creationId xmlns:a16="http://schemas.microsoft.com/office/drawing/2014/main" id="{C5552531-D336-0711-E2FD-74F81658158D}"/>
+              </a:ext>
+            </a:extLst>
+          </p:cNvPr>
+          <p:cNvSpPr>
+            <a:spLocks noGrp="1"/>
+          </p:cNvSpPr>
+          <p:nvPr>
+            <p:ph idx="1"/>
+          </p:nvPr>
+        </p:nvSpPr>
+        <p:spPr/>
+        <p:txBody>
+          <a:bodyPr>
+            <a:normAutofit fontScale="77500" lnSpcReduction="20000"/>
+          </a:bodyPr>
+          <a:lstStyle/>
+          <a:p>
+            <a:r>
+              <a:rPr lang="en-US" dirty="0"/>
+              <a:t>Time-to-event analysis “survival analysis” is a key area of statistics that has several applications in clinical practice, for instance, in the management of Noncommunicable diseases, to understand survival time, time to recurrence, or relapse. </a:t>
+            </a:r>
+          </a:p>
+          <a:p>
+            <a:r>
+              <a:rPr lang="en-US" dirty="0"/>
+              <a:t>This survey aims </a:t>
+            </a:r>
+            <a:r>
+              <a:rPr lang="en-US" b="1" dirty="0"/>
+              <a:t>to understand clinicians’ preferences </a:t>
+            </a:r>
+            <a:r>
+              <a:rPr lang="en-US" dirty="0"/>
+              <a:t>in visualizing survival data. </a:t>
+            </a:r>
+          </a:p>
+          <a:p>
+            <a:r>
+              <a:rPr lang="en-US" dirty="0"/>
+              <a:t>There will be 3 types of survival plots: </a:t>
+            </a:r>
+            <a:r>
+              <a:rPr lang="en-US" b="1" dirty="0"/>
+              <a:t>Kaplan Meier, survival ratio, and survival difference plots</a:t>
+            </a:r>
+            <a:r>
+              <a:rPr lang="en-US" dirty="0"/>
+              <a:t>. The same data is displayed differently. We would like to know your preference among the 3 plots. Interpretations will be provided. </a:t>
+            </a:r>
+          </a:p>
+          <a:p>
+            <a:r>
+              <a:rPr lang="en-US" dirty="0"/>
+              <a:t>This study is conducted by Victor and Shyam in fulfillment of  MSc in health data science at the University of Galway.</a:t>
+            </a:r>
+          </a:p>
+          <a:p>
+            <a:r>
+              <a:rPr lang="en-US" dirty="0"/>
+              <a:t>All the responses are </a:t>
+            </a:r>
+            <a:r>
+              <a:rPr lang="en-US" b="1" dirty="0"/>
+              <a:t>anonymous </a:t>
+            </a:r>
+            <a:r>
+              <a:rPr lang="en-US" dirty="0"/>
+              <a:t>and Participation is </a:t>
+            </a:r>
+            <a:r>
+              <a:rPr lang="en-US" b="1" dirty="0"/>
+              <a:t>voluntary</a:t>
+            </a:r>
+            <a:r>
+              <a:rPr lang="en-US" dirty="0"/>
+              <a:t>. It will take 5 min </a:t>
+            </a:r>
+          </a:p>
+          <a:p>
+            <a:r>
+              <a:rPr lang="en-US" dirty="0"/>
+              <a:t>Your input is highly valued, and we appreciate your time in completing this survey.</a:t>
+            </a:r>
+          </a:p>
+          <a:p>
+            <a:r>
+              <a:rPr lang="en-US" dirty="0"/>
+              <a:t>For more information: </a:t>
+            </a:r>
+            <a:r>
+              <a:rPr lang="en-US" dirty="0">
+                <a:hlinkClick r:id="rId2"/>
+              </a:rPr>
+              <a:t>v.rwandarwacu1@universityofgalway</a:t>
+            </a:r>
+            <a:endParaRPr lang="en-US" dirty="0"/>
+          </a:p>
+          <a:p>
+            <a:endParaRPr lang="en-US" dirty="0"/>
+          </a:p>
+        </p:txBody>
+      </p:sp>
+    </p:spTree>
+    <p:extLst>
+      <p:ext uri="{BB962C8B-B14F-4D97-AF65-F5344CB8AC3E}">
+        <p14:creationId xmlns:p14="http://schemas.microsoft.com/office/powerpoint/2010/main" val="4244638327"/>
+      </p:ext>
+    </p:extLst>
+  </p:cSld>
+  <p:clrMapOvr>
+    <a:masterClrMapping/>
+  </p:clrMapOvr>
+</p:sld>
+</file>
+
+<file path=ppt/slides/slide20.xml><?xml version="1.0" encoding="utf-8"?>
+<p:sld xmlns:a="http://schemas.openxmlformats.org/drawingml/2006/main" xmlns:r="http://schemas.openxmlformats.org/officeDocument/2006/relationships" xmlns:p="http://schemas.openxmlformats.org/presentationml/2006/main">
+  <p:cSld>
+    <p:spTree>
+      <p:nvGrpSpPr>
+        <p:cNvPr id="1" name="">
+          <a:extLst>
+            <a:ext uri="{FF2B5EF4-FFF2-40B4-BE49-F238E27FC236}">
+              <a16:creationId xmlns:a16="http://schemas.microsoft.com/office/drawing/2014/main" id="{27441C74-8F36-20BA-36D8-E4D71E6C00FE}"/>
+            </a:ext>
+          </a:extLst>
+        </p:cNvPr>
+        <p:cNvGrpSpPr/>
+        <p:nvPr/>
+      </p:nvGrpSpPr>
+      <p:grpSpPr>
+        <a:xfrm>
+          <a:off x="0" y="0"/>
+          <a:ext cx="0" cy="0"/>
+          <a:chOff x="0" y="0"/>
+          <a:chExt cx="0" cy="0"/>
+        </a:xfrm>
+      </p:grpSpPr>
+      <p:sp>
+        <p:nvSpPr>
+          <p:cNvPr id="4" name="Title 3">
+            <a:extLst>
+              <a:ext uri="{FF2B5EF4-FFF2-40B4-BE49-F238E27FC236}">
+                <a16:creationId xmlns:a16="http://schemas.microsoft.com/office/drawing/2014/main" id="{2B53FFEC-14B7-BA66-6638-81456FAFFBAC}"/>
+              </a:ext>
+            </a:extLst>
+          </p:cNvPr>
+          <p:cNvSpPr>
+            <a:spLocks noGrp="1"/>
+          </p:cNvSpPr>
+          <p:nvPr>
+            <p:ph type="title"/>
+          </p:nvPr>
+        </p:nvSpPr>
+        <p:spPr/>
+        <p:txBody>
+          <a:bodyPr>
+            <a:normAutofit/>
+          </a:bodyPr>
+          <a:lstStyle/>
+          <a:p>
+            <a:r>
+              <a:rPr lang="en-US" b="1" dirty="0"/>
+              <a:t>Comparison of survival between patients with lymph node metastasis N0 /N2</a:t>
+            </a:r>
+            <a:endParaRPr lang="en-US" dirty="0"/>
+          </a:p>
+        </p:txBody>
+      </p:sp>
+      <p:sp>
+        <p:nvSpPr>
+          <p:cNvPr id="5" name="Text Placeholder 4">
+            <a:extLst>
+              <a:ext uri="{FF2B5EF4-FFF2-40B4-BE49-F238E27FC236}">
+                <a16:creationId xmlns:a16="http://schemas.microsoft.com/office/drawing/2014/main" id="{40EEB8F1-CF14-B6D6-8E29-930A9395CA55}"/>
+              </a:ext>
+            </a:extLst>
+          </p:cNvPr>
+          <p:cNvSpPr>
+            <a:spLocks noGrp="1"/>
+          </p:cNvSpPr>
+          <p:nvPr>
+            <p:ph type="body" idx="1"/>
+          </p:nvPr>
+        </p:nvSpPr>
+        <p:spPr/>
+        <p:txBody>
+          <a:bodyPr/>
+          <a:lstStyle/>
+          <a:p>
+            <a:endParaRPr lang="en-US"/>
+          </a:p>
+        </p:txBody>
+      </p:sp>
+    </p:spTree>
+    <p:extLst>
+      <p:ext uri="{BB962C8B-B14F-4D97-AF65-F5344CB8AC3E}">
+        <p14:creationId xmlns:p14="http://schemas.microsoft.com/office/powerpoint/2010/main" val="4099271204"/>
+      </p:ext>
+    </p:extLst>
+  </p:cSld>
+  <p:clrMapOvr>
+    <a:masterClrMapping/>
+  </p:clrMapOvr>
+</p:sld>
+</file>
+
+<file path=ppt/slides/slide21.xml><?xml version="1.0" encoding="utf-8"?>
 <p:sld xmlns:a="http://schemas.openxmlformats.org/drawingml/2006/main" xmlns:r="http://schemas.openxmlformats.org/officeDocument/2006/relationships" xmlns:p="http://schemas.openxmlformats.org/presentationml/2006/main">
   <p:cSld>
     <p:spTree>
@@ -4929,7 +5463,7 @@
 </p:sld>
 </file>
 
-<file path=ppt/slides/slide18.xml><?xml version="1.0" encoding="utf-8"?>
+<file path=ppt/slides/slide22.xml><?xml version="1.0" encoding="utf-8"?>
 <p:sld xmlns:a="http://schemas.openxmlformats.org/drawingml/2006/main" xmlns:r="http://schemas.openxmlformats.org/officeDocument/2006/relationships" xmlns:p="http://schemas.openxmlformats.org/presentationml/2006/main">
   <p:cSld>
     <p:spTree>
@@ -5038,172 +5572,6 @@
     <p:extLst>
       <p:ext uri="{BB962C8B-B14F-4D97-AF65-F5344CB8AC3E}">
         <p14:creationId xmlns:p14="http://schemas.microsoft.com/office/powerpoint/2010/main" val="695577340"/>
-      </p:ext>
-    </p:extLst>
-  </p:cSld>
-  <p:clrMapOvr>
-    <a:masterClrMapping/>
-  </p:clrMapOvr>
-</p:sld>
-</file>
-
-<file path=ppt/slides/slide2.xml><?xml version="1.0" encoding="utf-8"?>
-<p:sld xmlns:a="http://schemas.openxmlformats.org/drawingml/2006/main" xmlns:r="http://schemas.openxmlformats.org/officeDocument/2006/relationships" xmlns:p="http://schemas.openxmlformats.org/presentationml/2006/main">
-  <p:cSld>
-    <p:spTree>
-      <p:nvGrpSpPr>
-        <p:cNvPr id="1" name=""/>
-        <p:cNvGrpSpPr/>
-        <p:nvPr/>
-      </p:nvGrpSpPr>
-      <p:grpSpPr>
-        <a:xfrm>
-          <a:off x="0" y="0"/>
-          <a:ext cx="0" cy="0"/>
-          <a:chOff x="0" y="0"/>
-          <a:chExt cx="0" cy="0"/>
-        </a:xfrm>
-      </p:grpSpPr>
-      <p:sp>
-        <p:nvSpPr>
-          <p:cNvPr id="2" name="Title 1">
-            <a:extLst>
-              <a:ext uri="{FF2B5EF4-FFF2-40B4-BE49-F238E27FC236}">
-                <a16:creationId xmlns:a16="http://schemas.microsoft.com/office/drawing/2014/main" id="{D140F1A0-2C3A-8EDD-C662-56896250F397}"/>
-              </a:ext>
-            </a:extLst>
-          </p:cNvPr>
-          <p:cNvSpPr>
-            <a:spLocks noGrp="1"/>
-          </p:cNvSpPr>
-          <p:nvPr>
-            <p:ph type="title"/>
-          </p:nvPr>
-        </p:nvSpPr>
-        <p:spPr/>
-        <p:txBody>
-          <a:bodyPr/>
-          <a:lstStyle/>
-          <a:p>
-            <a:r>
-              <a:rPr lang="en-US" b="1" dirty="0"/>
-              <a:t>BACKGROUND  </a:t>
-            </a:r>
-          </a:p>
-        </p:txBody>
-      </p:sp>
-      <p:sp>
-        <p:nvSpPr>
-          <p:cNvPr id="3" name="Content Placeholder 2">
-            <a:extLst>
-              <a:ext uri="{FF2B5EF4-FFF2-40B4-BE49-F238E27FC236}">
-                <a16:creationId xmlns:a16="http://schemas.microsoft.com/office/drawing/2014/main" id="{C5552531-D336-0711-E2FD-74F81658158D}"/>
-              </a:ext>
-            </a:extLst>
-          </p:cNvPr>
-          <p:cNvSpPr>
-            <a:spLocks noGrp="1"/>
-          </p:cNvSpPr>
-          <p:nvPr>
-            <p:ph idx="1"/>
-          </p:nvPr>
-        </p:nvSpPr>
-        <p:spPr/>
-        <p:txBody>
-          <a:bodyPr>
-            <a:normAutofit fontScale="77500" lnSpcReduction="20000"/>
-          </a:bodyPr>
-          <a:lstStyle/>
-          <a:p>
-            <a:r>
-              <a:rPr lang="en-US" dirty="0"/>
-              <a:t>Time-to-event analysis “survival analysis” is a key area of statistics that has several applications in clinical practice, for instance, in the management of Noncommunicable diseases, to understand survival time, time to recurrence, or relapse. </a:t>
-            </a:r>
-          </a:p>
-          <a:p>
-            <a:r>
-              <a:rPr lang="en-US" dirty="0"/>
-              <a:t>This survey aims </a:t>
-            </a:r>
-            <a:r>
-              <a:rPr lang="en-US" b="1" dirty="0"/>
-              <a:t>to understand clinicians’ preferences </a:t>
-            </a:r>
-            <a:r>
-              <a:rPr lang="en-US" dirty="0"/>
-              <a:t>in visualizing survival data. </a:t>
-            </a:r>
-          </a:p>
-          <a:p>
-            <a:r>
-              <a:rPr lang="en-US" dirty="0"/>
-              <a:t>There will be 3 types of survival plots: </a:t>
-            </a:r>
-            <a:r>
-              <a:rPr lang="en-US" b="1" dirty="0"/>
-              <a:t>Kaplan Meier, survival ratio, and survival difference plots</a:t>
-            </a:r>
-            <a:r>
-              <a:rPr lang="en-US" dirty="0"/>
-              <a:t>. The same data is displayed differently. We would like to know your preference among the 3 plots. Interpretations will be provided. </a:t>
-            </a:r>
-          </a:p>
-          <a:p>
-            <a:r>
-              <a:rPr lang="en-US" dirty="0"/>
-              <a:t>This study is conducted by Victor and Shyam in fulfillment of an MSc in health data science at the University of Galway.</a:t>
-            </a:r>
-          </a:p>
-          <a:p>
-            <a:r>
-              <a:rPr lang="en-US" dirty="0"/>
-              <a:t>All the responses are </a:t>
-            </a:r>
-            <a:r>
-              <a:rPr lang="en-US" b="1" dirty="0"/>
-              <a:t>anonymous </a:t>
-            </a:r>
-            <a:r>
-              <a:rPr lang="en-US" dirty="0"/>
-              <a:t>and Participation is </a:t>
-            </a:r>
-            <a:r>
-              <a:rPr lang="en-US" b="1" dirty="0"/>
-              <a:t>voluntary</a:t>
-            </a:r>
-            <a:r>
-              <a:rPr lang="en-US" dirty="0"/>
-              <a:t>. It will take 5 min </a:t>
-            </a:r>
-          </a:p>
-          <a:p>
-            <a:r>
-              <a:rPr lang="en-US" dirty="0"/>
-              <a:t>Your input is highly valued, and we appreciate your time in completing this survey.</a:t>
-            </a:r>
-          </a:p>
-          <a:p>
-            <a:r>
-              <a:rPr lang="en-US" dirty="0"/>
-              <a:t>For more information: </a:t>
-            </a:r>
-            <a:r>
-              <a:rPr lang="en-US" dirty="0">
-                <a:hlinkClick r:id="rId2"/>
-              </a:rPr>
-              <a:t>v.rwandarwacu1@universityofgalway</a:t>
-            </a:r>
-            <a:endParaRPr lang="en-US" dirty="0"/>
-          </a:p>
-          <a:p>
-            <a:endParaRPr lang="en-US" dirty="0"/>
-          </a:p>
-        </p:txBody>
-      </p:sp>
-    </p:spTree>
-    <p:extLst>
-      <p:ext uri="{BB962C8B-B14F-4D97-AF65-F5344CB8AC3E}">
-        <p14:creationId xmlns:p14="http://schemas.microsoft.com/office/powerpoint/2010/main" val="4244638327"/>
       </p:ext>
     </p:extLst>
   </p:cSld>
@@ -5277,7 +5645,7 @@
         <p:spPr/>
         <p:txBody>
           <a:bodyPr>
-            <a:normAutofit/>
+            <a:normAutofit fontScale="92500" lnSpcReduction="10000"/>
           </a:bodyPr>
           <a:lstStyle/>
           <a:p>
@@ -5317,6 +5685,12 @@
             <a:r>
               <a:rPr lang="en-US" dirty="0"/>
               <a:t>This dataset enables the analysis of prognostic factors, survival patterns, and treatment responses, making it a valuable resource for understanding clinical outcomes in breast cancer. </a:t>
+            </a:r>
+          </a:p>
+          <a:p>
+            <a:r>
+              <a:rPr lang="en-US" dirty="0"/>
+              <a:t>This data set will be used to visualize survival among patients with different pathologic stages.</a:t>
             </a:r>
           </a:p>
         </p:txBody>
@@ -5374,7 +5748,7 @@
           <a:p>
             <a:r>
               <a:rPr lang="en-US" b="1" dirty="0"/>
-              <a:t>Comparison of survival between Pathologic stage II and III</a:t>
+              <a:t>Comparison of survival between Pathologic stage II and III of Breast Cancer </a:t>
             </a:r>
             <a:endParaRPr lang="en-US" dirty="0"/>
           </a:p>
@@ -5910,7 +6284,13 @@
   <p:cSld>
     <p:spTree>
       <p:nvGrpSpPr>
-        <p:cNvPr id="1" name=""/>
+        <p:cNvPr id="1" name="">
+          <a:extLst>
+            <a:ext uri="{FF2B5EF4-FFF2-40B4-BE49-F238E27FC236}">
+              <a16:creationId xmlns:a16="http://schemas.microsoft.com/office/drawing/2014/main" id="{6317BF1F-AFD6-00DA-D465-E649D56BD6E8}"/>
+            </a:ext>
+          </a:extLst>
+        </p:cNvPr>
         <p:cNvGrpSpPr/>
         <p:nvPr/>
       </p:nvGrpSpPr>
@@ -5924,10 +6304,10 @@
       </p:grpSpPr>
       <p:sp>
         <p:nvSpPr>
-          <p:cNvPr id="2" name="Title 1">
-            <a:extLst>
-              <a:ext uri="{FF2B5EF4-FFF2-40B4-BE49-F238E27FC236}">
-                <a16:creationId xmlns:a16="http://schemas.microsoft.com/office/drawing/2014/main" id="{5278A7CC-2581-232C-5A9A-1CA1F1578C00}"/>
+          <p:cNvPr id="4" name="Title 3">
+            <a:extLst>
+              <a:ext uri="{FF2B5EF4-FFF2-40B4-BE49-F238E27FC236}">
+                <a16:creationId xmlns:a16="http://schemas.microsoft.com/office/drawing/2014/main" id="{A80A7236-9E9A-7FA6-485A-C485257E28FE}"/>
               </a:ext>
             </a:extLst>
           </p:cNvPr>
@@ -5943,49 +6323,28 @@
           <a:bodyPr/>
           <a:lstStyle/>
           <a:p>
-            <a:endParaRPr lang="en-US"/>
-          </a:p>
-        </p:txBody>
-      </p:sp>
-      <p:sp>
-        <p:nvSpPr>
-          <p:cNvPr id="3" name="Content Placeholder 2">
-            <a:extLst>
-              <a:ext uri="{FF2B5EF4-FFF2-40B4-BE49-F238E27FC236}">
-                <a16:creationId xmlns:a16="http://schemas.microsoft.com/office/drawing/2014/main" id="{2AC43A4E-04B8-5A0A-D82A-DC0C97B15FAF}"/>
-              </a:ext>
-            </a:extLst>
-          </p:cNvPr>
-          <p:cNvSpPr>
-            <a:spLocks noGrp="1"/>
-          </p:cNvSpPr>
-          <p:nvPr>
-            <p:ph sz="half" idx="1"/>
-          </p:nvPr>
-        </p:nvSpPr>
-        <p:spPr/>
-        <p:txBody>
-          <a:bodyPr/>
-          <a:lstStyle/>
-          <a:p>
-            <a:endParaRPr lang="en-US"/>
-          </a:p>
-        </p:txBody>
-      </p:sp>
-      <p:sp>
-        <p:nvSpPr>
-          <p:cNvPr id="4" name="Content Placeholder 3">
-            <a:extLst>
-              <a:ext uri="{FF2B5EF4-FFF2-40B4-BE49-F238E27FC236}">
-                <a16:creationId xmlns:a16="http://schemas.microsoft.com/office/drawing/2014/main" id="{1934301B-D6CC-4A94-8BE3-83449D12AE51}"/>
-              </a:ext>
-            </a:extLst>
-          </p:cNvPr>
-          <p:cNvSpPr>
-            <a:spLocks noGrp="1"/>
-          </p:cNvSpPr>
-          <p:nvPr>
-            <p:ph sz="half" idx="2"/>
+            <a:r>
+              <a:rPr lang="en-US" b="1" dirty="0"/>
+              <a:t>Comparison of survival between pathologic stage II and IV of Breast Cancer </a:t>
+            </a:r>
+            <a:endParaRPr lang="en-US" dirty="0"/>
+          </a:p>
+        </p:txBody>
+      </p:sp>
+      <p:sp>
+        <p:nvSpPr>
+          <p:cNvPr id="5" name="Text Placeholder 4">
+            <a:extLst>
+              <a:ext uri="{FF2B5EF4-FFF2-40B4-BE49-F238E27FC236}">
+                <a16:creationId xmlns:a16="http://schemas.microsoft.com/office/drawing/2014/main" id="{B78E3080-6BD8-BDFA-5A62-224C2B6B00C3}"/>
+              </a:ext>
+            </a:extLst>
+          </p:cNvPr>
+          <p:cNvSpPr>
+            <a:spLocks noGrp="1"/>
+          </p:cNvSpPr>
+          <p:nvPr>
+            <p:ph type="body" idx="1"/>
           </p:nvPr>
         </p:nvSpPr>
         <p:spPr/>
@@ -6000,7 +6359,7 @@
     </p:spTree>
     <p:extLst>
       <p:ext uri="{BB962C8B-B14F-4D97-AF65-F5344CB8AC3E}">
-        <p14:creationId xmlns:p14="http://schemas.microsoft.com/office/powerpoint/2010/main" val="3693609078"/>
+        <p14:creationId xmlns:p14="http://schemas.microsoft.com/office/powerpoint/2010/main" val="1230740427"/>
       </p:ext>
     </p:extLst>
   </p:cSld>
